--- a/Documents/Formatopresentacion UISRAEL.pptx
+++ b/Documents/Formatopresentacion UISRAEL.pptx
@@ -17,22 +17,20 @@
     <p:sldId id="282" r:id="rId11"/>
     <p:sldId id="266" r:id="rId12"/>
     <p:sldId id="267" r:id="rId13"/>
-    <p:sldId id="291" r:id="rId14"/>
-    <p:sldId id="292" r:id="rId15"/>
-    <p:sldId id="293" r:id="rId16"/>
-    <p:sldId id="294" r:id="rId17"/>
-    <p:sldId id="295" r:id="rId18"/>
-    <p:sldId id="260" r:id="rId19"/>
-    <p:sldId id="283" r:id="rId20"/>
-    <p:sldId id="284" r:id="rId21"/>
-    <p:sldId id="285" r:id="rId22"/>
-    <p:sldId id="286" r:id="rId23"/>
-    <p:sldId id="287" r:id="rId24"/>
-    <p:sldId id="288" r:id="rId25"/>
-    <p:sldId id="289" r:id="rId26"/>
-    <p:sldId id="290" r:id="rId27"/>
-    <p:sldId id="276" r:id="rId28"/>
-    <p:sldId id="262" r:id="rId29"/>
+    <p:sldId id="303" r:id="rId14"/>
+    <p:sldId id="291" r:id="rId15"/>
+    <p:sldId id="305" r:id="rId16"/>
+    <p:sldId id="301" r:id="rId17"/>
+    <p:sldId id="302" r:id="rId18"/>
+    <p:sldId id="293" r:id="rId19"/>
+    <p:sldId id="294" r:id="rId20"/>
+    <p:sldId id="295" r:id="rId21"/>
+    <p:sldId id="296" r:id="rId22"/>
+    <p:sldId id="306" r:id="rId23"/>
+    <p:sldId id="260" r:id="rId24"/>
+    <p:sldId id="287" r:id="rId25"/>
+    <p:sldId id="276" r:id="rId26"/>
+    <p:sldId id="262" r:id="rId27"/>
   </p:sldIdLst>
   <p:sldSz cx="12192000" cy="6858000"/>
   <p:notesSz cx="6858000" cy="9144000"/>
@@ -1101,143 +1099,6 @@
         </a:p>
       </dgm:t>
     </dgm:pt>
-    <dgm:pt modelId="{42D71409-67F9-455C-8C6D-716D284AAA6B}">
-      <dgm:prSet phldrT="[Text]"/>
-      <dgm:spPr/>
-      <dgm:t>
-        <a:bodyPr/>
-        <a:lstStyle/>
-        <a:p>
-          <a:endParaRPr lang="es-ES" noProof="0" dirty="0"/>
-        </a:p>
-      </dgm:t>
-    </dgm:pt>
-    <dgm:pt modelId="{51680ED1-AF6E-4B28-AE94-92B0EFB0DF7D}" type="parTrans" cxnId="{2AA9C11F-1F1D-428E-801A-47EAA766C99D}">
-      <dgm:prSet/>
-      <dgm:spPr/>
-      <dgm:t>
-        <a:bodyPr/>
-        <a:lstStyle/>
-        <a:p>
-          <a:endParaRPr lang="es-ES" noProof="0" dirty="0"/>
-        </a:p>
-      </dgm:t>
-    </dgm:pt>
-    <dgm:pt modelId="{478B7D3C-9FB4-4BC6-90AC-49960560DECD}" type="sibTrans" cxnId="{2AA9C11F-1F1D-428E-801A-47EAA766C99D}">
-      <dgm:prSet/>
-      <dgm:spPr/>
-      <dgm:t>
-        <a:bodyPr/>
-        <a:lstStyle/>
-        <a:p>
-          <a:endParaRPr lang="es-ES" noProof="0" dirty="0"/>
-        </a:p>
-      </dgm:t>
-    </dgm:pt>
-    <dgm:pt modelId="{6CF284C3-4A70-4432-8F33-E75A802B3330}">
-      <dgm:prSet custT="1"/>
-      <dgm:spPr/>
-      <dgm:t>
-        <a:bodyPr/>
-        <a:lstStyle/>
-        <a:p>
-          <a:r>
-            <a:rPr lang="es-ES" sz="1200" noProof="0" dirty="0">
-              <a:latin typeface="Century Gothic" panose="020B0502020202020204" pitchFamily="34" charset="0"/>
-            </a:rPr>
-            <a:t>Paso a paso como se desarrollo el proyecto</a:t>
-          </a:r>
-        </a:p>
-      </dgm:t>
-    </dgm:pt>
-    <dgm:pt modelId="{044831E6-2FC9-4DDA-81FB-5FA418568D07}" type="parTrans" cxnId="{2DC24386-BC50-4BAB-8571-16CB10C2603C}">
-      <dgm:prSet/>
-      <dgm:spPr/>
-      <dgm:t>
-        <a:bodyPr/>
-        <a:lstStyle/>
-        <a:p>
-          <a:endParaRPr lang="es-ES" noProof="0" dirty="0"/>
-        </a:p>
-      </dgm:t>
-    </dgm:pt>
-    <dgm:pt modelId="{CD50B82D-84BB-4747-B282-ABB339EBA294}" type="sibTrans" cxnId="{2DC24386-BC50-4BAB-8571-16CB10C2603C}">
-      <dgm:prSet/>
-      <dgm:spPr/>
-      <dgm:t>
-        <a:bodyPr/>
-        <a:lstStyle/>
-        <a:p>
-          <a:endParaRPr lang="es-ES" noProof="0" dirty="0"/>
-        </a:p>
-      </dgm:t>
-    </dgm:pt>
-    <dgm:pt modelId="{8EA7219F-BDB2-48EB-9EEB-3133522D132E}">
-      <dgm:prSet phldrT="[Text]"/>
-      <dgm:spPr/>
-      <dgm:t>
-        <a:bodyPr/>
-        <a:lstStyle/>
-        <a:p>
-          <a:endParaRPr lang="es-ES" noProof="0" dirty="0"/>
-        </a:p>
-      </dgm:t>
-    </dgm:pt>
-    <dgm:pt modelId="{3EE8403A-CB7C-4815-85BD-AEBCAEB71B37}" type="parTrans" cxnId="{58AD7EEF-D408-406B-87EE-4691D4C30668}">
-      <dgm:prSet/>
-      <dgm:spPr/>
-      <dgm:t>
-        <a:bodyPr/>
-        <a:lstStyle/>
-        <a:p>
-          <a:endParaRPr lang="es-ES" noProof="0" dirty="0"/>
-        </a:p>
-      </dgm:t>
-    </dgm:pt>
-    <dgm:pt modelId="{C94B7947-85DC-4B21-BB99-DF8438356F98}" type="sibTrans" cxnId="{58AD7EEF-D408-406B-87EE-4691D4C30668}">
-      <dgm:prSet/>
-      <dgm:spPr/>
-      <dgm:t>
-        <a:bodyPr/>
-        <a:lstStyle/>
-        <a:p>
-          <a:endParaRPr lang="es-ES" noProof="0" dirty="0"/>
-        </a:p>
-      </dgm:t>
-    </dgm:pt>
-    <dgm:pt modelId="{3CE06941-9820-4827-8B16-CD80CC49F780}">
-      <dgm:prSet phldrT="[Text]" custT="1"/>
-      <dgm:spPr/>
-      <dgm:t>
-        <a:bodyPr/>
-        <a:lstStyle/>
-        <a:p>
-          <a:endParaRPr lang="es-ES" sz="1200" noProof="0" dirty="0"/>
-        </a:p>
-      </dgm:t>
-    </dgm:pt>
-    <dgm:pt modelId="{141A3C92-8966-4E2F-82E4-2E09E22674B2}" type="parTrans" cxnId="{C99CE395-39F6-46B4-938C-9BF085685D1A}">
-      <dgm:prSet/>
-      <dgm:spPr/>
-      <dgm:t>
-        <a:bodyPr/>
-        <a:lstStyle/>
-        <a:p>
-          <a:endParaRPr lang="es-ES" noProof="0" dirty="0"/>
-        </a:p>
-      </dgm:t>
-    </dgm:pt>
-    <dgm:pt modelId="{F58FC55B-E61F-445C-956E-0BB2202254CA}" type="sibTrans" cxnId="{C99CE395-39F6-46B4-938C-9BF085685D1A}">
-      <dgm:prSet/>
-      <dgm:spPr/>
-      <dgm:t>
-        <a:bodyPr/>
-        <a:lstStyle/>
-        <a:p>
-          <a:endParaRPr lang="es-ES" noProof="0" dirty="0"/>
-        </a:p>
-      </dgm:t>
-    </dgm:pt>
     <dgm:pt modelId="{36045517-CEA4-4BE3-B836-C2B6BFE5649B}">
       <dgm:prSet phldrT="[Text]"/>
       <dgm:spPr/>
@@ -1245,7 +1106,10 @@
         <a:bodyPr/>
         <a:lstStyle/>
         <a:p>
-          <a:endParaRPr lang="es-ES" noProof="0" dirty="0"/>
+          <a:r>
+            <a:rPr lang="es-ES" noProof="0" dirty="0"/>
+            <a:t>Investigación del tema a Realizar</a:t>
+          </a:r>
         </a:p>
       </dgm:t>
     </dgm:pt>
@@ -1271,69 +1135,111 @@
         </a:p>
       </dgm:t>
     </dgm:pt>
-    <dgm:pt modelId="{F66099B6-DBBD-4AB0-82D2-877B80F846F7}">
-      <dgm:prSet phldrT="[Text]"/>
-      <dgm:spPr/>
-      <dgm:t>
-        <a:bodyPr/>
-        <a:lstStyle/>
-        <a:p>
-          <a:endParaRPr lang="es-ES" noProof="0" dirty="0"/>
-        </a:p>
-      </dgm:t>
-    </dgm:pt>
-    <dgm:pt modelId="{BC531B32-9B0E-482E-BF91-65C61F17168D}" type="sibTrans" cxnId="{B4F3EA32-CE64-4A92-9BAE-BC57E5392B05}">
+    <dgm:pt modelId="{9894E6BF-AEEB-408D-9941-E614D4F67E75}">
       <dgm:prSet/>
       <dgm:spPr/>
       <dgm:t>
         <a:bodyPr/>
         <a:lstStyle/>
         <a:p>
-          <a:endParaRPr lang="es-ES" noProof="0" dirty="0"/>
+          <a:r>
+            <a:rPr lang="es-ES" noProof="0" dirty="0"/>
+            <a:t>Estudio de viabilidad de proyecto.</a:t>
+          </a:r>
         </a:p>
       </dgm:t>
     </dgm:pt>
-    <dgm:pt modelId="{B09C8BFB-F41C-4AC4-AB94-F216E3081C2D}" type="parTrans" cxnId="{B4F3EA32-CE64-4A92-9BAE-BC57E5392B05}">
+    <dgm:pt modelId="{3786357F-3A87-412D-A3FB-FD6CF7CA6926}" type="parTrans" cxnId="{863F53A8-0219-465C-9A7C-4839C81D3B9F}">
       <dgm:prSet/>
       <dgm:spPr/>
       <dgm:t>
         <a:bodyPr/>
         <a:lstStyle/>
         <a:p>
-          <a:endParaRPr lang="es-ES" noProof="0" dirty="0"/>
+          <a:endParaRPr lang="es-EC"/>
         </a:p>
       </dgm:t>
     </dgm:pt>
-    <dgm:pt modelId="{5A955BA2-7361-41F9-844B-7C9A2EE794D9}">
-      <dgm:prSet phldrT="[Text]"/>
-      <dgm:spPr/>
-      <dgm:t>
-        <a:bodyPr/>
-        <a:lstStyle/>
-        <a:p>
-          <a:endParaRPr lang="es-ES" sz="1100" noProof="0" dirty="0"/>
-        </a:p>
-      </dgm:t>
-    </dgm:pt>
-    <dgm:pt modelId="{196238F0-122F-469B-9924-FF8696A771B9}" type="parTrans" cxnId="{E89276B9-751A-4552-AA48-4D815F310C01}">
+    <dgm:pt modelId="{936B9287-38E7-46DB-B53E-47C5CC92CA3A}" type="sibTrans" cxnId="{863F53A8-0219-465C-9A7C-4839C81D3B9F}">
       <dgm:prSet/>
       <dgm:spPr/>
       <dgm:t>
         <a:bodyPr/>
         <a:lstStyle/>
         <a:p>
-          <a:endParaRPr lang="es-ES"/>
+          <a:endParaRPr lang="es-EC"/>
         </a:p>
       </dgm:t>
     </dgm:pt>
-    <dgm:pt modelId="{D41D1B33-58B5-48E3-8E8A-47AC6F54C51A}" type="sibTrans" cxnId="{E89276B9-751A-4552-AA48-4D815F310C01}">
+    <dgm:pt modelId="{2615D7A3-CEB1-40B5-BECA-A3C66E08AD54}">
       <dgm:prSet/>
       <dgm:spPr/>
       <dgm:t>
         <a:bodyPr/>
         <a:lstStyle/>
         <a:p>
-          <a:endParaRPr lang="es-ES"/>
+          <a:r>
+            <a:rPr lang="es-ES" noProof="0" dirty="0"/>
+            <a:t>Estudio de Posibles Herramientas para resolver el Problema</a:t>
+          </a:r>
+        </a:p>
+      </dgm:t>
+    </dgm:pt>
+    <dgm:pt modelId="{3BC3BFFC-19A6-4D76-B02E-07477ADBCE53}" type="parTrans" cxnId="{964AE64E-8ABF-49B9-AD54-BBC1D82EC1FC}">
+      <dgm:prSet/>
+      <dgm:spPr/>
+      <dgm:t>
+        <a:bodyPr/>
+        <a:lstStyle/>
+        <a:p>
+          <a:endParaRPr lang="es-EC"/>
+        </a:p>
+      </dgm:t>
+    </dgm:pt>
+    <dgm:pt modelId="{4E7490F3-8409-42FB-B013-870756CC2E44}" type="sibTrans" cxnId="{964AE64E-8ABF-49B9-AD54-BBC1D82EC1FC}">
+      <dgm:prSet/>
+      <dgm:spPr/>
+      <dgm:t>
+        <a:bodyPr/>
+        <a:lstStyle/>
+        <a:p>
+          <a:endParaRPr lang="es-EC"/>
+        </a:p>
+      </dgm:t>
+    </dgm:pt>
+    <dgm:pt modelId="{BF10AA66-FFBD-42AB-B5BB-73C6C427A34C}">
+      <dgm:prSet/>
+      <dgm:spPr/>
+      <dgm:t>
+        <a:bodyPr/>
+        <a:lstStyle/>
+        <a:p>
+          <a:r>
+            <a:rPr lang="es-ES" noProof="0" dirty="0"/>
+            <a:t>Desarrollo del Proyecto</a:t>
+          </a:r>
+        </a:p>
+      </dgm:t>
+    </dgm:pt>
+    <dgm:pt modelId="{320B0F8E-0EDB-4C22-B43E-B44C5B010785}" type="parTrans" cxnId="{F05BE91A-CA6E-4D30-BE32-D4A3A2FD2570}">
+      <dgm:prSet/>
+      <dgm:spPr/>
+      <dgm:t>
+        <a:bodyPr/>
+        <a:lstStyle/>
+        <a:p>
+          <a:endParaRPr lang="es-EC"/>
+        </a:p>
+      </dgm:t>
+    </dgm:pt>
+    <dgm:pt modelId="{A2720340-BC64-4E9A-BCA7-292ECA441654}" type="sibTrans" cxnId="{F05BE91A-CA6E-4D30-BE32-D4A3A2FD2570}">
+      <dgm:prSet/>
+      <dgm:spPr/>
+      <dgm:t>
+        <a:bodyPr/>
+        <a:lstStyle/>
+        <a:p>
+          <a:endParaRPr lang="es-EC"/>
         </a:p>
       </dgm:t>
     </dgm:pt>
@@ -1348,7 +1254,7 @@
       </dgm:prSet>
       <dgm:spPr/>
     </dgm:pt>
-    <dgm:pt modelId="{3C942238-F152-4474-93A8-4CB72A6D0D05}" type="pres">
+    <dgm:pt modelId="{EE062D8F-4228-4136-8E89-607FE85E17F8}" type="pres">
       <dgm:prSet presAssocID="{36045517-CEA4-4BE3-B836-C2B6BFE5649B}" presName="Accent4" presStyleCnt="0"/>
       <dgm:spPr/>
     </dgm:pt>
@@ -1356,7 +1262,7 @@
       <dgm:prSet presAssocID="{36045517-CEA4-4BE3-B836-C2B6BFE5649B}" presName="Accent" presStyleLbl="node1" presStyleIdx="0" presStyleCnt="4"/>
       <dgm:spPr/>
     </dgm:pt>
-    <dgm:pt modelId="{6194C51A-9411-4EBC-AE38-B87850691A94}" type="pres">
+    <dgm:pt modelId="{27523069-2E5E-45F0-B1DD-482CAE8E2735}" type="pres">
       <dgm:prSet presAssocID="{36045517-CEA4-4BE3-B836-C2B6BFE5649B}" presName="ParentBackground4" presStyleCnt="0"/>
       <dgm:spPr/>
     </dgm:pt>
@@ -1364,8 +1270,8 @@
       <dgm:prSet presAssocID="{36045517-CEA4-4BE3-B836-C2B6BFE5649B}" presName="ParentBackground" presStyleLbl="fgAcc1" presStyleIdx="0" presStyleCnt="4" custLinFactNeighborX="-2818"/>
       <dgm:spPr/>
     </dgm:pt>
-    <dgm:pt modelId="{7A17D609-7D18-437B-B5D7-D0640AE559A9}" type="pres">
-      <dgm:prSet presAssocID="{36045517-CEA4-4BE3-B836-C2B6BFE5649B}" presName="Parent4" presStyleLbl="revTx" presStyleIdx="0" presStyleCnt="3">
+    <dgm:pt modelId="{DA7CFDFF-25FD-4042-8EBD-374BB7D975BF}" type="pres">
+      <dgm:prSet presAssocID="{36045517-CEA4-4BE3-B836-C2B6BFE5649B}" presName="Parent4" presStyleLbl="revTx" presStyleIdx="0" presStyleCnt="0">
         <dgm:presLayoutVars>
           <dgm:chMax val="1"/>
           <dgm:chPref val="1"/>
@@ -1374,34 +1280,24 @@
       </dgm:prSet>
       <dgm:spPr/>
     </dgm:pt>
-    <dgm:pt modelId="{A006C09B-5088-4C49-8412-65E2708CAD06}" type="pres">
-      <dgm:prSet presAssocID="{3CE06941-9820-4827-8B16-CD80CC49F780}" presName="Accent3" presStyleCnt="0"/>
+    <dgm:pt modelId="{E727A437-3313-4FDF-AB81-6B9990AFF10D}" type="pres">
+      <dgm:prSet presAssocID="{9894E6BF-AEEB-408D-9941-E614D4F67E75}" presName="Accent3" presStyleCnt="0"/>
       <dgm:spPr/>
     </dgm:pt>
-    <dgm:pt modelId="{87009C24-D40A-4D85-B913-988456044726}" type="pres">
-      <dgm:prSet presAssocID="{3CE06941-9820-4827-8B16-CD80CC49F780}" presName="Accent" presStyleLbl="node1" presStyleIdx="1" presStyleCnt="4"/>
+    <dgm:pt modelId="{FDC57AFC-115F-4E36-AC20-B98C93A36C42}" type="pres">
+      <dgm:prSet presAssocID="{9894E6BF-AEEB-408D-9941-E614D4F67E75}" presName="Accent" presStyleLbl="node1" presStyleIdx="1" presStyleCnt="4"/>
       <dgm:spPr/>
     </dgm:pt>
-    <dgm:pt modelId="{53F362BA-F918-40C3-8848-D631F825F6D7}" type="pres">
-      <dgm:prSet presAssocID="{3CE06941-9820-4827-8B16-CD80CC49F780}" presName="ParentBackground3" presStyleCnt="0"/>
+    <dgm:pt modelId="{846900CB-0D33-407E-B4FA-06DFE015AC9C}" type="pres">
+      <dgm:prSet presAssocID="{9894E6BF-AEEB-408D-9941-E614D4F67E75}" presName="ParentBackground3" presStyleCnt="0"/>
       <dgm:spPr/>
     </dgm:pt>
-    <dgm:pt modelId="{5E82F176-01A0-492D-84F8-A02940989B5B}" type="pres">
-      <dgm:prSet presAssocID="{3CE06941-9820-4827-8B16-CD80CC49F780}" presName="ParentBackground" presStyleLbl="fgAcc1" presStyleIdx="1" presStyleCnt="4"/>
+    <dgm:pt modelId="{3550FE7C-BCD9-468C-A8CE-01347705940C}" type="pres">
+      <dgm:prSet presAssocID="{9894E6BF-AEEB-408D-9941-E614D4F67E75}" presName="ParentBackground" presStyleLbl="fgAcc1" presStyleIdx="1" presStyleCnt="4"/>
       <dgm:spPr/>
     </dgm:pt>
-    <dgm:pt modelId="{69248A5F-F70D-4A4C-929A-9F6490E343A0}" type="pres">
-      <dgm:prSet presAssocID="{3CE06941-9820-4827-8B16-CD80CC49F780}" presName="Child3" presStyleLbl="revTx" presStyleIdx="0" presStyleCnt="3">
-        <dgm:presLayoutVars>
-          <dgm:chMax val="0"/>
-          <dgm:chPref val="0"/>
-          <dgm:bulletEnabled val="1"/>
-        </dgm:presLayoutVars>
-      </dgm:prSet>
-      <dgm:spPr/>
-    </dgm:pt>
-    <dgm:pt modelId="{95C8BFAC-DBB4-444C-A600-228AA9C62499}" type="pres">
-      <dgm:prSet presAssocID="{3CE06941-9820-4827-8B16-CD80CC49F780}" presName="Parent3" presStyleLbl="revTx" presStyleIdx="0" presStyleCnt="3">
+    <dgm:pt modelId="{7FCE622E-8923-41FA-B5D7-4A3B9656C150}" type="pres">
+      <dgm:prSet presAssocID="{9894E6BF-AEEB-408D-9941-E614D4F67E75}" presName="Parent3" presStyleLbl="revTx" presStyleIdx="0" presStyleCnt="0">
         <dgm:presLayoutVars>
           <dgm:chMax val="1"/>
           <dgm:chPref val="1"/>
@@ -1410,34 +1306,24 @@
       </dgm:prSet>
       <dgm:spPr/>
     </dgm:pt>
-    <dgm:pt modelId="{78FAD1BE-AD7C-4D12-A360-55B37C9E51C4}" type="pres">
-      <dgm:prSet presAssocID="{F66099B6-DBBD-4AB0-82D2-877B80F846F7}" presName="Accent2" presStyleCnt="0"/>
+    <dgm:pt modelId="{6598596C-7036-4E2C-B189-295F3EC0AAD0}" type="pres">
+      <dgm:prSet presAssocID="{2615D7A3-CEB1-40B5-BECA-A3C66E08AD54}" presName="Accent2" presStyleCnt="0"/>
       <dgm:spPr/>
     </dgm:pt>
-    <dgm:pt modelId="{F0847FCA-64CB-441A-B1D3-C7BC89530C70}" type="pres">
-      <dgm:prSet presAssocID="{F66099B6-DBBD-4AB0-82D2-877B80F846F7}" presName="Accent" presStyleLbl="node1" presStyleIdx="2" presStyleCnt="4"/>
+    <dgm:pt modelId="{BF6FC3A3-DA83-43B4-8E8E-55C6FA2BE7E2}" type="pres">
+      <dgm:prSet presAssocID="{2615D7A3-CEB1-40B5-BECA-A3C66E08AD54}" presName="Accent" presStyleLbl="node1" presStyleIdx="2" presStyleCnt="4"/>
       <dgm:spPr/>
     </dgm:pt>
-    <dgm:pt modelId="{8D94951E-2C13-4F7F-BFA8-F5CE155EEC17}" type="pres">
-      <dgm:prSet presAssocID="{F66099B6-DBBD-4AB0-82D2-877B80F846F7}" presName="ParentBackground2" presStyleCnt="0"/>
+    <dgm:pt modelId="{7D5F8F33-9488-40D2-9F51-245690008EC1}" type="pres">
+      <dgm:prSet presAssocID="{2615D7A3-CEB1-40B5-BECA-A3C66E08AD54}" presName="ParentBackground2" presStyleCnt="0"/>
       <dgm:spPr/>
     </dgm:pt>
-    <dgm:pt modelId="{961E3ACF-30A3-4207-9DD7-EFD06ED03765}" type="pres">
-      <dgm:prSet presAssocID="{F66099B6-DBBD-4AB0-82D2-877B80F846F7}" presName="ParentBackground" presStyleLbl="fgAcc1" presStyleIdx="2" presStyleCnt="4"/>
+    <dgm:pt modelId="{0C9F90BD-F89F-4A65-A55C-B466392CB02F}" type="pres">
+      <dgm:prSet presAssocID="{2615D7A3-CEB1-40B5-BECA-A3C66E08AD54}" presName="ParentBackground" presStyleLbl="fgAcc1" presStyleIdx="2" presStyleCnt="4"/>
       <dgm:spPr/>
     </dgm:pt>
-    <dgm:pt modelId="{34A83504-235C-453A-85C9-2AAE6C3B03F0}" type="pres">
-      <dgm:prSet presAssocID="{F66099B6-DBBD-4AB0-82D2-877B80F846F7}" presName="Child2" presStyleLbl="revTx" presStyleIdx="1" presStyleCnt="3" custLinFactY="-100000" custLinFactNeighborX="-52967" custLinFactNeighborY="-117116">
-        <dgm:presLayoutVars>
-          <dgm:chMax val="0"/>
-          <dgm:chPref val="0"/>
-          <dgm:bulletEnabled val="1"/>
-        </dgm:presLayoutVars>
-      </dgm:prSet>
-      <dgm:spPr/>
-    </dgm:pt>
-    <dgm:pt modelId="{D12FF289-2A87-47F0-AB66-A7BA67E1E6CB}" type="pres">
-      <dgm:prSet presAssocID="{F66099B6-DBBD-4AB0-82D2-877B80F846F7}" presName="Parent2" presStyleLbl="revTx" presStyleIdx="1" presStyleCnt="3">
+    <dgm:pt modelId="{4D40C3EF-A8C4-46C9-96CB-F70148A6B497}" type="pres">
+      <dgm:prSet presAssocID="{2615D7A3-CEB1-40B5-BECA-A3C66E08AD54}" presName="Parent2" presStyleLbl="revTx" presStyleIdx="0" presStyleCnt="0">
         <dgm:presLayoutVars>
           <dgm:chMax val="1"/>
           <dgm:chPref val="1"/>
@@ -1446,34 +1332,24 @@
       </dgm:prSet>
       <dgm:spPr/>
     </dgm:pt>
-    <dgm:pt modelId="{EDF2815F-000A-4B82-950D-F9AC3D8E2DA1}" type="pres">
-      <dgm:prSet presAssocID="{42D71409-67F9-455C-8C6D-716D284AAA6B}" presName="Accent1" presStyleCnt="0"/>
+    <dgm:pt modelId="{12CEB51D-3FDD-4CA5-9ED0-ABDDD2FFB81D}" type="pres">
+      <dgm:prSet presAssocID="{BF10AA66-FFBD-42AB-B5BB-73C6C427A34C}" presName="Accent1" presStyleCnt="0"/>
       <dgm:spPr/>
     </dgm:pt>
-    <dgm:pt modelId="{A75EC866-CDC2-4017-8678-8213B4815327}" type="pres">
-      <dgm:prSet presAssocID="{42D71409-67F9-455C-8C6D-716D284AAA6B}" presName="Accent" presStyleLbl="node1" presStyleIdx="3" presStyleCnt="4"/>
+    <dgm:pt modelId="{3FC3BF07-55D9-4453-9114-6E04E6A99D6A}" type="pres">
+      <dgm:prSet presAssocID="{BF10AA66-FFBD-42AB-B5BB-73C6C427A34C}" presName="Accent" presStyleLbl="node1" presStyleIdx="3" presStyleCnt="4"/>
       <dgm:spPr/>
     </dgm:pt>
-    <dgm:pt modelId="{CBBA27F1-E6B1-4847-8DA9-53263130C237}" type="pres">
-      <dgm:prSet presAssocID="{42D71409-67F9-455C-8C6D-716D284AAA6B}" presName="ParentBackground1" presStyleCnt="0"/>
+    <dgm:pt modelId="{BFCE6750-5527-41E3-91FE-1072AF3DB746}" type="pres">
+      <dgm:prSet presAssocID="{BF10AA66-FFBD-42AB-B5BB-73C6C427A34C}" presName="ParentBackground1" presStyleCnt="0"/>
       <dgm:spPr/>
     </dgm:pt>
-    <dgm:pt modelId="{33D1FF4A-1EA9-46F2-9769-F0793A34B441}" type="pres">
-      <dgm:prSet presAssocID="{42D71409-67F9-455C-8C6D-716D284AAA6B}" presName="ParentBackground" presStyleLbl="fgAcc1" presStyleIdx="3" presStyleCnt="4" custLinFactNeighborX="-247" custLinFactNeighborY="-480"/>
+    <dgm:pt modelId="{63EEB375-6B74-4B33-8B96-570C45366D21}" type="pres">
+      <dgm:prSet presAssocID="{BF10AA66-FFBD-42AB-B5BB-73C6C427A34C}" presName="ParentBackground" presStyleLbl="fgAcc1" presStyleIdx="3" presStyleCnt="4"/>
       <dgm:spPr/>
     </dgm:pt>
-    <dgm:pt modelId="{9927E353-63E0-4F1F-9EA9-6FED74737A81}" type="pres">
-      <dgm:prSet presAssocID="{42D71409-67F9-455C-8C6D-716D284AAA6B}" presName="Child1" presStyleLbl="revTx" presStyleIdx="2" presStyleCnt="3">
-        <dgm:presLayoutVars>
-          <dgm:chMax val="0"/>
-          <dgm:chPref val="0"/>
-          <dgm:bulletEnabled val="1"/>
-        </dgm:presLayoutVars>
-      </dgm:prSet>
-      <dgm:spPr/>
-    </dgm:pt>
-    <dgm:pt modelId="{50B67135-7FC6-447D-AB1E-45C65075B23B}" type="pres">
-      <dgm:prSet presAssocID="{42D71409-67F9-455C-8C6D-716D284AAA6B}" presName="Parent1" presStyleLbl="revTx" presStyleIdx="2" presStyleCnt="3">
+    <dgm:pt modelId="{4784840D-37C0-4B3E-ADBB-7D0E21ADE01A}" type="pres">
+      <dgm:prSet presAssocID="{BF10AA66-FFBD-42AB-B5BB-73C6C427A34C}" presName="Parent1" presStyleLbl="revTx" presStyleIdx="0" presStyleCnt="0">
         <dgm:presLayoutVars>
           <dgm:chMax val="1"/>
           <dgm:chPref val="1"/>
@@ -1484,48 +1360,39 @@
     </dgm:pt>
   </dgm:ptLst>
   <dgm:cxnLst>
-    <dgm:cxn modelId="{41148800-AD89-49E9-95B1-0ED015351B2B}" type="presOf" srcId="{36045517-CEA4-4BE3-B836-C2B6BFE5649B}" destId="{7A17D609-7D18-437B-B5D7-D0640AE559A9}" srcOrd="1" destOrd="0" presId="urn:microsoft.com/office/officeart/2011/layout/CircleProcess"/>
-    <dgm:cxn modelId="{F349C406-78C8-4FD9-B756-AAB38737CB84}" type="presOf" srcId="{5A955BA2-7361-41F9-844B-7C9A2EE794D9}" destId="{69248A5F-F70D-4A4C-929A-9F6490E343A0}" srcOrd="0" destOrd="0" presId="urn:microsoft.com/office/officeart/2011/layout/CircleProcess"/>
-    <dgm:cxn modelId="{2AA9C11F-1F1D-428E-801A-47EAA766C99D}" srcId="{B9C32B05-62EA-407A-B21C-2310C7945705}" destId="{42D71409-67F9-455C-8C6D-716D284AAA6B}" srcOrd="0" destOrd="0" parTransId="{51680ED1-AF6E-4B28-AE94-92B0EFB0DF7D}" sibTransId="{478B7D3C-9FB4-4BC6-90AC-49960560DECD}"/>
-    <dgm:cxn modelId="{FCA8CA2D-C332-4A5C-997D-9250CCB103FE}" type="presOf" srcId="{42D71409-67F9-455C-8C6D-716D284AAA6B}" destId="{33D1FF4A-1EA9-46F2-9769-F0793A34B441}" srcOrd="0" destOrd="0" presId="urn:microsoft.com/office/officeart/2011/layout/CircleProcess"/>
-    <dgm:cxn modelId="{B4F3EA32-CE64-4A92-9BAE-BC57E5392B05}" srcId="{B9C32B05-62EA-407A-B21C-2310C7945705}" destId="{F66099B6-DBBD-4AB0-82D2-877B80F846F7}" srcOrd="1" destOrd="0" parTransId="{B09C8BFB-F41C-4AC4-AB94-F216E3081C2D}" sibTransId="{BC531B32-9B0E-482E-BF91-65C61F17168D}"/>
+    <dgm:cxn modelId="{F05BE91A-CA6E-4D30-BE32-D4A3A2FD2570}" srcId="{B9C32B05-62EA-407A-B21C-2310C7945705}" destId="{BF10AA66-FFBD-42AB-B5BB-73C6C427A34C}" srcOrd="0" destOrd="0" parTransId="{320B0F8E-0EDB-4C22-B43E-B44C5B010785}" sibTransId="{A2720340-BC64-4E9A-BCA7-292ECA441654}"/>
     <dgm:cxn modelId="{4019353B-443B-4DED-AA6C-3C60E18414C7}" srcId="{B9C32B05-62EA-407A-B21C-2310C7945705}" destId="{36045517-CEA4-4BE3-B836-C2B6BFE5649B}" srcOrd="3" destOrd="0" parTransId="{6231A36F-9B04-4B4A-917A-7E163AFFC956}" sibTransId="{BFF3C5ED-87D0-4709-A3B8-A7BF0668006A}"/>
-    <dgm:cxn modelId="{47178745-959E-4B97-9B85-020F47412D4C}" type="presOf" srcId="{36045517-CEA4-4BE3-B836-C2B6BFE5649B}" destId="{947F1B8E-EB02-4491-90C8-6561162A36BB}" srcOrd="0" destOrd="0" presId="urn:microsoft.com/office/officeart/2011/layout/CircleProcess"/>
-    <dgm:cxn modelId="{DA34A047-B2D8-4D22-BBC1-86B7AE57EFF9}" type="presOf" srcId="{3CE06941-9820-4827-8B16-CD80CC49F780}" destId="{95C8BFAC-DBB4-444C-A600-228AA9C62499}" srcOrd="1" destOrd="0" presId="urn:microsoft.com/office/officeart/2011/layout/CircleProcess"/>
+    <dgm:cxn modelId="{06943D47-2604-42F6-8746-738C4045B4C1}" type="presOf" srcId="{BF10AA66-FFBD-42AB-B5BB-73C6C427A34C}" destId="{4784840D-37C0-4B3E-ADBB-7D0E21ADE01A}" srcOrd="1" destOrd="0" presId="urn:microsoft.com/office/officeart/2011/layout/CircleProcess"/>
+    <dgm:cxn modelId="{4443F96C-C135-4B3D-822E-595CE9AD1492}" type="presOf" srcId="{BF10AA66-FFBD-42AB-B5BB-73C6C427A34C}" destId="{63EEB375-6B74-4B33-8B96-570C45366D21}" srcOrd="0" destOrd="0" presId="urn:microsoft.com/office/officeart/2011/layout/CircleProcess"/>
+    <dgm:cxn modelId="{964AE64E-8ABF-49B9-AD54-BBC1D82EC1FC}" srcId="{B9C32B05-62EA-407A-B21C-2310C7945705}" destId="{2615D7A3-CEB1-40B5-BECA-A3C66E08AD54}" srcOrd="1" destOrd="0" parTransId="{3BC3BFFC-19A6-4D76-B02E-07477ADBCE53}" sibTransId="{4E7490F3-8409-42FB-B013-870756CC2E44}"/>
+    <dgm:cxn modelId="{E8D8F151-B72A-4026-896B-99EAAEB91CC0}" type="presOf" srcId="{36045517-CEA4-4BE3-B836-C2B6BFE5649B}" destId="{DA7CFDFF-25FD-4042-8EBD-374BB7D975BF}" srcOrd="1" destOrd="0" presId="urn:microsoft.com/office/officeart/2011/layout/CircleProcess"/>
     <dgm:cxn modelId="{0AA71658-D46A-492F-97D9-284BCC6069AB}" type="presOf" srcId="{B9C32B05-62EA-407A-B21C-2310C7945705}" destId="{C4064A91-7D9A-454A-B561-AC78C6285C76}" srcOrd="0" destOrd="0" presId="urn:microsoft.com/office/officeart/2011/layout/CircleProcess"/>
-    <dgm:cxn modelId="{345C817C-CD26-4F6E-9DCF-49AF77284FA4}" type="presOf" srcId="{42D71409-67F9-455C-8C6D-716D284AAA6B}" destId="{50B67135-7FC6-447D-AB1E-45C65075B23B}" srcOrd="1" destOrd="0" presId="urn:microsoft.com/office/officeart/2011/layout/CircleProcess"/>
-    <dgm:cxn modelId="{2DC24386-BC50-4BAB-8571-16CB10C2603C}" srcId="{F66099B6-DBBD-4AB0-82D2-877B80F846F7}" destId="{6CF284C3-4A70-4432-8F33-E75A802B3330}" srcOrd="0" destOrd="0" parTransId="{044831E6-2FC9-4DDA-81FB-5FA418568D07}" sibTransId="{CD50B82D-84BB-4747-B282-ABB339EBA294}"/>
-    <dgm:cxn modelId="{01F3818D-E917-4C95-B1BF-5E00C8710557}" type="presOf" srcId="{F66099B6-DBBD-4AB0-82D2-877B80F846F7}" destId="{961E3ACF-30A3-4207-9DD7-EFD06ED03765}" srcOrd="0" destOrd="0" presId="urn:microsoft.com/office/officeart/2011/layout/CircleProcess"/>
-    <dgm:cxn modelId="{C99CE395-39F6-46B4-938C-9BF085685D1A}" srcId="{B9C32B05-62EA-407A-B21C-2310C7945705}" destId="{3CE06941-9820-4827-8B16-CD80CC49F780}" srcOrd="2" destOrd="0" parTransId="{141A3C92-8966-4E2F-82E4-2E09E22674B2}" sibTransId="{F58FC55B-E61F-445C-956E-0BB2202254CA}"/>
-    <dgm:cxn modelId="{3019C1AD-701E-4676-BBA5-BBFD6716A438}" type="presOf" srcId="{3CE06941-9820-4827-8B16-CD80CC49F780}" destId="{5E82F176-01A0-492D-84F8-A02940989B5B}" srcOrd="0" destOrd="0" presId="urn:microsoft.com/office/officeart/2011/layout/CircleProcess"/>
-    <dgm:cxn modelId="{E89276B9-751A-4552-AA48-4D815F310C01}" srcId="{3CE06941-9820-4827-8B16-CD80CC49F780}" destId="{5A955BA2-7361-41F9-844B-7C9A2EE794D9}" srcOrd="0" destOrd="0" parTransId="{196238F0-122F-469B-9924-FF8696A771B9}" sibTransId="{D41D1B33-58B5-48E3-8E8A-47AC6F54C51A}"/>
-    <dgm:cxn modelId="{37B5DFC1-15B3-4616-A61B-686AE8CCB8FC}" type="presOf" srcId="{F66099B6-DBBD-4AB0-82D2-877B80F846F7}" destId="{D12FF289-2A87-47F0-AB66-A7BA67E1E6CB}" srcOrd="1" destOrd="0" presId="urn:microsoft.com/office/officeart/2011/layout/CircleProcess"/>
-    <dgm:cxn modelId="{3BA264DC-60AB-48D0-B128-E911D309FF2D}" type="presOf" srcId="{8EA7219F-BDB2-48EB-9EEB-3133522D132E}" destId="{9927E353-63E0-4F1F-9EA9-6FED74737A81}" srcOrd="0" destOrd="0" presId="urn:microsoft.com/office/officeart/2011/layout/CircleProcess"/>
-    <dgm:cxn modelId="{58AD7EEF-D408-406B-87EE-4691D4C30668}" srcId="{42D71409-67F9-455C-8C6D-716D284AAA6B}" destId="{8EA7219F-BDB2-48EB-9EEB-3133522D132E}" srcOrd="0" destOrd="0" parTransId="{3EE8403A-CB7C-4815-85BD-AEBCAEB71B37}" sibTransId="{C94B7947-85DC-4B21-BB99-DF8438356F98}"/>
-    <dgm:cxn modelId="{FC72A1FD-B1BC-46D5-8697-DCAD1CAFD5A9}" type="presOf" srcId="{6CF284C3-4A70-4432-8F33-E75A802B3330}" destId="{34A83504-235C-453A-85C9-2AAE6C3B03F0}" srcOrd="0" destOrd="0" presId="urn:microsoft.com/office/officeart/2011/layout/CircleProcess"/>
-    <dgm:cxn modelId="{95EC3108-F36B-4CC2-BD70-1BAF440E279D}" type="presParOf" srcId="{C4064A91-7D9A-454A-B561-AC78C6285C76}" destId="{3C942238-F152-4474-93A8-4CB72A6D0D05}" srcOrd="0" destOrd="0" presId="urn:microsoft.com/office/officeart/2011/layout/CircleProcess"/>
-    <dgm:cxn modelId="{BDB87789-8E44-4B4F-AAC4-85E3CFC1D3DD}" type="presParOf" srcId="{3C942238-F152-4474-93A8-4CB72A6D0D05}" destId="{0712E356-5745-4C9E-9415-6EF99F165658}" srcOrd="0" destOrd="0" presId="urn:microsoft.com/office/officeart/2011/layout/CircleProcess"/>
-    <dgm:cxn modelId="{CFFB10C6-EAB5-4AE7-874B-D31B57AAD512}" type="presParOf" srcId="{C4064A91-7D9A-454A-B561-AC78C6285C76}" destId="{6194C51A-9411-4EBC-AE38-B87850691A94}" srcOrd="1" destOrd="0" presId="urn:microsoft.com/office/officeart/2011/layout/CircleProcess"/>
-    <dgm:cxn modelId="{3B6D744A-6696-42A7-9DF6-8DBA709DB030}" type="presParOf" srcId="{6194C51A-9411-4EBC-AE38-B87850691A94}" destId="{947F1B8E-EB02-4491-90C8-6561162A36BB}" srcOrd="0" destOrd="0" presId="urn:microsoft.com/office/officeart/2011/layout/CircleProcess"/>
-    <dgm:cxn modelId="{E067A535-0CEB-482F-9283-262E75F607C8}" type="presParOf" srcId="{C4064A91-7D9A-454A-B561-AC78C6285C76}" destId="{7A17D609-7D18-437B-B5D7-D0640AE559A9}" srcOrd="2" destOrd="0" presId="urn:microsoft.com/office/officeart/2011/layout/CircleProcess"/>
-    <dgm:cxn modelId="{CC4B0776-8BBC-41B7-8054-8369ADA68C75}" type="presParOf" srcId="{C4064A91-7D9A-454A-B561-AC78C6285C76}" destId="{A006C09B-5088-4C49-8412-65E2708CAD06}" srcOrd="3" destOrd="0" presId="urn:microsoft.com/office/officeart/2011/layout/CircleProcess"/>
-    <dgm:cxn modelId="{35C927A4-82BC-440E-BFE4-79C375C34350}" type="presParOf" srcId="{A006C09B-5088-4C49-8412-65E2708CAD06}" destId="{87009C24-D40A-4D85-B913-988456044726}" srcOrd="0" destOrd="0" presId="urn:microsoft.com/office/officeart/2011/layout/CircleProcess"/>
-    <dgm:cxn modelId="{4E2E5F7B-64F7-4415-96C8-FB8DFF7FB281}" type="presParOf" srcId="{C4064A91-7D9A-454A-B561-AC78C6285C76}" destId="{53F362BA-F918-40C3-8848-D631F825F6D7}" srcOrd="4" destOrd="0" presId="urn:microsoft.com/office/officeart/2011/layout/CircleProcess"/>
-    <dgm:cxn modelId="{C8E256CC-FB2E-4E21-9449-B8036D98B602}" type="presParOf" srcId="{53F362BA-F918-40C3-8848-D631F825F6D7}" destId="{5E82F176-01A0-492D-84F8-A02940989B5B}" srcOrd="0" destOrd="0" presId="urn:microsoft.com/office/officeart/2011/layout/CircleProcess"/>
-    <dgm:cxn modelId="{B98F2C57-84CC-486D-A8D2-08D35CED648A}" type="presParOf" srcId="{C4064A91-7D9A-454A-B561-AC78C6285C76}" destId="{69248A5F-F70D-4A4C-929A-9F6490E343A0}" srcOrd="5" destOrd="0" presId="urn:microsoft.com/office/officeart/2011/layout/CircleProcess"/>
-    <dgm:cxn modelId="{B44B83C2-C2C4-4407-8EAF-F11982C9E538}" type="presParOf" srcId="{C4064A91-7D9A-454A-B561-AC78C6285C76}" destId="{95C8BFAC-DBB4-444C-A600-228AA9C62499}" srcOrd="6" destOrd="0" presId="urn:microsoft.com/office/officeart/2011/layout/CircleProcess"/>
-    <dgm:cxn modelId="{1762E426-D082-4614-BCBB-ED0511959D82}" type="presParOf" srcId="{C4064A91-7D9A-454A-B561-AC78C6285C76}" destId="{78FAD1BE-AD7C-4D12-A360-55B37C9E51C4}" srcOrd="7" destOrd="0" presId="urn:microsoft.com/office/officeart/2011/layout/CircleProcess"/>
-    <dgm:cxn modelId="{C4C9AC3C-54CB-4BE1-B173-94A922446E39}" type="presParOf" srcId="{78FAD1BE-AD7C-4D12-A360-55B37C9E51C4}" destId="{F0847FCA-64CB-441A-B1D3-C7BC89530C70}" srcOrd="0" destOrd="0" presId="urn:microsoft.com/office/officeart/2011/layout/CircleProcess"/>
-    <dgm:cxn modelId="{78768E04-15E5-4FE0-A472-011D175576C8}" type="presParOf" srcId="{C4064A91-7D9A-454A-B561-AC78C6285C76}" destId="{8D94951E-2C13-4F7F-BFA8-F5CE155EEC17}" srcOrd="8" destOrd="0" presId="urn:microsoft.com/office/officeart/2011/layout/CircleProcess"/>
-    <dgm:cxn modelId="{443148AA-3FB4-4F95-880E-DC8031CCC9C4}" type="presParOf" srcId="{8D94951E-2C13-4F7F-BFA8-F5CE155EEC17}" destId="{961E3ACF-30A3-4207-9DD7-EFD06ED03765}" srcOrd="0" destOrd="0" presId="urn:microsoft.com/office/officeart/2011/layout/CircleProcess"/>
-    <dgm:cxn modelId="{A3D8E207-5CD4-4BB8-97C6-15D4A1C7E7E3}" type="presParOf" srcId="{C4064A91-7D9A-454A-B561-AC78C6285C76}" destId="{34A83504-235C-453A-85C9-2AAE6C3B03F0}" srcOrd="9" destOrd="0" presId="urn:microsoft.com/office/officeart/2011/layout/CircleProcess"/>
-    <dgm:cxn modelId="{A729C35A-44A3-45A2-9952-00967305F796}" type="presParOf" srcId="{C4064A91-7D9A-454A-B561-AC78C6285C76}" destId="{D12FF289-2A87-47F0-AB66-A7BA67E1E6CB}" srcOrd="10" destOrd="0" presId="urn:microsoft.com/office/officeart/2011/layout/CircleProcess"/>
-    <dgm:cxn modelId="{ECC26202-EFEE-4BD0-AD35-0612F2FB8069}" type="presParOf" srcId="{C4064A91-7D9A-454A-B561-AC78C6285C76}" destId="{EDF2815F-000A-4B82-950D-F9AC3D8E2DA1}" srcOrd="11" destOrd="0" presId="urn:microsoft.com/office/officeart/2011/layout/CircleProcess"/>
-    <dgm:cxn modelId="{B565C589-4490-4206-9387-B7A5AEA233FC}" type="presParOf" srcId="{EDF2815F-000A-4B82-950D-F9AC3D8E2DA1}" destId="{A75EC866-CDC2-4017-8678-8213B4815327}" srcOrd="0" destOrd="0" presId="urn:microsoft.com/office/officeart/2011/layout/CircleProcess"/>
-    <dgm:cxn modelId="{950C69A4-C7B3-4203-8A78-660716AD2603}" type="presParOf" srcId="{C4064A91-7D9A-454A-B561-AC78C6285C76}" destId="{CBBA27F1-E6B1-4847-8DA9-53263130C237}" srcOrd="12" destOrd="0" presId="urn:microsoft.com/office/officeart/2011/layout/CircleProcess"/>
-    <dgm:cxn modelId="{2C7D7EED-FFDA-41E6-8B06-C74BF364C234}" type="presParOf" srcId="{CBBA27F1-E6B1-4847-8DA9-53263130C237}" destId="{33D1FF4A-1EA9-46F2-9769-F0793A34B441}" srcOrd="0" destOrd="0" presId="urn:microsoft.com/office/officeart/2011/layout/CircleProcess"/>
-    <dgm:cxn modelId="{1D953676-22E4-4C10-803C-F1FA55677B32}" type="presParOf" srcId="{C4064A91-7D9A-454A-B561-AC78C6285C76}" destId="{9927E353-63E0-4F1F-9EA9-6FED74737A81}" srcOrd="13" destOrd="0" presId="urn:microsoft.com/office/officeart/2011/layout/CircleProcess"/>
-    <dgm:cxn modelId="{CF62E9B6-79D2-4DBF-AFE0-353089B1BCD6}" type="presParOf" srcId="{C4064A91-7D9A-454A-B561-AC78C6285C76}" destId="{50B67135-7FC6-447D-AB1E-45C65075B23B}" srcOrd="14" destOrd="0" presId="urn:microsoft.com/office/officeart/2011/layout/CircleProcess"/>
+    <dgm:cxn modelId="{D2F5D77A-5D5F-47CF-916B-BE4E872895D8}" type="presOf" srcId="{36045517-CEA4-4BE3-B836-C2B6BFE5649B}" destId="{947F1B8E-EB02-4491-90C8-6561162A36BB}" srcOrd="0" destOrd="0" presId="urn:microsoft.com/office/officeart/2011/layout/CircleProcess"/>
+    <dgm:cxn modelId="{0B3B188B-A1EA-4E80-A974-4A1645DFCF6A}" type="presOf" srcId="{9894E6BF-AEEB-408D-9941-E614D4F67E75}" destId="{3550FE7C-BCD9-468C-A8CE-01347705940C}" srcOrd="0" destOrd="0" presId="urn:microsoft.com/office/officeart/2011/layout/CircleProcess"/>
+    <dgm:cxn modelId="{E6B30E8E-958E-448A-9ABB-0D1A4A6D1E65}" type="presOf" srcId="{2615D7A3-CEB1-40B5-BECA-A3C66E08AD54}" destId="{4D40C3EF-A8C4-46C9-96CB-F70148A6B497}" srcOrd="1" destOrd="0" presId="urn:microsoft.com/office/officeart/2011/layout/CircleProcess"/>
+    <dgm:cxn modelId="{863F53A8-0219-465C-9A7C-4839C81D3B9F}" srcId="{B9C32B05-62EA-407A-B21C-2310C7945705}" destId="{9894E6BF-AEEB-408D-9941-E614D4F67E75}" srcOrd="2" destOrd="0" parTransId="{3786357F-3A87-412D-A3FB-FD6CF7CA6926}" sibTransId="{936B9287-38E7-46DB-B53E-47C5CC92CA3A}"/>
+    <dgm:cxn modelId="{3042D1DE-D475-4C35-890B-E468C8B20D16}" type="presOf" srcId="{2615D7A3-CEB1-40B5-BECA-A3C66E08AD54}" destId="{0C9F90BD-F89F-4A65-A55C-B466392CB02F}" srcOrd="0" destOrd="0" presId="urn:microsoft.com/office/officeart/2011/layout/CircleProcess"/>
+    <dgm:cxn modelId="{BC2CCCED-A927-46FB-9DD6-2167935FE454}" type="presOf" srcId="{9894E6BF-AEEB-408D-9941-E614D4F67E75}" destId="{7FCE622E-8923-41FA-B5D7-4A3B9656C150}" srcOrd="1" destOrd="0" presId="urn:microsoft.com/office/officeart/2011/layout/CircleProcess"/>
+    <dgm:cxn modelId="{979DF88E-B450-469E-AC39-71FCF3D90705}" type="presParOf" srcId="{C4064A91-7D9A-454A-B561-AC78C6285C76}" destId="{EE062D8F-4228-4136-8E89-607FE85E17F8}" srcOrd="0" destOrd="0" presId="urn:microsoft.com/office/officeart/2011/layout/CircleProcess"/>
+    <dgm:cxn modelId="{2FA8E0AA-A25C-4609-B741-F0821A2AF452}" type="presParOf" srcId="{EE062D8F-4228-4136-8E89-607FE85E17F8}" destId="{0712E356-5745-4C9E-9415-6EF99F165658}" srcOrd="0" destOrd="0" presId="urn:microsoft.com/office/officeart/2011/layout/CircleProcess"/>
+    <dgm:cxn modelId="{D914D777-983A-4072-B923-E6BB9DFCA9C9}" type="presParOf" srcId="{C4064A91-7D9A-454A-B561-AC78C6285C76}" destId="{27523069-2E5E-45F0-B1DD-482CAE8E2735}" srcOrd="1" destOrd="0" presId="urn:microsoft.com/office/officeart/2011/layout/CircleProcess"/>
+    <dgm:cxn modelId="{0D43E65A-63C3-4E80-AF4A-40890978B4CC}" type="presParOf" srcId="{27523069-2E5E-45F0-B1DD-482CAE8E2735}" destId="{947F1B8E-EB02-4491-90C8-6561162A36BB}" srcOrd="0" destOrd="0" presId="urn:microsoft.com/office/officeart/2011/layout/CircleProcess"/>
+    <dgm:cxn modelId="{12DD3011-6A54-4CE3-9983-A327B6EB8FD7}" type="presParOf" srcId="{C4064A91-7D9A-454A-B561-AC78C6285C76}" destId="{DA7CFDFF-25FD-4042-8EBD-374BB7D975BF}" srcOrd="2" destOrd="0" presId="urn:microsoft.com/office/officeart/2011/layout/CircleProcess"/>
+    <dgm:cxn modelId="{C92D964A-AAB3-424E-B493-7A2D37587231}" type="presParOf" srcId="{C4064A91-7D9A-454A-B561-AC78C6285C76}" destId="{E727A437-3313-4FDF-AB81-6B9990AFF10D}" srcOrd="3" destOrd="0" presId="urn:microsoft.com/office/officeart/2011/layout/CircleProcess"/>
+    <dgm:cxn modelId="{3E4D3A33-E4B1-41CE-9E1B-875DA29C17E9}" type="presParOf" srcId="{E727A437-3313-4FDF-AB81-6B9990AFF10D}" destId="{FDC57AFC-115F-4E36-AC20-B98C93A36C42}" srcOrd="0" destOrd="0" presId="urn:microsoft.com/office/officeart/2011/layout/CircleProcess"/>
+    <dgm:cxn modelId="{73761A67-3747-43DF-9A8A-EAC79DCA3132}" type="presParOf" srcId="{C4064A91-7D9A-454A-B561-AC78C6285C76}" destId="{846900CB-0D33-407E-B4FA-06DFE015AC9C}" srcOrd="4" destOrd="0" presId="urn:microsoft.com/office/officeart/2011/layout/CircleProcess"/>
+    <dgm:cxn modelId="{68D86D30-C43D-4550-9A8F-C7DE40BB879A}" type="presParOf" srcId="{846900CB-0D33-407E-B4FA-06DFE015AC9C}" destId="{3550FE7C-BCD9-468C-A8CE-01347705940C}" srcOrd="0" destOrd="0" presId="urn:microsoft.com/office/officeart/2011/layout/CircleProcess"/>
+    <dgm:cxn modelId="{CD462CDF-C076-4E5C-A8EF-667F19D34934}" type="presParOf" srcId="{C4064A91-7D9A-454A-B561-AC78C6285C76}" destId="{7FCE622E-8923-41FA-B5D7-4A3B9656C150}" srcOrd="5" destOrd="0" presId="urn:microsoft.com/office/officeart/2011/layout/CircleProcess"/>
+    <dgm:cxn modelId="{5309F5F0-CA77-4769-949B-7BA23C62E139}" type="presParOf" srcId="{C4064A91-7D9A-454A-B561-AC78C6285C76}" destId="{6598596C-7036-4E2C-B189-295F3EC0AAD0}" srcOrd="6" destOrd="0" presId="urn:microsoft.com/office/officeart/2011/layout/CircleProcess"/>
+    <dgm:cxn modelId="{E05B623C-81B8-4803-AFF4-C76A12F3F26B}" type="presParOf" srcId="{6598596C-7036-4E2C-B189-295F3EC0AAD0}" destId="{BF6FC3A3-DA83-43B4-8E8E-55C6FA2BE7E2}" srcOrd="0" destOrd="0" presId="urn:microsoft.com/office/officeart/2011/layout/CircleProcess"/>
+    <dgm:cxn modelId="{DF0CB6AB-9778-4A57-B312-D763DD4DA8F7}" type="presParOf" srcId="{C4064A91-7D9A-454A-B561-AC78C6285C76}" destId="{7D5F8F33-9488-40D2-9F51-245690008EC1}" srcOrd="7" destOrd="0" presId="urn:microsoft.com/office/officeart/2011/layout/CircleProcess"/>
+    <dgm:cxn modelId="{0E1E78B0-7CB1-4A1C-904E-D1D85B886EE3}" type="presParOf" srcId="{7D5F8F33-9488-40D2-9F51-245690008EC1}" destId="{0C9F90BD-F89F-4A65-A55C-B466392CB02F}" srcOrd="0" destOrd="0" presId="urn:microsoft.com/office/officeart/2011/layout/CircleProcess"/>
+    <dgm:cxn modelId="{044BDF02-7360-4D7D-A9CC-7EEAE44DEF61}" type="presParOf" srcId="{C4064A91-7D9A-454A-B561-AC78C6285C76}" destId="{4D40C3EF-A8C4-46C9-96CB-F70148A6B497}" srcOrd="8" destOrd="0" presId="urn:microsoft.com/office/officeart/2011/layout/CircleProcess"/>
+    <dgm:cxn modelId="{B79D99BF-974D-45B4-9B8D-2B424DDDC5BE}" type="presParOf" srcId="{C4064A91-7D9A-454A-B561-AC78C6285C76}" destId="{12CEB51D-3FDD-4CA5-9ED0-ABDDD2FFB81D}" srcOrd="9" destOrd="0" presId="urn:microsoft.com/office/officeart/2011/layout/CircleProcess"/>
+    <dgm:cxn modelId="{36B68EBB-16B7-4951-B2C4-9161558B822A}" type="presParOf" srcId="{12CEB51D-3FDD-4CA5-9ED0-ABDDD2FFB81D}" destId="{3FC3BF07-55D9-4453-9114-6E04E6A99D6A}" srcOrd="0" destOrd="0" presId="urn:microsoft.com/office/officeart/2011/layout/CircleProcess"/>
+    <dgm:cxn modelId="{C9B41F10-3FC5-46D2-9B18-E325AA45CF50}" type="presParOf" srcId="{C4064A91-7D9A-454A-B561-AC78C6285C76}" destId="{BFCE6750-5527-41E3-91FE-1072AF3DB746}" srcOrd="10" destOrd="0" presId="urn:microsoft.com/office/officeart/2011/layout/CircleProcess"/>
+    <dgm:cxn modelId="{5C7AF566-C0AB-4B6B-8634-386DF5E09049}" type="presParOf" srcId="{BFCE6750-5527-41E3-91FE-1072AF3DB746}" destId="{63EEB375-6B74-4B33-8B96-570C45366D21}" srcOrd="0" destOrd="0" presId="urn:microsoft.com/office/officeart/2011/layout/CircleProcess"/>
+    <dgm:cxn modelId="{3E56B808-5793-46C3-ADAD-C02321170D8B}" type="presParOf" srcId="{C4064A91-7D9A-454A-B561-AC78C6285C76}" destId="{4784840D-37C0-4B3E-ADBB-7D0E21ADE01A}" srcOrd="11" destOrd="0" presId="urn:microsoft.com/office/officeart/2011/layout/CircleProcess"/>
   </dgm:cxnLst>
   <dgm:bg>
     <a:noFill/>
@@ -1533,7 +1400,7 @@
   <dgm:whole/>
   <dgm:extLst>
     <a:ext uri="http://schemas.microsoft.com/office/drawing/2008/diagram">
-      <dsp:dataModelExt xmlns:dsp="http://schemas.microsoft.com/office/drawing/2008/diagram" relId="rId6" minVer="http://schemas.openxmlformats.org/drawingml/2006/diagram"/>
+      <dsp:dataModelExt xmlns:dsp="http://schemas.microsoft.com/office/drawing/2008/diagram" relId="rId8" minVer="http://schemas.openxmlformats.org/drawingml/2006/diagram"/>
     </a:ext>
     <a:ext uri="{C62137D5-CB1D-491B-B009-E17868A290BF}">
       <dgm14:recolorImg xmlns:dgm14="http://schemas.microsoft.com/office/drawing/2010/diagram" val="1"/>
@@ -1557,8 +1424,8 @@
       </dsp:nvSpPr>
       <dsp:spPr>
         <a:xfrm>
-          <a:off x="531651" y="500613"/>
-          <a:ext cx="2176745" cy="2176856"/>
+          <a:off x="359030" y="851873"/>
+          <a:ext cx="2256894" cy="2257010"/>
         </a:xfrm>
         <a:prstGeom prst="ellipse">
           <a:avLst/>
@@ -1628,8 +1495,8 @@
       </dsp:nvSpPr>
       <dsp:spPr>
         <a:xfrm>
-          <a:off x="546261" y="573188"/>
-          <a:ext cx="2032064" cy="2031707"/>
+          <a:off x="374178" y="927120"/>
+          <a:ext cx="2106886" cy="2106516"/>
         </a:xfrm>
         <a:prstGeom prst="ellipse">
           <a:avLst/>
@@ -1670,12 +1537,12 @@
         <a:fontRef idx="minor"/>
       </dsp:style>
       <dsp:txBody>
-        <a:bodyPr spcFirstLastPara="0" vert="horz" wrap="square" lIns="82550" tIns="82550" rIns="82550" bIns="82550" numCol="1" spcCol="1270" anchor="ctr" anchorCtr="0">
+        <a:bodyPr spcFirstLastPara="0" vert="horz" wrap="square" lIns="25400" tIns="25400" rIns="25400" bIns="25400" numCol="1" spcCol="1270" anchor="ctr" anchorCtr="0">
           <a:noAutofit/>
         </a:bodyPr>
         <a:lstStyle/>
         <a:p>
-          <a:pPr marL="0" lvl="0" indent="0" algn="ctr" defTabSz="2889250">
+          <a:pPr marL="0" lvl="0" indent="0" algn="ctr" defTabSz="889000">
             <a:lnSpc>
               <a:spcPct val="90000"/>
             </a:lnSpc>
@@ -1687,23 +1554,26 @@
             </a:spcAft>
             <a:buNone/>
           </a:pPr>
-          <a:endParaRPr lang="es-ES" sz="6500" kern="1200" noProof="0" dirty="0"/>
+          <a:r>
+            <a:rPr lang="es-ES" sz="2000" kern="1200" noProof="0" dirty="0"/>
+            <a:t>Investigación del tema a Realizar</a:t>
+          </a:r>
         </a:p>
       </dsp:txBody>
       <dsp:txXfrm>
-        <a:off x="836556" y="863486"/>
-        <a:ext cx="1451474" cy="1451110"/>
+        <a:off x="675162" y="1228108"/>
+        <a:ext cx="1504919" cy="1504541"/>
       </dsp:txXfrm>
     </dsp:sp>
-    <dsp:sp modelId="{87009C24-D40A-4D85-B913-988456044726}">
+    <dsp:sp modelId="{FDC57AFC-115F-4E36-AC20-B98C93A36C42}">
       <dsp:nvSpPr>
         <dsp:cNvPr id="0" name=""/>
         <dsp:cNvSpPr/>
       </dsp:nvSpPr>
       <dsp:spPr>
         <a:xfrm rot="13500000">
-          <a:off x="2790519" y="500460"/>
-          <a:ext cx="2176780" cy="2176780"/>
+          <a:off x="2701072" y="851715"/>
+          <a:ext cx="2256931" cy="2256931"/>
         </a:xfrm>
         <a:prstGeom prst="teardrop">
           <a:avLst>
@@ -1768,15 +1638,15 @@
         </a:fontRef>
       </dsp:style>
     </dsp:sp>
-    <dsp:sp modelId="{5E82F176-01A0-492D-84F8-A02940989B5B}">
+    <dsp:sp modelId="{3550FE7C-BCD9-468C-A8CE-01347705940C}">
       <dsp:nvSpPr>
         <dsp:cNvPr id="0" name=""/>
         <dsp:cNvSpPr/>
       </dsp:nvSpPr>
       <dsp:spPr>
         <a:xfrm>
-          <a:off x="2853077" y="573188"/>
-          <a:ext cx="2032064" cy="2031707"/>
+          <a:off x="2765933" y="927120"/>
+          <a:ext cx="2106886" cy="2106516"/>
         </a:xfrm>
         <a:prstGeom prst="ellipse">
           <a:avLst/>
@@ -1817,12 +1687,12 @@
         <a:fontRef idx="minor"/>
       </dsp:style>
       <dsp:txBody>
-        <a:bodyPr spcFirstLastPara="0" vert="horz" wrap="square" lIns="15240" tIns="15240" rIns="15240" bIns="15240" numCol="1" spcCol="1270" anchor="ctr" anchorCtr="0">
+        <a:bodyPr spcFirstLastPara="0" vert="horz" wrap="square" lIns="25400" tIns="25400" rIns="25400" bIns="25400" numCol="1" spcCol="1270" anchor="ctr" anchorCtr="0">
           <a:noAutofit/>
         </a:bodyPr>
         <a:lstStyle/>
         <a:p>
-          <a:pPr marL="0" lvl="0" indent="0" algn="ctr" defTabSz="533400">
+          <a:pPr marL="0" lvl="0" indent="0" algn="ctr" defTabSz="889000">
             <a:lnSpc>
               <a:spcPct val="90000"/>
             </a:lnSpc>
@@ -1834,80 +1704,26 @@
             </a:spcAft>
             <a:buNone/>
           </a:pPr>
-          <a:endParaRPr lang="es-ES" sz="1200" kern="1200" noProof="0" dirty="0"/>
+          <a:r>
+            <a:rPr lang="es-ES" sz="2000" kern="1200" noProof="0" dirty="0"/>
+            <a:t>Estudio de viabilidad de proyecto.</a:t>
+          </a:r>
         </a:p>
       </dsp:txBody>
       <dsp:txXfrm>
-        <a:off x="3143371" y="863486"/>
-        <a:ext cx="1451474" cy="1451110"/>
+        <a:off x="3066916" y="1228108"/>
+        <a:ext cx="1504919" cy="1504541"/>
       </dsp:txXfrm>
     </dsp:sp>
-    <dsp:sp modelId="{69248A5F-F70D-4A4C-929A-9F6490E343A0}">
-      <dsp:nvSpPr>
-        <dsp:cNvPr id="0" name=""/>
-        <dsp:cNvSpPr/>
-      </dsp:nvSpPr>
-      <dsp:spPr>
-        <a:xfrm>
-          <a:off x="2853077" y="2717577"/>
-          <a:ext cx="2032064" cy="1193279"/>
-        </a:xfrm>
-        <a:prstGeom prst="rect">
-          <a:avLst/>
-        </a:prstGeom>
-        <a:noFill/>
-        <a:ln>
-          <a:noFill/>
-        </a:ln>
-        <a:effectLst/>
-      </dsp:spPr>
-      <dsp:style>
-        <a:lnRef idx="0">
-          <a:scrgbClr r="0" g="0" b="0"/>
-        </a:lnRef>
-        <a:fillRef idx="0">
-          <a:scrgbClr r="0" g="0" b="0"/>
-        </a:fillRef>
-        <a:effectRef idx="0">
-          <a:scrgbClr r="0" g="0" b="0"/>
-        </a:effectRef>
-        <a:fontRef idx="minor"/>
-      </dsp:style>
-      <dsp:txBody>
-        <a:bodyPr spcFirstLastPara="0" vert="horz" wrap="square" lIns="243840" tIns="243840" rIns="243840" bIns="243840" numCol="1" spcCol="1270" anchor="t" anchorCtr="0">
-          <a:noAutofit/>
-        </a:bodyPr>
-        <a:lstStyle/>
-        <a:p>
-          <a:pPr marL="285750" lvl="1" indent="-285750" algn="l" defTabSz="2222500">
-            <a:lnSpc>
-              <a:spcPct val="90000"/>
-            </a:lnSpc>
-            <a:spcBef>
-              <a:spcPct val="0"/>
-            </a:spcBef>
-            <a:spcAft>
-              <a:spcPct val="15000"/>
-            </a:spcAft>
-            <a:buChar char="•"/>
-          </a:pPr>
-          <a:endParaRPr lang="es-ES" sz="5000" kern="1200" noProof="0" dirty="0"/>
-        </a:p>
-      </dsp:txBody>
-      <dsp:txXfrm>
-        <a:off x="2853077" y="2717577"/>
-        <a:ext cx="2032064" cy="1193279"/>
-      </dsp:txXfrm>
-    </dsp:sp>
-    <dsp:sp modelId="{F0847FCA-64CB-441A-B1D3-C7BC89530C70}">
+    <dsp:sp modelId="{BF6FC3A3-DA83-43B4-8E8E-55C6FA2BE7E2}">
       <dsp:nvSpPr>
         <dsp:cNvPr id="0" name=""/>
         <dsp:cNvSpPr/>
       </dsp:nvSpPr>
       <dsp:spPr>
         <a:xfrm rot="13500000">
-          <a:off x="5030737" y="500460"/>
-          <a:ext cx="2176780" cy="2176780"/>
+          <a:off x="5023777" y="851715"/>
+          <a:ext cx="2256931" cy="2256931"/>
         </a:xfrm>
         <a:prstGeom prst="teardrop">
           <a:avLst>
@@ -1972,15 +1788,15 @@
         </a:fontRef>
       </dsp:style>
     </dsp:sp>
-    <dsp:sp modelId="{961E3ACF-30A3-4207-9DD7-EFD06ED03765}">
+    <dsp:sp modelId="{0C9F90BD-F89F-4A65-A55C-B466392CB02F}">
       <dsp:nvSpPr>
         <dsp:cNvPr id="0" name=""/>
         <dsp:cNvSpPr/>
       </dsp:nvSpPr>
       <dsp:spPr>
         <a:xfrm>
-          <a:off x="5102629" y="573188"/>
-          <a:ext cx="2032064" cy="2031707"/>
+          <a:off x="5098315" y="927120"/>
+          <a:ext cx="2106886" cy="2106516"/>
         </a:xfrm>
         <a:prstGeom prst="ellipse">
           <a:avLst/>
@@ -2021,12 +1837,12 @@
         <a:fontRef idx="minor"/>
       </dsp:style>
       <dsp:txBody>
-        <a:bodyPr spcFirstLastPara="0" vert="horz" wrap="square" lIns="82550" tIns="82550" rIns="82550" bIns="82550" numCol="1" spcCol="1270" anchor="ctr" anchorCtr="0">
+        <a:bodyPr spcFirstLastPara="0" vert="horz" wrap="square" lIns="25400" tIns="25400" rIns="25400" bIns="25400" numCol="1" spcCol="1270" anchor="ctr" anchorCtr="0">
           <a:noAutofit/>
         </a:bodyPr>
         <a:lstStyle/>
         <a:p>
-          <a:pPr marL="0" lvl="0" indent="0" algn="ctr" defTabSz="2889250">
+          <a:pPr marL="0" lvl="0" indent="0" algn="ctr" defTabSz="889000">
             <a:lnSpc>
               <a:spcPct val="90000"/>
             </a:lnSpc>
@@ -2038,85 +1854,26 @@
             </a:spcAft>
             <a:buNone/>
           </a:pPr>
-          <a:endParaRPr lang="es-ES" sz="6500" kern="1200" noProof="0" dirty="0"/>
-        </a:p>
-      </dsp:txBody>
-      <dsp:txXfrm>
-        <a:off x="5392924" y="863486"/>
-        <a:ext cx="1451474" cy="1451110"/>
-      </dsp:txXfrm>
-    </dsp:sp>
-    <dsp:sp modelId="{34A83504-235C-453A-85C9-2AAE6C3B03F0}">
-      <dsp:nvSpPr>
-        <dsp:cNvPr id="0" name=""/>
-        <dsp:cNvSpPr/>
-      </dsp:nvSpPr>
-      <dsp:spPr>
-        <a:xfrm>
-          <a:off x="4026305" y="126776"/>
-          <a:ext cx="2032064" cy="1193279"/>
-        </a:xfrm>
-        <a:prstGeom prst="rect">
-          <a:avLst/>
-        </a:prstGeom>
-        <a:noFill/>
-        <a:ln>
-          <a:noFill/>
-        </a:ln>
-        <a:effectLst/>
-      </dsp:spPr>
-      <dsp:style>
-        <a:lnRef idx="0">
-          <a:scrgbClr r="0" g="0" b="0"/>
-        </a:lnRef>
-        <a:fillRef idx="0">
-          <a:scrgbClr r="0" g="0" b="0"/>
-        </a:fillRef>
-        <a:effectRef idx="0">
-          <a:scrgbClr r="0" g="0" b="0"/>
-        </a:effectRef>
-        <a:fontRef idx="minor"/>
-      </dsp:style>
-      <dsp:txBody>
-        <a:bodyPr spcFirstLastPara="0" vert="horz" wrap="square" lIns="45720" tIns="45720" rIns="45720" bIns="45720" numCol="1" spcCol="1270" anchor="t" anchorCtr="0">
-          <a:noAutofit/>
-        </a:bodyPr>
-        <a:lstStyle/>
-        <a:p>
-          <a:pPr marL="114300" lvl="1" indent="-114300" algn="l" defTabSz="533400">
-            <a:lnSpc>
-              <a:spcPct val="90000"/>
-            </a:lnSpc>
-            <a:spcBef>
-              <a:spcPct val="0"/>
-            </a:spcBef>
-            <a:spcAft>
-              <a:spcPct val="15000"/>
-            </a:spcAft>
-            <a:buChar char="•"/>
-          </a:pPr>
           <a:r>
-            <a:rPr lang="es-ES" sz="1200" kern="1200" noProof="0" dirty="0">
-              <a:latin typeface="Century Gothic" panose="020B0502020202020204" pitchFamily="34" charset="0"/>
-            </a:rPr>
-            <a:t>Paso a paso como se desarrollo el proyecto</a:t>
+            <a:rPr lang="es-ES" sz="2000" kern="1200" noProof="0" dirty="0"/>
+            <a:t>Estudio de Posibles Herramientas para resolver el Problema</a:t>
           </a:r>
         </a:p>
       </dsp:txBody>
       <dsp:txXfrm>
-        <a:off x="4026305" y="126776"/>
-        <a:ext cx="2032064" cy="1193279"/>
+        <a:off x="5399299" y="1228108"/>
+        <a:ext cx="1504919" cy="1504541"/>
       </dsp:txXfrm>
     </dsp:sp>
-    <dsp:sp modelId="{A75EC866-CDC2-4017-8678-8213B4815327}">
+    <dsp:sp modelId="{3FC3BF07-55D9-4453-9114-6E04E6A99D6A}">
       <dsp:nvSpPr>
         <dsp:cNvPr id="0" name=""/>
         <dsp:cNvSpPr/>
       </dsp:nvSpPr>
       <dsp:spPr>
         <a:xfrm rot="13500000">
-          <a:off x="7280289" y="500460"/>
-          <a:ext cx="2176780" cy="2176780"/>
+          <a:off x="7356160" y="851715"/>
+          <a:ext cx="2256931" cy="2256931"/>
         </a:xfrm>
         <a:prstGeom prst="teardrop">
           <a:avLst>
@@ -2181,15 +1938,15 @@
         </a:fontRef>
       </dsp:style>
     </dsp:sp>
-    <dsp:sp modelId="{33D1FF4A-1EA9-46F2-9769-F0793A34B441}">
+    <dsp:sp modelId="{63EEB375-6B74-4B33-8B96-570C45366D21}">
       <dsp:nvSpPr>
         <dsp:cNvPr id="0" name=""/>
         <dsp:cNvSpPr/>
       </dsp:nvSpPr>
       <dsp:spPr>
         <a:xfrm>
-          <a:off x="7347162" y="563436"/>
-          <a:ext cx="2032064" cy="2031707"/>
+          <a:off x="7430698" y="927120"/>
+          <a:ext cx="2106886" cy="2106516"/>
         </a:xfrm>
         <a:prstGeom prst="ellipse">
           <a:avLst/>
@@ -2230,12 +1987,12 @@
         <a:fontRef idx="minor"/>
       </dsp:style>
       <dsp:txBody>
-        <a:bodyPr spcFirstLastPara="0" vert="horz" wrap="square" lIns="82550" tIns="82550" rIns="82550" bIns="82550" numCol="1" spcCol="1270" anchor="ctr" anchorCtr="0">
+        <a:bodyPr spcFirstLastPara="0" vert="horz" wrap="square" lIns="25400" tIns="25400" rIns="25400" bIns="25400" numCol="1" spcCol="1270" anchor="ctr" anchorCtr="0">
           <a:noAutofit/>
         </a:bodyPr>
         <a:lstStyle/>
         <a:p>
-          <a:pPr marL="0" lvl="0" indent="0" algn="ctr" defTabSz="2889250">
+          <a:pPr marL="0" lvl="0" indent="0" algn="ctr" defTabSz="889000">
             <a:lnSpc>
               <a:spcPct val="90000"/>
             </a:lnSpc>
@@ -2247,69 +2004,15 @@
             </a:spcAft>
             <a:buNone/>
           </a:pPr>
-          <a:endParaRPr lang="es-ES" sz="6500" kern="1200" noProof="0" dirty="0"/>
+          <a:r>
+            <a:rPr lang="es-ES" sz="2000" kern="1200" noProof="0" dirty="0"/>
+            <a:t>Desarrollo del Proyecto</a:t>
+          </a:r>
         </a:p>
       </dsp:txBody>
       <dsp:txXfrm>
-        <a:off x="7637457" y="853734"/>
-        <a:ext cx="1451474" cy="1451110"/>
-      </dsp:txXfrm>
-    </dsp:sp>
-    <dsp:sp modelId="{9927E353-63E0-4F1F-9EA9-6FED74737A81}">
-      <dsp:nvSpPr>
-        <dsp:cNvPr id="0" name=""/>
-        <dsp:cNvSpPr/>
-      </dsp:nvSpPr>
-      <dsp:spPr>
-        <a:xfrm>
-          <a:off x="7352181" y="2717577"/>
-          <a:ext cx="2032064" cy="1193279"/>
-        </a:xfrm>
-        <a:prstGeom prst="rect">
-          <a:avLst/>
-        </a:prstGeom>
-        <a:noFill/>
-        <a:ln>
-          <a:noFill/>
-        </a:ln>
-        <a:effectLst/>
-      </dsp:spPr>
-      <dsp:style>
-        <a:lnRef idx="0">
-          <a:scrgbClr r="0" g="0" b="0"/>
-        </a:lnRef>
-        <a:fillRef idx="0">
-          <a:scrgbClr r="0" g="0" b="0"/>
-        </a:fillRef>
-        <a:effectRef idx="0">
-          <a:scrgbClr r="0" g="0" b="0"/>
-        </a:effectRef>
-        <a:fontRef idx="minor"/>
-      </dsp:style>
-      <dsp:txBody>
-        <a:bodyPr spcFirstLastPara="0" vert="horz" wrap="square" lIns="243840" tIns="243840" rIns="243840" bIns="243840" numCol="1" spcCol="1270" anchor="t" anchorCtr="0">
-          <a:noAutofit/>
-        </a:bodyPr>
-        <a:lstStyle/>
-        <a:p>
-          <a:pPr marL="285750" lvl="1" indent="-285750" algn="l" defTabSz="2222500">
-            <a:lnSpc>
-              <a:spcPct val="90000"/>
-            </a:lnSpc>
-            <a:spcBef>
-              <a:spcPct val="0"/>
-            </a:spcBef>
-            <a:spcAft>
-              <a:spcPct val="15000"/>
-            </a:spcAft>
-            <a:buChar char="•"/>
-          </a:pPr>
-          <a:endParaRPr lang="es-ES" sz="5000" kern="1200" noProof="0" dirty="0"/>
-        </a:p>
-      </dsp:txBody>
-      <dsp:txXfrm>
-        <a:off x="7352181" y="2717577"/>
-        <a:ext cx="2032064" cy="1193279"/>
+        <a:off x="7731682" y="1228108"/>
+        <a:ext cx="1504919" cy="1504541"/>
       </dsp:txXfrm>
     </dsp:sp>
   </dsp:spTree>
@@ -7992,7 +7695,7 @@
           <a:p>
             <a:fld id="{2D7E1184-42E3-47C1-9DFF-E021C4C8B2A7}" type="datetimeFigureOut">
               <a:rPr lang="es-EC" smtClean="0"/>
-              <a:t>22/8/2021</a:t>
+              <a:t>21/9/2021</a:t>
             </a:fld>
             <a:endParaRPr lang="es-EC"/>
           </a:p>
@@ -8202,7 +7905,7 @@
           <a:p>
             <a:fld id="{2D7E1184-42E3-47C1-9DFF-E021C4C8B2A7}" type="datetimeFigureOut">
               <a:rPr lang="es-EC" smtClean="0"/>
-              <a:t>22/8/2021</a:t>
+              <a:t>21/9/2021</a:t>
             </a:fld>
             <a:endParaRPr lang="es-EC"/>
           </a:p>
@@ -8412,7 +8115,7 @@
           <a:p>
             <a:fld id="{2D7E1184-42E3-47C1-9DFF-E021C4C8B2A7}" type="datetimeFigureOut">
               <a:rPr lang="es-EC" smtClean="0"/>
-              <a:t>22/8/2021</a:t>
+              <a:t>21/9/2021</a:t>
             </a:fld>
             <a:endParaRPr lang="es-EC"/>
           </a:p>
@@ -8622,7 +8325,7 @@
           <a:p>
             <a:fld id="{2D7E1184-42E3-47C1-9DFF-E021C4C8B2A7}" type="datetimeFigureOut">
               <a:rPr lang="es-EC" smtClean="0"/>
-              <a:t>22/8/2021</a:t>
+              <a:t>21/9/2021</a:t>
             </a:fld>
             <a:endParaRPr lang="es-EC"/>
           </a:p>
@@ -8898,7 +8601,7 @@
           <a:p>
             <a:fld id="{2D7E1184-42E3-47C1-9DFF-E021C4C8B2A7}" type="datetimeFigureOut">
               <a:rPr lang="es-EC" smtClean="0"/>
-              <a:t>22/8/2021</a:t>
+              <a:t>21/9/2021</a:t>
             </a:fld>
             <a:endParaRPr lang="es-EC"/>
           </a:p>
@@ -9168,7 +8871,7 @@
           <a:p>
             <a:fld id="{2D7E1184-42E3-47C1-9DFF-E021C4C8B2A7}" type="datetimeFigureOut">
               <a:rPr lang="es-EC" smtClean="0"/>
-              <a:t>22/8/2021</a:t>
+              <a:t>21/9/2021</a:t>
             </a:fld>
             <a:endParaRPr lang="es-EC"/>
           </a:p>
@@ -9574,7 +9277,7 @@
           <a:p>
             <a:fld id="{2D7E1184-42E3-47C1-9DFF-E021C4C8B2A7}" type="datetimeFigureOut">
               <a:rPr lang="es-EC" smtClean="0"/>
-              <a:t>22/8/2021</a:t>
+              <a:t>21/9/2021</a:t>
             </a:fld>
             <a:endParaRPr lang="es-EC"/>
           </a:p>
@@ -9724,7 +9427,7 @@
           <a:p>
             <a:fld id="{2D7E1184-42E3-47C1-9DFF-E021C4C8B2A7}" type="datetimeFigureOut">
               <a:rPr lang="es-EC" smtClean="0"/>
-              <a:t>22/8/2021</a:t>
+              <a:t>21/9/2021</a:t>
             </a:fld>
             <a:endParaRPr lang="es-EC"/>
           </a:p>
@@ -9843,7 +9546,7 @@
           <a:p>
             <a:fld id="{2D7E1184-42E3-47C1-9DFF-E021C4C8B2A7}" type="datetimeFigureOut">
               <a:rPr lang="es-EC" smtClean="0"/>
-              <a:t>22/8/2021</a:t>
+              <a:t>21/9/2021</a:t>
             </a:fld>
             <a:endParaRPr lang="es-EC"/>
           </a:p>
@@ -10153,7 +9856,7 @@
           <a:p>
             <a:fld id="{2D7E1184-42E3-47C1-9DFF-E021C4C8B2A7}" type="datetimeFigureOut">
               <a:rPr lang="es-EC" smtClean="0"/>
-              <a:t>22/8/2021</a:t>
+              <a:t>21/9/2021</a:t>
             </a:fld>
             <a:endParaRPr lang="es-EC"/>
           </a:p>
@@ -10439,7 +10142,7 @@
           <a:p>
             <a:fld id="{2D7E1184-42E3-47C1-9DFF-E021C4C8B2A7}" type="datetimeFigureOut">
               <a:rPr lang="es-EC" smtClean="0"/>
-              <a:t>22/8/2021</a:t>
+              <a:t>21/9/2021</a:t>
             </a:fld>
             <a:endParaRPr lang="es-EC"/>
           </a:p>
@@ -11588,55 +11291,74 @@
           <a:chExt cx="0" cy="0"/>
         </a:xfrm>
       </p:grpSpPr>
-      <p:sp>
-        <p:nvSpPr>
-          <p:cNvPr id="4" name="Rectángulo 3"/>
-          <p:cNvSpPr/>
+      <p:pic>
+        <p:nvPicPr>
+          <p:cNvPr id="1026" name="Picture 2" descr="Investigación científica - Qué es, definición y concepto | 2021 |  Economipedia">
+            <a:extLst>
+              <a:ext uri="{FF2B5EF4-FFF2-40B4-BE49-F238E27FC236}">
+                <a16:creationId xmlns:a16="http://schemas.microsoft.com/office/drawing/2014/main" id="{3C1F6845-E82E-4091-A321-21850F14FF5F}"/>
+              </a:ext>
+            </a:extLst>
+          </p:cNvPr>
+          <p:cNvPicPr>
+            <a:picLocks noChangeAspect="1" noChangeArrowheads="1"/>
+          </p:cNvPicPr>
           <p:nvPr/>
-        </p:nvSpPr>
-        <p:spPr>
+        </p:nvPicPr>
+        <p:blipFill>
+          <a:blip r:embed="rId2">
+            <a:extLst>
+              <a:ext uri="{BEBA8EAE-BF5A-486C-A8C5-ECC9F3942E4B}">
+                <a14:imgProps xmlns:a14="http://schemas.microsoft.com/office/drawing/2010/main">
+                  <a14:imgLayer r:embed="rId3">
+                    <a14:imgEffect>
+                      <a14:backgroundRemoval t="10000" b="90000" l="10000" r="90000"/>
+                    </a14:imgEffect>
+                    <a14:imgEffect>
+                      <a14:sharpenSoften amount="-100000"/>
+                    </a14:imgEffect>
+                    <a14:imgEffect>
+                      <a14:colorTemperature colorTemp="11500"/>
+                    </a14:imgEffect>
+                    <a14:imgEffect>
+                      <a14:saturation sat="74000"/>
+                    </a14:imgEffect>
+                    <a14:imgEffect>
+                      <a14:brightnessContrast bright="9000" contrast="42000"/>
+                    </a14:imgEffect>
+                  </a14:imgLayer>
+                </a14:imgProps>
+              </a:ext>
+              <a:ext uri="{28A0092B-C50C-407E-A947-70E740481C1C}">
+                <a14:useLocalDpi xmlns:a14="http://schemas.microsoft.com/office/drawing/2010/main" val="0"/>
+              </a:ext>
+            </a:extLst>
+          </a:blip>
+          <a:srcRect/>
+          <a:stretch>
+            <a:fillRect/>
+          </a:stretch>
+        </p:blipFill>
+        <p:spPr bwMode="auto">
           <a:xfrm>
-            <a:off x="799444" y="1211471"/>
-            <a:ext cx="9888653" cy="1138773"/>
+            <a:off x="1311338" y="199753"/>
+            <a:ext cx="9722887" cy="6481925"/>
           </a:xfrm>
           <a:prstGeom prst="rect">
             <a:avLst/>
           </a:prstGeom>
+          <a:noFill/>
+          <a:extLst>
+            <a:ext uri="{909E8E84-426E-40DD-AFC4-6F175D3DCCD1}">
+              <a14:hiddenFill xmlns:a14="http://schemas.microsoft.com/office/drawing/2010/main">
+                <a:solidFill>
+                  <a:srgbClr val="FFFFFF"/>
+                </a:solidFill>
+              </a14:hiddenFill>
+            </a:ext>
+          </a:extLst>
         </p:spPr>
-        <p:txBody>
-          <a:bodyPr wrap="square">
-            <a:spAutoFit/>
-          </a:bodyPr>
-          <a:lstStyle/>
-          <a:p>
-            <a:pPr lvl="1"/>
-            <a:r>
-              <a:rPr lang="es-ES" sz="2800" dirty="0">
-                <a:latin typeface="Century Gothic" charset="0"/>
-                <a:ea typeface="Century Gothic" charset="0"/>
-                <a:cs typeface="Century Gothic" charset="0"/>
-              </a:rPr>
-              <a:t>Como se pretende resolver el problema</a:t>
-            </a:r>
-          </a:p>
-          <a:p>
-            <a:pPr lvl="1"/>
-            <a:endParaRPr lang="es-ES" sz="2000" dirty="0">
-              <a:latin typeface="Century Gothic" charset="0"/>
-              <a:ea typeface="Century Gothic" charset="0"/>
-              <a:cs typeface="Century Gothic" charset="0"/>
-            </a:endParaRPr>
-          </a:p>
-          <a:p>
-            <a:pPr lvl="1"/>
-            <a:endParaRPr lang="es-ES" sz="2000" dirty="0">
-              <a:latin typeface="Century Gothic" charset="0"/>
-              <a:ea typeface="Century Gothic" charset="0"/>
-              <a:cs typeface="Century Gothic" charset="0"/>
-            </a:endParaRPr>
-          </a:p>
-        </p:txBody>
-      </p:sp>
+      </p:pic>
       <p:graphicFrame>
         <p:nvGraphicFramePr>
           <p:cNvPr id="5" name="Diagram 5"/>
@@ -11644,18 +11366,18 @@
           <p:nvPr>
             <p:extLst>
               <p:ext uri="{D42A27DB-BD31-4B8C-83A1-F6EECF244321}">
-                <p14:modId xmlns:p14="http://schemas.microsoft.com/office/powerpoint/2010/main" val="4092927012"/>
+                <p14:modId xmlns:p14="http://schemas.microsoft.com/office/powerpoint/2010/main" val="3915100163"/>
               </p:ext>
             </p:extLst>
           </p:nvPr>
         </p:nvGraphicFramePr>
         <p:xfrm>
-          <a:off x="953008" y="2226534"/>
+          <a:off x="953008" y="1613975"/>
           <a:ext cx="10439548" cy="3960362"/>
         </p:xfrm>
         <a:graphic>
           <a:graphicData uri="http://schemas.openxmlformats.org/drawingml/2006/diagram">
-            <dgm:relIds xmlns:dgm="http://schemas.openxmlformats.org/drawingml/2006/diagram" xmlns:r="http://schemas.openxmlformats.org/officeDocument/2006/relationships" r:dm="rId2" r:lo="rId3" r:qs="rId4" r:cs="rId5"/>
+            <dgm:relIds xmlns:dgm="http://schemas.openxmlformats.org/drawingml/2006/diagram" xmlns:r="http://schemas.openxmlformats.org/officeDocument/2006/relationships" r:dm="rId4" r:lo="rId5" r:qs="rId6" r:cs="rId7"/>
           </a:graphicData>
         </a:graphic>
       </p:graphicFrame>
@@ -11782,43 +11504,6 @@
           </a:p>
         </p:txBody>
       </p:sp>
-      <p:pic>
-        <p:nvPicPr>
-          <p:cNvPr id="4" name="Imagen 3">
-            <a:extLst>
-              <a:ext uri="{FF2B5EF4-FFF2-40B4-BE49-F238E27FC236}">
-                <a16:creationId xmlns:a16="http://schemas.microsoft.com/office/drawing/2014/main" id="{3C2D3742-1E86-4FF5-80DC-9A530B5636C0}"/>
-              </a:ext>
-            </a:extLst>
-          </p:cNvPr>
-          <p:cNvPicPr>
-            <a:picLocks noChangeAspect="1"/>
-          </p:cNvPicPr>
-          <p:nvPr/>
-        </p:nvPicPr>
-        <p:blipFill>
-          <a:blip r:embed="rId2"/>
-          <a:stretch>
-            <a:fillRect/>
-          </a:stretch>
-        </p:blipFill>
-        <p:spPr>
-          <a:xfrm>
-            <a:off x="359925" y="1401063"/>
-            <a:ext cx="7519479" cy="4055873"/>
-          </a:xfrm>
-          <a:prstGeom prst="rect">
-            <a:avLst/>
-          </a:prstGeom>
-          <a:ln>
-            <a:solidFill>
-              <a:schemeClr val="bg1">
-                <a:lumMod val="65000"/>
-              </a:schemeClr>
-            </a:solidFill>
-          </a:ln>
-        </p:spPr>
-      </p:pic>
       <p:sp>
         <p:nvSpPr>
           <p:cNvPr id="5" name="CuadroTexto 4">
@@ -11833,8 +11518,8 @@
         </p:nvSpPr>
         <p:spPr>
           <a:xfrm>
-            <a:off x="8216125" y="1401063"/>
-            <a:ext cx="3615949" cy="1400383"/>
+            <a:off x="7840177" y="1722878"/>
+            <a:ext cx="3615949" cy="1138773"/>
           </a:xfrm>
           <a:prstGeom prst="rect">
             <a:avLst/>
@@ -11878,31 +11563,22 @@
                 <a:ea typeface="Century Gothic" charset="0"/>
                 <a:cs typeface="Century Gothic" charset="0"/>
               </a:rPr>
-              <a:t>Swagger: </a:t>
-            </a:r>
+              <a:t>Middleware Exception:</a:t>
+            </a:r>
+            <a:br>
+              <a:rPr lang="es-EC" sz="1700" b="1" dirty="0">
+                <a:latin typeface="Century Gothic" charset="0"/>
+                <a:ea typeface="Century Gothic" charset="0"/>
+                <a:cs typeface="Century Gothic" charset="0"/>
+              </a:rPr>
+            </a:br>
             <a:r>
               <a:rPr lang="es-EC" sz="1700" dirty="0">
                 <a:latin typeface="Century Gothic" charset="0"/>
                 <a:ea typeface="Century Gothic" charset="0"/>
                 <a:cs typeface="Century Gothic" charset="0"/>
               </a:rPr>
-              <a:t>Utilizando el link del app Service montada en </a:t>
-            </a:r>
-            <a:r>
-              <a:rPr lang="es-EC" sz="1700" dirty="0" err="1">
-                <a:latin typeface="Century Gothic" charset="0"/>
-                <a:ea typeface="Century Gothic" charset="0"/>
-                <a:cs typeface="Century Gothic" charset="0"/>
-              </a:rPr>
-              <a:t>azure</a:t>
-            </a:r>
-            <a:r>
-              <a:rPr lang="es-EC" sz="1700" dirty="0">
-                <a:latin typeface="Century Gothic" charset="0"/>
-                <a:ea typeface="Century Gothic" charset="0"/>
-                <a:cs typeface="Century Gothic" charset="0"/>
-              </a:rPr>
-              <a:t> podemos acceder a los servicios expuestos para ser consumidos.</a:t>
+              <a:t>Permitirá atrapar cualquier tipo de excepción controlada y no controlada.</a:t>
             </a:r>
             <a:endParaRPr lang="es-EC" sz="1800" dirty="0">
               <a:latin typeface="Century Gothic" charset="0"/>
@@ -11912,6 +11588,53 @@
           </a:p>
         </p:txBody>
       </p:sp>
+      <p:pic>
+        <p:nvPicPr>
+          <p:cNvPr id="1026" name="Picture 2" descr="Módulos, controladores y middleware | Microsoft Docs">
+            <a:extLst>
+              <a:ext uri="{FF2B5EF4-FFF2-40B4-BE49-F238E27FC236}">
+                <a16:creationId xmlns:a16="http://schemas.microsoft.com/office/drawing/2014/main" id="{3DCB02A0-F083-4FE7-9D24-9075ED72D507}"/>
+              </a:ext>
+            </a:extLst>
+          </p:cNvPr>
+          <p:cNvPicPr>
+            <a:picLocks noChangeAspect="1" noChangeArrowheads="1"/>
+          </p:cNvPicPr>
+          <p:nvPr/>
+        </p:nvPicPr>
+        <p:blipFill>
+          <a:blip r:embed="rId2">
+            <a:extLst>
+              <a:ext uri="{28A0092B-C50C-407E-A947-70E740481C1C}">
+                <a14:useLocalDpi xmlns:a14="http://schemas.microsoft.com/office/drawing/2010/main" val="0"/>
+              </a:ext>
+            </a:extLst>
+          </a:blip>
+          <a:srcRect/>
+          <a:stretch>
+            <a:fillRect/>
+          </a:stretch>
+        </p:blipFill>
+        <p:spPr bwMode="auto">
+          <a:xfrm>
+            <a:off x="832650" y="1609076"/>
+            <a:ext cx="6429283" cy="3859567"/>
+          </a:xfrm>
+          <a:prstGeom prst="rect">
+            <a:avLst/>
+          </a:prstGeom>
+          <a:noFill/>
+          <a:extLst>
+            <a:ext uri="{909E8E84-426E-40DD-AFC4-6F175D3DCCD1}">
+              <a14:hiddenFill xmlns:a14="http://schemas.microsoft.com/office/drawing/2010/main">
+                <a:solidFill>
+                  <a:srgbClr val="FFFFFF"/>
+                </a:solidFill>
+              </a14:hiddenFill>
+            </a:ext>
+          </a:extLst>
+        </p:spPr>
+      </p:pic>
     </p:spTree>
     <p:extLst>
       <p:ext uri="{BB962C8B-B14F-4D97-AF65-F5344CB8AC3E}">
@@ -12001,8 +11724,8 @@
         </p:nvSpPr>
         <p:spPr>
           <a:xfrm>
-            <a:off x="463180" y="1371880"/>
-            <a:ext cx="2766403" cy="1138773"/>
+            <a:off x="454255" y="1301338"/>
+            <a:ext cx="11113648" cy="615553"/>
           </a:xfrm>
           <a:prstGeom prst="rect">
             <a:avLst/>
@@ -12041,44 +11764,27 @@
               </a:spcBef>
             </a:pPr>
             <a:r>
-              <a:rPr lang="es-EC" sz="1700" b="1" dirty="0" err="1">
-                <a:latin typeface="Century Gothic" charset="0"/>
-                <a:ea typeface="Century Gothic" charset="0"/>
-                <a:cs typeface="Century Gothic" charset="0"/>
-              </a:rPr>
-              <a:t>Application</a:t>
-            </a:r>
-            <a:r>
               <a:rPr lang="es-EC" sz="1700" b="1" dirty="0">
                 <a:latin typeface="Century Gothic" charset="0"/>
                 <a:ea typeface="Century Gothic" charset="0"/>
                 <a:cs typeface="Century Gothic" charset="0"/>
               </a:rPr>
-              <a:t> </a:t>
-            </a:r>
-            <a:r>
-              <a:rPr lang="es-EC" sz="1700" b="1" dirty="0" err="1">
-                <a:latin typeface="Century Gothic" charset="0"/>
-                <a:ea typeface="Century Gothic" charset="0"/>
-                <a:cs typeface="Century Gothic" charset="0"/>
-              </a:rPr>
-              <a:t>Insigths</a:t>
-            </a:r>
-            <a:r>
+              <a:t>Middleware Exception Ejemplo:</a:t>
+            </a:r>
+            <a:br>
               <a:rPr lang="es-EC" sz="1700" b="1" dirty="0">
                 <a:latin typeface="Century Gothic" charset="0"/>
                 <a:ea typeface="Century Gothic" charset="0"/>
                 <a:cs typeface="Century Gothic" charset="0"/>
               </a:rPr>
-              <a:t>: </a:t>
-            </a:r>
+            </a:br>
             <a:r>
               <a:rPr lang="es-EC" sz="1700" dirty="0">
                 <a:latin typeface="Century Gothic" charset="0"/>
                 <a:ea typeface="Century Gothic" charset="0"/>
                 <a:cs typeface="Century Gothic" charset="0"/>
               </a:rPr>
-              <a:t>Se puede observar el registro de los logs y consumo de servicio.</a:t>
+              <a:t>Permitirá atrapar cualquier tipo de excepción controlada y no controlada.</a:t>
             </a:r>
             <a:endParaRPr lang="es-EC" sz="1800" dirty="0">
               <a:latin typeface="Century Gothic" charset="0"/>
@@ -12090,10 +11796,10 @@
       </p:sp>
       <p:pic>
         <p:nvPicPr>
-          <p:cNvPr id="6" name="Imagen 5">
+          <p:cNvPr id="4" name="Imagen 3">
             <a:extLst>
               <a:ext uri="{FF2B5EF4-FFF2-40B4-BE49-F238E27FC236}">
-                <a16:creationId xmlns:a16="http://schemas.microsoft.com/office/drawing/2014/main" id="{EEF2180B-070B-4A69-BBCB-4FC097F13338}"/>
+                <a16:creationId xmlns:a16="http://schemas.microsoft.com/office/drawing/2014/main" id="{074FA7A3-3DDC-441E-B2A3-71AD81B04A33}"/>
               </a:ext>
             </a:extLst>
           </p:cNvPr>
@@ -12102,32 +11808,26 @@
           </p:cNvPicPr>
           <p:nvPr/>
         </p:nvPicPr>
-        <p:blipFill rotWithShape="1">
+        <p:blipFill>
           <a:blip r:embed="rId2"/>
-          <a:srcRect r="16978"/>
-          <a:stretch/>
+          <a:stretch>
+            <a:fillRect/>
+          </a:stretch>
         </p:blipFill>
         <p:spPr>
           <a:xfrm>
-            <a:off x="3485307" y="1168670"/>
-            <a:ext cx="8489443" cy="4520659"/>
+            <a:off x="1634985" y="2046375"/>
+            <a:ext cx="8592090" cy="4223950"/>
           </a:xfrm>
           <a:prstGeom prst="rect">
             <a:avLst/>
           </a:prstGeom>
-          <a:ln>
-            <a:solidFill>
-              <a:schemeClr val="bg1">
-                <a:lumMod val="65000"/>
-              </a:schemeClr>
-            </a:solidFill>
-          </a:ln>
         </p:spPr>
       </p:pic>
     </p:spTree>
     <p:extLst>
       <p:ext uri="{BB962C8B-B14F-4D97-AF65-F5344CB8AC3E}">
-        <p14:creationId xmlns:p14="http://schemas.microsoft.com/office/powerpoint/2010/main" val="2520699560"/>
+        <p14:creationId xmlns:p14="http://schemas.microsoft.com/office/powerpoint/2010/main" val="1342324763"/>
       </p:ext>
     </p:extLst>
   </p:cSld>
@@ -12213,8 +11913,8 @@
         </p:nvSpPr>
         <p:spPr>
           <a:xfrm>
-            <a:off x="8216125" y="1401063"/>
-            <a:ext cx="3615949" cy="1400383"/>
+            <a:off x="463179" y="1371880"/>
+            <a:ext cx="10101247" cy="353943"/>
           </a:xfrm>
           <a:prstGeom prst="rect">
             <a:avLst/>
@@ -12258,7 +11958,7 @@
                 <a:ea typeface="Century Gothic" charset="0"/>
                 <a:cs typeface="Century Gothic" charset="0"/>
               </a:rPr>
-              <a:t>Swagger: </a:t>
+              <a:t>Seguridad JWT y Contexto: </a:t>
             </a:r>
             <a:r>
               <a:rPr lang="es-EC" sz="1700" dirty="0">
@@ -12266,23 +11966,7 @@
                 <a:ea typeface="Century Gothic" charset="0"/>
                 <a:cs typeface="Century Gothic" charset="0"/>
               </a:rPr>
-              <a:t>Utilizando el link del app Service montada en </a:t>
-            </a:r>
-            <a:r>
-              <a:rPr lang="es-EC" sz="1700" dirty="0" err="1">
-                <a:latin typeface="Century Gothic" charset="0"/>
-                <a:ea typeface="Century Gothic" charset="0"/>
-                <a:cs typeface="Century Gothic" charset="0"/>
-              </a:rPr>
-              <a:t>azure</a:t>
-            </a:r>
-            <a:r>
-              <a:rPr lang="es-EC" sz="1700" dirty="0">
-                <a:latin typeface="Century Gothic" charset="0"/>
-                <a:ea typeface="Century Gothic" charset="0"/>
-                <a:cs typeface="Century Gothic" charset="0"/>
-              </a:rPr>
-              <a:t> podemos acceder a los servicios expuestos para ser consumidos.</a:t>
+              <a:t>Todo servicio necesita el Token para funcionar.</a:t>
             </a:r>
             <a:endParaRPr lang="es-EC" sz="1800" dirty="0">
               <a:latin typeface="Century Gothic" charset="0"/>
@@ -12294,14 +11978,16 @@
       </p:sp>
       <p:pic>
         <p:nvPicPr>
-          <p:cNvPr id="7" name="Imagen 6">
+          <p:cNvPr id="4" name="Imagen 3">
             <a:extLst>
               <a:ext uri="{FF2B5EF4-FFF2-40B4-BE49-F238E27FC236}">
-                <a16:creationId xmlns:a16="http://schemas.microsoft.com/office/drawing/2014/main" id="{D48A11D8-78BB-4069-9FEC-82E40E67E031}"/>
+                <a16:creationId xmlns:a16="http://schemas.microsoft.com/office/drawing/2014/main" id="{2FB232BC-375E-4F76-B514-2762F3B5C896}"/>
               </a:ext>
             </a:extLst>
           </p:cNvPr>
-          <p:cNvPicPr/>
+          <p:cNvPicPr>
+            <a:picLocks noChangeAspect="1"/>
+          </p:cNvPicPr>
           <p:nvPr/>
         </p:nvPicPr>
         <p:blipFill>
@@ -12312,13 +11998,12 @@
         </p:blipFill>
         <p:spPr>
           <a:xfrm>
-            <a:off x="571245" y="1769690"/>
-            <a:ext cx="7364965" cy="3318620"/>
+            <a:off x="490521" y="1993041"/>
+            <a:ext cx="11210957" cy="4293759"/>
           </a:xfrm>
           <a:prstGeom prst="rect">
             <a:avLst/>
           </a:prstGeom>
-          <a:noFill/>
           <a:ln>
             <a:solidFill>
               <a:schemeClr val="bg1">
@@ -12331,7 +12016,7 @@
     </p:spTree>
     <p:extLst>
       <p:ext uri="{BB962C8B-B14F-4D97-AF65-F5344CB8AC3E}">
-        <p14:creationId xmlns:p14="http://schemas.microsoft.com/office/powerpoint/2010/main" val="4285854984"/>
+        <p14:creationId xmlns:p14="http://schemas.microsoft.com/office/powerpoint/2010/main" val="2520699560"/>
       </p:ext>
     </p:extLst>
   </p:cSld>
@@ -12417,8 +12102,8 @@
         </p:nvSpPr>
         <p:spPr>
           <a:xfrm>
-            <a:off x="463180" y="1371880"/>
-            <a:ext cx="2766403" cy="1138773"/>
+            <a:off x="463179" y="1371880"/>
+            <a:ext cx="10980892" cy="353943"/>
           </a:xfrm>
           <a:prstGeom prst="rect">
             <a:avLst/>
@@ -12462,7 +12147,7 @@
                 <a:ea typeface="Century Gothic" charset="0"/>
                 <a:cs typeface="Century Gothic" charset="0"/>
               </a:rPr>
-              <a:t>Application</a:t>
+              <a:t>Unit</a:t>
             </a:r>
             <a:r>
               <a:rPr lang="es-EC" sz="1700" b="1" dirty="0">
@@ -12478,7 +12163,23 @@
                 <a:ea typeface="Century Gothic" charset="0"/>
                 <a:cs typeface="Century Gothic" charset="0"/>
               </a:rPr>
-              <a:t>Insigths</a:t>
+              <a:t>Of</a:t>
+            </a:r>
+            <a:r>
+              <a:rPr lang="es-EC" sz="1700" b="1" dirty="0">
+                <a:latin typeface="Century Gothic" charset="0"/>
+                <a:ea typeface="Century Gothic" charset="0"/>
+                <a:cs typeface="Century Gothic" charset="0"/>
+              </a:rPr>
+              <a:t> </a:t>
+            </a:r>
+            <a:r>
+              <a:rPr lang="es-EC" sz="1700" b="1" dirty="0" err="1">
+                <a:latin typeface="Century Gothic" charset="0"/>
+                <a:ea typeface="Century Gothic" charset="0"/>
+                <a:cs typeface="Century Gothic" charset="0"/>
+              </a:rPr>
+              <a:t>Work</a:t>
             </a:r>
             <a:r>
               <a:rPr lang="es-EC" sz="1700" b="1" dirty="0">
@@ -12494,7 +12195,55 @@
                 <a:ea typeface="Century Gothic" charset="0"/>
                 <a:cs typeface="Century Gothic" charset="0"/>
               </a:rPr>
-              <a:t>Se puede observar el registro de los logs y consumo de servicio.</a:t>
+              <a:t>Control de Repositorio Con </a:t>
+            </a:r>
+            <a:r>
+              <a:rPr lang="es-EC" sz="1700" dirty="0" err="1">
+                <a:latin typeface="Century Gothic" charset="0"/>
+                <a:ea typeface="Century Gothic" charset="0"/>
+                <a:cs typeface="Century Gothic" charset="0"/>
+              </a:rPr>
+              <a:t>Unit</a:t>
+            </a:r>
+            <a:r>
+              <a:rPr lang="es-EC" sz="1700" dirty="0">
+                <a:latin typeface="Century Gothic" charset="0"/>
+                <a:ea typeface="Century Gothic" charset="0"/>
+                <a:cs typeface="Century Gothic" charset="0"/>
+              </a:rPr>
+              <a:t> </a:t>
+            </a:r>
+            <a:r>
+              <a:rPr lang="es-EC" sz="1700" dirty="0" err="1">
+                <a:latin typeface="Century Gothic" charset="0"/>
+                <a:ea typeface="Century Gothic" charset="0"/>
+                <a:cs typeface="Century Gothic" charset="0"/>
+              </a:rPr>
+              <a:t>Of</a:t>
+            </a:r>
+            <a:r>
+              <a:rPr lang="es-EC" sz="1700" dirty="0">
+                <a:latin typeface="Century Gothic" charset="0"/>
+                <a:ea typeface="Century Gothic" charset="0"/>
+                <a:cs typeface="Century Gothic" charset="0"/>
+              </a:rPr>
+              <a:t> </a:t>
+            </a:r>
+            <a:r>
+              <a:rPr lang="es-EC" sz="1700" dirty="0" err="1">
+                <a:latin typeface="Century Gothic" charset="0"/>
+                <a:ea typeface="Century Gothic" charset="0"/>
+                <a:cs typeface="Century Gothic" charset="0"/>
+              </a:rPr>
+              <a:t>Work</a:t>
+            </a:r>
+            <a:r>
+              <a:rPr lang="es-EC" sz="1700" dirty="0">
+                <a:latin typeface="Century Gothic" charset="0"/>
+                <a:ea typeface="Century Gothic" charset="0"/>
+                <a:cs typeface="Century Gothic" charset="0"/>
+              </a:rPr>
+              <a:t> y Transaccionalidad.  </a:t>
             </a:r>
             <a:endParaRPr lang="es-EC" sz="1800" dirty="0">
               <a:latin typeface="Century Gothic" charset="0"/>
@@ -12506,10 +12255,10 @@
       </p:sp>
       <p:pic>
         <p:nvPicPr>
-          <p:cNvPr id="6" name="Imagen 5">
+          <p:cNvPr id="7" name="Imagen 6">
             <a:extLst>
               <a:ext uri="{FF2B5EF4-FFF2-40B4-BE49-F238E27FC236}">
-                <a16:creationId xmlns:a16="http://schemas.microsoft.com/office/drawing/2014/main" id="{EEF2180B-070B-4A69-BBCB-4FC097F13338}"/>
+                <a16:creationId xmlns:a16="http://schemas.microsoft.com/office/drawing/2014/main" id="{34048979-975D-4114-A0AC-6979D03D7441}"/>
               </a:ext>
             </a:extLst>
           </p:cNvPr>
@@ -12518,32 +12267,26 @@
           </p:cNvPicPr>
           <p:nvPr/>
         </p:nvPicPr>
-        <p:blipFill rotWithShape="1">
+        <p:blipFill>
           <a:blip r:embed="rId2"/>
-          <a:srcRect r="16978"/>
-          <a:stretch/>
+          <a:stretch>
+            <a:fillRect/>
+          </a:stretch>
         </p:blipFill>
         <p:spPr>
           <a:xfrm>
-            <a:off x="3485307" y="1168670"/>
-            <a:ext cx="8489443" cy="4520659"/>
+            <a:off x="1430553" y="1809444"/>
+            <a:ext cx="8894177" cy="4414681"/>
           </a:xfrm>
           <a:prstGeom prst="rect">
             <a:avLst/>
           </a:prstGeom>
-          <a:ln>
-            <a:solidFill>
-              <a:schemeClr val="bg1">
-                <a:lumMod val="65000"/>
-              </a:schemeClr>
-            </a:solidFill>
-          </a:ln>
         </p:spPr>
       </p:pic>
     </p:spTree>
     <p:extLst>
       <p:ext uri="{BB962C8B-B14F-4D97-AF65-F5344CB8AC3E}">
-        <p14:creationId xmlns:p14="http://schemas.microsoft.com/office/powerpoint/2010/main" val="2201523233"/>
+        <p14:creationId xmlns:p14="http://schemas.microsoft.com/office/powerpoint/2010/main" val="577864936"/>
       </p:ext>
     </p:extLst>
   </p:cSld>
@@ -12667,7 +12410,7 @@
         <p:spPr>
           <a:xfrm>
             <a:off x="8216125" y="1401063"/>
-            <a:ext cx="3615949" cy="1400383"/>
+            <a:ext cx="3615949" cy="615553"/>
           </a:xfrm>
           <a:prstGeom prst="rect">
             <a:avLst/>
@@ -12719,23 +12462,7 @@
                 <a:ea typeface="Century Gothic" charset="0"/>
                 <a:cs typeface="Century Gothic" charset="0"/>
               </a:rPr>
-              <a:t>Utilizando el link del app Service montada en </a:t>
-            </a:r>
-            <a:r>
-              <a:rPr lang="es-EC" sz="1700" dirty="0" err="1">
-                <a:latin typeface="Century Gothic" charset="0"/>
-                <a:ea typeface="Century Gothic" charset="0"/>
-                <a:cs typeface="Century Gothic" charset="0"/>
-              </a:rPr>
-              <a:t>azure</a:t>
-            </a:r>
-            <a:r>
-              <a:rPr lang="es-EC" sz="1700" dirty="0">
-                <a:latin typeface="Century Gothic" charset="0"/>
-                <a:ea typeface="Century Gothic" charset="0"/>
-                <a:cs typeface="Century Gothic" charset="0"/>
-              </a:rPr>
-              <a:t> podemos acceder a los servicios expuestos para ser consumidos.</a:t>
+              <a:t>Permitirá ver todos los servicios expuestos por el Api</a:t>
             </a:r>
             <a:endParaRPr lang="es-EC" sz="1800" dirty="0">
               <a:latin typeface="Century Gothic" charset="0"/>
@@ -12748,7 +12475,7 @@
     </p:spTree>
     <p:extLst>
       <p:ext uri="{BB962C8B-B14F-4D97-AF65-F5344CB8AC3E}">
-        <p14:creationId xmlns:p14="http://schemas.microsoft.com/office/powerpoint/2010/main" val="1488539050"/>
+        <p14:creationId xmlns:p14="http://schemas.microsoft.com/office/powerpoint/2010/main" val="510903984"/>
       </p:ext>
     </p:extLst>
   </p:cSld>
@@ -12960,7 +12687,7 @@
     </p:spTree>
     <p:extLst>
       <p:ext uri="{BB962C8B-B14F-4D97-AF65-F5344CB8AC3E}">
-        <p14:creationId xmlns:p14="http://schemas.microsoft.com/office/powerpoint/2010/main" val="257908171"/>
+        <p14:creationId xmlns:p14="http://schemas.microsoft.com/office/powerpoint/2010/main" val="1111873109"/>
       </p:ext>
     </p:extLst>
   </p:cSld>
@@ -12971,6 +12698,1182 @@
 </file>
 
 <file path=ppt/slides/slide18.xml><?xml version="1.0" encoding="utf-8"?>
+<p:sld xmlns:a="http://schemas.openxmlformats.org/drawingml/2006/main" xmlns:r="http://schemas.openxmlformats.org/officeDocument/2006/relationships" xmlns:p="http://schemas.openxmlformats.org/presentationml/2006/main">
+  <p:cSld>
+    <p:spTree>
+      <p:nvGrpSpPr>
+        <p:cNvPr id="1" name=""/>
+        <p:cNvGrpSpPr/>
+        <p:nvPr/>
+      </p:nvGrpSpPr>
+      <p:grpSpPr>
+        <a:xfrm>
+          <a:off x="0" y="0"/>
+          <a:ext cx="0" cy="0"/>
+          <a:chOff x="0" y="0"/>
+          <a:chExt cx="0" cy="0"/>
+        </a:xfrm>
+      </p:grpSpPr>
+      <p:sp>
+        <p:nvSpPr>
+          <p:cNvPr id="2" name="CuadroTexto 1">
+            <a:extLst>
+              <a:ext uri="{FF2B5EF4-FFF2-40B4-BE49-F238E27FC236}">
+                <a16:creationId xmlns:a16="http://schemas.microsoft.com/office/drawing/2014/main" id="{5E336067-2A88-4186-BE0D-F7820B034724}"/>
+              </a:ext>
+            </a:extLst>
+          </p:cNvPr>
+          <p:cNvSpPr txBox="1"/>
+          <p:nvPr/>
+        </p:nvSpPr>
+        <p:spPr>
+          <a:xfrm>
+            <a:off x="1197453" y="199753"/>
+            <a:ext cx="10258673" cy="646331"/>
+          </a:xfrm>
+          <a:prstGeom prst="rect">
+            <a:avLst/>
+          </a:prstGeom>
+          <a:noFill/>
+        </p:spPr>
+        <p:txBody>
+          <a:bodyPr wrap="square">
+            <a:spAutoFit/>
+          </a:bodyPr>
+          <a:lstStyle/>
+          <a:p>
+            <a:pPr algn="ctr"/>
+            <a:r>
+              <a:rPr lang="es-ES" sz="3600" b="1" dirty="0">
+                <a:latin typeface="Century Gothic" charset="0"/>
+                <a:ea typeface="Century Gothic" charset="0"/>
+                <a:cs typeface="Century Gothic" charset="0"/>
+              </a:rPr>
+              <a:t>Resultados</a:t>
+            </a:r>
+            <a:endParaRPr lang="es-EC" sz="3600" b="1" dirty="0">
+              <a:latin typeface="Century Gothic" charset="0"/>
+              <a:ea typeface="Century Gothic" charset="0"/>
+              <a:cs typeface="Century Gothic" charset="0"/>
+            </a:endParaRPr>
+          </a:p>
+        </p:txBody>
+      </p:sp>
+      <p:sp>
+        <p:nvSpPr>
+          <p:cNvPr id="5" name="CuadroTexto 4">
+            <a:extLst>
+              <a:ext uri="{FF2B5EF4-FFF2-40B4-BE49-F238E27FC236}">
+                <a16:creationId xmlns:a16="http://schemas.microsoft.com/office/drawing/2014/main" id="{30C2E1B1-4624-4CDD-BF63-247846C15DC0}"/>
+              </a:ext>
+            </a:extLst>
+          </p:cNvPr>
+          <p:cNvSpPr txBox="1"/>
+          <p:nvPr/>
+        </p:nvSpPr>
+        <p:spPr>
+          <a:xfrm>
+            <a:off x="463180" y="1371880"/>
+            <a:ext cx="2368797" cy="1400383"/>
+          </a:xfrm>
+          <a:prstGeom prst="rect">
+            <a:avLst/>
+          </a:prstGeom>
+          <a:ln>
+            <a:solidFill>
+              <a:schemeClr val="bg1">
+                <a:lumMod val="75000"/>
+              </a:schemeClr>
+            </a:solidFill>
+          </a:ln>
+        </p:spPr>
+        <p:style>
+          <a:lnRef idx="2">
+            <a:schemeClr val="dk1"/>
+          </a:lnRef>
+          <a:fillRef idx="1">
+            <a:schemeClr val="lt1"/>
+          </a:fillRef>
+          <a:effectRef idx="0">
+            <a:schemeClr val="dk1"/>
+          </a:effectRef>
+          <a:fontRef idx="minor">
+            <a:schemeClr val="dk1"/>
+          </a:fontRef>
+        </p:style>
+        <p:txBody>
+          <a:bodyPr wrap="square">
+            <a:spAutoFit/>
+          </a:bodyPr>
+          <a:lstStyle/>
+          <a:p>
+            <a:pPr marL="0" lvl="1">
+              <a:spcBef>
+                <a:spcPts val="1000"/>
+              </a:spcBef>
+            </a:pPr>
+            <a:r>
+              <a:rPr lang="es-EC" sz="1700" b="1" dirty="0">
+                <a:latin typeface="Century Gothic" charset="0"/>
+                <a:ea typeface="Century Gothic" charset="0"/>
+                <a:cs typeface="Century Gothic" charset="0"/>
+              </a:rPr>
+              <a:t>Base De Datos: </a:t>
+            </a:r>
+            <a:r>
+              <a:rPr lang="es-EC" sz="1700" u="sng" dirty="0">
+                <a:latin typeface="Century Gothic" charset="0"/>
+                <a:ea typeface="Century Gothic" charset="0"/>
+                <a:cs typeface="Century Gothic" charset="0"/>
+              </a:rPr>
+              <a:t>Se</a:t>
+            </a:r>
+            <a:r>
+              <a:rPr lang="es-EC" sz="1700" dirty="0">
+                <a:latin typeface="Century Gothic" charset="0"/>
+                <a:ea typeface="Century Gothic" charset="0"/>
+                <a:cs typeface="Century Gothic" charset="0"/>
+              </a:rPr>
+              <a:t> puede observar que la tabla Eventos relaciona la gran parte de estructura.</a:t>
+            </a:r>
+            <a:endParaRPr lang="es-EC" sz="1800" dirty="0">
+              <a:latin typeface="Century Gothic" charset="0"/>
+              <a:ea typeface="Century Gothic" charset="0"/>
+              <a:cs typeface="Century Gothic" charset="0"/>
+            </a:endParaRPr>
+          </a:p>
+        </p:txBody>
+      </p:sp>
+      <p:pic>
+        <p:nvPicPr>
+          <p:cNvPr id="7" name="Imagen 6">
+            <a:extLst>
+              <a:ext uri="{FF2B5EF4-FFF2-40B4-BE49-F238E27FC236}">
+                <a16:creationId xmlns:a16="http://schemas.microsoft.com/office/drawing/2014/main" id="{023AB8C7-0F5B-4B89-9BF7-C0A5FE9FC40C}"/>
+              </a:ext>
+            </a:extLst>
+          </p:cNvPr>
+          <p:cNvPicPr/>
+          <p:nvPr/>
+        </p:nvPicPr>
+        <p:blipFill rotWithShape="1">
+          <a:blip r:embed="rId2" cstate="print">
+            <a:extLst>
+              <a:ext uri="{28A0092B-C50C-407E-A947-70E740481C1C}">
+                <a14:useLocalDpi xmlns:a14="http://schemas.microsoft.com/office/drawing/2010/main" val="0"/>
+              </a:ext>
+            </a:extLst>
+          </a:blip>
+          <a:srcRect b="18438"/>
+          <a:stretch/>
+        </p:blipFill>
+        <p:spPr bwMode="auto">
+          <a:xfrm>
+            <a:off x="2991776" y="1212082"/>
+            <a:ext cx="8836798" cy="4878000"/>
+          </a:xfrm>
+          <a:prstGeom prst="rect">
+            <a:avLst/>
+          </a:prstGeom>
+          <a:noFill/>
+          <a:ln>
+            <a:solidFill>
+              <a:schemeClr val="bg1">
+                <a:lumMod val="50000"/>
+              </a:schemeClr>
+            </a:solidFill>
+          </a:ln>
+          <a:extLst>
+            <a:ext uri="{53640926-AAD7-44D8-BBD7-CCE9431645EC}">
+              <a14:shadowObscured xmlns:a14="http://schemas.microsoft.com/office/drawing/2010/main"/>
+            </a:ext>
+          </a:extLst>
+        </p:spPr>
+      </p:pic>
+    </p:spTree>
+    <p:extLst>
+      <p:ext uri="{BB962C8B-B14F-4D97-AF65-F5344CB8AC3E}">
+        <p14:creationId xmlns:p14="http://schemas.microsoft.com/office/powerpoint/2010/main" val="2234075323"/>
+      </p:ext>
+    </p:extLst>
+  </p:cSld>
+  <p:clrMapOvr>
+    <a:masterClrMapping/>
+  </p:clrMapOvr>
+</p:sld>
+</file>
+
+<file path=ppt/slides/slide19.xml><?xml version="1.0" encoding="utf-8"?>
+<p:sld xmlns:a="http://schemas.openxmlformats.org/drawingml/2006/main" xmlns:r="http://schemas.openxmlformats.org/officeDocument/2006/relationships" xmlns:p="http://schemas.openxmlformats.org/presentationml/2006/main">
+  <p:cSld>
+    <p:spTree>
+      <p:nvGrpSpPr>
+        <p:cNvPr id="1" name=""/>
+        <p:cNvGrpSpPr/>
+        <p:nvPr/>
+      </p:nvGrpSpPr>
+      <p:grpSpPr>
+        <a:xfrm>
+          <a:off x="0" y="0"/>
+          <a:ext cx="0" cy="0"/>
+          <a:chOff x="0" y="0"/>
+          <a:chExt cx="0" cy="0"/>
+        </a:xfrm>
+      </p:grpSpPr>
+      <p:sp>
+        <p:nvSpPr>
+          <p:cNvPr id="2" name="CuadroTexto 1">
+            <a:extLst>
+              <a:ext uri="{FF2B5EF4-FFF2-40B4-BE49-F238E27FC236}">
+                <a16:creationId xmlns:a16="http://schemas.microsoft.com/office/drawing/2014/main" id="{5E336067-2A88-4186-BE0D-F7820B034724}"/>
+              </a:ext>
+            </a:extLst>
+          </p:cNvPr>
+          <p:cNvSpPr txBox="1"/>
+          <p:nvPr/>
+        </p:nvSpPr>
+        <p:spPr>
+          <a:xfrm>
+            <a:off x="1197453" y="199753"/>
+            <a:ext cx="10258673" cy="646331"/>
+          </a:xfrm>
+          <a:prstGeom prst="rect">
+            <a:avLst/>
+          </a:prstGeom>
+          <a:noFill/>
+        </p:spPr>
+        <p:txBody>
+          <a:bodyPr wrap="square">
+            <a:spAutoFit/>
+          </a:bodyPr>
+          <a:lstStyle/>
+          <a:p>
+            <a:pPr algn="ctr"/>
+            <a:r>
+              <a:rPr lang="es-ES" sz="3600" b="1" dirty="0">
+                <a:latin typeface="Century Gothic" charset="0"/>
+                <a:ea typeface="Century Gothic" charset="0"/>
+                <a:cs typeface="Century Gothic" charset="0"/>
+              </a:rPr>
+              <a:t>Resultados</a:t>
+            </a:r>
+            <a:endParaRPr lang="es-EC" sz="3600" b="1" dirty="0">
+              <a:latin typeface="Century Gothic" charset="0"/>
+              <a:ea typeface="Century Gothic" charset="0"/>
+              <a:cs typeface="Century Gothic" charset="0"/>
+            </a:endParaRPr>
+          </a:p>
+        </p:txBody>
+      </p:sp>
+      <p:sp>
+        <p:nvSpPr>
+          <p:cNvPr id="5" name="CuadroTexto 4">
+            <a:extLst>
+              <a:ext uri="{FF2B5EF4-FFF2-40B4-BE49-F238E27FC236}">
+                <a16:creationId xmlns:a16="http://schemas.microsoft.com/office/drawing/2014/main" id="{30C2E1B1-4624-4CDD-BF63-247846C15DC0}"/>
+              </a:ext>
+            </a:extLst>
+          </p:cNvPr>
+          <p:cNvSpPr txBox="1"/>
+          <p:nvPr/>
+        </p:nvSpPr>
+        <p:spPr>
+          <a:xfrm>
+            <a:off x="8180614" y="1177706"/>
+            <a:ext cx="3615949" cy="877163"/>
+          </a:xfrm>
+          <a:prstGeom prst="rect">
+            <a:avLst/>
+          </a:prstGeom>
+          <a:ln>
+            <a:solidFill>
+              <a:schemeClr val="bg1">
+                <a:lumMod val="75000"/>
+              </a:schemeClr>
+            </a:solidFill>
+          </a:ln>
+        </p:spPr>
+        <p:style>
+          <a:lnRef idx="2">
+            <a:schemeClr val="dk1"/>
+          </a:lnRef>
+          <a:fillRef idx="1">
+            <a:schemeClr val="lt1"/>
+          </a:fillRef>
+          <a:effectRef idx="0">
+            <a:schemeClr val="dk1"/>
+          </a:effectRef>
+          <a:fontRef idx="minor">
+            <a:schemeClr val="dk1"/>
+          </a:fontRef>
+        </p:style>
+        <p:txBody>
+          <a:bodyPr wrap="square">
+            <a:spAutoFit/>
+          </a:bodyPr>
+          <a:lstStyle/>
+          <a:p>
+            <a:pPr marL="0" lvl="1">
+              <a:spcBef>
+                <a:spcPts val="1000"/>
+              </a:spcBef>
+            </a:pPr>
+            <a:r>
+              <a:rPr lang="es-EC" sz="1700" b="1" dirty="0">
+                <a:latin typeface="Century Gothic" charset="0"/>
+                <a:ea typeface="Century Gothic" charset="0"/>
+                <a:cs typeface="Century Gothic" charset="0"/>
+              </a:rPr>
+              <a:t>SendGrid : </a:t>
+            </a:r>
+            <a:r>
+              <a:rPr lang="es-EC" sz="1700" dirty="0">
+                <a:latin typeface="Century Gothic" charset="0"/>
+                <a:ea typeface="Century Gothic" charset="0"/>
+                <a:cs typeface="Century Gothic" charset="0"/>
+              </a:rPr>
+              <a:t>Nos ayudará con la gestión de envío de correos de una manea mas cómoda</a:t>
+            </a:r>
+            <a:r>
+              <a:rPr lang="es-EC" sz="1700" u="sng" dirty="0">
+                <a:latin typeface="Century Gothic" charset="0"/>
+                <a:ea typeface="Century Gothic" charset="0"/>
+                <a:cs typeface="Century Gothic" charset="0"/>
+              </a:rPr>
+              <a:t>.</a:t>
+            </a:r>
+            <a:endParaRPr lang="es-EC" sz="1800" u="sng" dirty="0">
+              <a:latin typeface="Century Gothic" charset="0"/>
+              <a:ea typeface="Century Gothic" charset="0"/>
+              <a:cs typeface="Century Gothic" charset="0"/>
+            </a:endParaRPr>
+          </a:p>
+        </p:txBody>
+      </p:sp>
+      <p:pic>
+        <p:nvPicPr>
+          <p:cNvPr id="6" name="Imagen 5">
+            <a:extLst>
+              <a:ext uri="{FF2B5EF4-FFF2-40B4-BE49-F238E27FC236}">
+                <a16:creationId xmlns:a16="http://schemas.microsoft.com/office/drawing/2014/main" id="{A4A40028-13FD-4D4C-AA14-23A25438A86F}"/>
+              </a:ext>
+            </a:extLst>
+          </p:cNvPr>
+          <p:cNvPicPr/>
+          <p:nvPr/>
+        </p:nvPicPr>
+        <p:blipFill>
+          <a:blip r:embed="rId2"/>
+          <a:stretch>
+            <a:fillRect/>
+          </a:stretch>
+        </p:blipFill>
+        <p:spPr>
+          <a:xfrm>
+            <a:off x="528493" y="1177706"/>
+            <a:ext cx="7150692" cy="4502587"/>
+          </a:xfrm>
+          <a:prstGeom prst="rect">
+            <a:avLst/>
+          </a:prstGeom>
+          <a:noFill/>
+          <a:ln>
+            <a:solidFill>
+              <a:schemeClr val="bg1">
+                <a:lumMod val="50000"/>
+              </a:schemeClr>
+            </a:solidFill>
+          </a:ln>
+        </p:spPr>
+      </p:pic>
+    </p:spTree>
+    <p:extLst>
+      <p:ext uri="{BB962C8B-B14F-4D97-AF65-F5344CB8AC3E}">
+        <p14:creationId xmlns:p14="http://schemas.microsoft.com/office/powerpoint/2010/main" val="2984297228"/>
+      </p:ext>
+    </p:extLst>
+  </p:cSld>
+  <p:clrMapOvr>
+    <a:masterClrMapping/>
+  </p:clrMapOvr>
+</p:sld>
+</file>
+
+<file path=ppt/slides/slide2.xml><?xml version="1.0" encoding="utf-8"?>
+<p:sld xmlns:a="http://schemas.openxmlformats.org/drawingml/2006/main" xmlns:r="http://schemas.openxmlformats.org/officeDocument/2006/relationships" xmlns:p="http://schemas.openxmlformats.org/presentationml/2006/main">
+  <p:cSld>
+    <p:spTree>
+      <p:nvGrpSpPr>
+        <p:cNvPr id="1" name=""/>
+        <p:cNvGrpSpPr/>
+        <p:nvPr/>
+      </p:nvGrpSpPr>
+      <p:grpSpPr>
+        <a:xfrm>
+          <a:off x="0" y="0"/>
+          <a:ext cx="0" cy="0"/>
+          <a:chOff x="0" y="0"/>
+          <a:chExt cx="0" cy="0"/>
+        </a:xfrm>
+      </p:grpSpPr>
+      <p:sp>
+        <p:nvSpPr>
+          <p:cNvPr id="4" name="Rectángulo 3"/>
+          <p:cNvSpPr/>
+          <p:nvPr/>
+        </p:nvSpPr>
+        <p:spPr>
+          <a:xfrm>
+            <a:off x="799444" y="1276786"/>
+            <a:ext cx="9888653" cy="3539430"/>
+          </a:xfrm>
+          <a:prstGeom prst="rect">
+            <a:avLst/>
+          </a:prstGeom>
+        </p:spPr>
+        <p:txBody>
+          <a:bodyPr wrap="square">
+            <a:spAutoFit/>
+          </a:bodyPr>
+          <a:lstStyle/>
+          <a:p>
+            <a:pPr marL="914400" lvl="1" indent="-457200">
+              <a:buFont typeface="+mj-lt"/>
+              <a:buAutoNum type="arabicPeriod"/>
+            </a:pPr>
+            <a:r>
+              <a:rPr lang="es-EC" sz="2800" dirty="0">
+                <a:latin typeface="Century Gothic" charset="0"/>
+                <a:ea typeface="Century Gothic" charset="0"/>
+                <a:cs typeface="Century Gothic" charset="0"/>
+              </a:rPr>
+              <a:t>Introducción de la empresa o del Problema.</a:t>
+            </a:r>
+          </a:p>
+          <a:p>
+            <a:pPr lvl="1"/>
+            <a:r>
+              <a:rPr lang="es-EC" sz="2800" dirty="0">
+                <a:latin typeface="Century Gothic" charset="0"/>
+                <a:ea typeface="Century Gothic" charset="0"/>
+                <a:cs typeface="Century Gothic" charset="0"/>
+              </a:rPr>
+              <a:t>1.1 Objetivos.</a:t>
+            </a:r>
+          </a:p>
+          <a:p>
+            <a:pPr lvl="1"/>
+            <a:r>
+              <a:rPr lang="es-EC" sz="2800" dirty="0">
+                <a:latin typeface="Century Gothic" charset="0"/>
+                <a:ea typeface="Century Gothic" charset="0"/>
+                <a:cs typeface="Century Gothic" charset="0"/>
+              </a:rPr>
+              <a:t>1.2 Justificación y Alcance.</a:t>
+            </a:r>
+          </a:p>
+          <a:p>
+            <a:pPr lvl="1"/>
+            <a:r>
+              <a:rPr lang="es-EC" sz="2800" dirty="0">
+                <a:latin typeface="Century Gothic" charset="0"/>
+                <a:ea typeface="Century Gothic" charset="0"/>
+                <a:cs typeface="Century Gothic" charset="0"/>
+              </a:rPr>
+              <a:t>2.	Campo de estudio (Infraestructura - Desarrollo).</a:t>
+            </a:r>
+          </a:p>
+          <a:p>
+            <a:pPr lvl="1"/>
+            <a:r>
+              <a:rPr lang="es-EC" sz="2800" dirty="0">
+                <a:latin typeface="Century Gothic" charset="0"/>
+                <a:ea typeface="Century Gothic" charset="0"/>
+                <a:cs typeface="Century Gothic" charset="0"/>
+              </a:rPr>
+              <a:t>3.	Herramientas utilizadas.</a:t>
+            </a:r>
+          </a:p>
+          <a:p>
+            <a:pPr lvl="1"/>
+            <a:r>
+              <a:rPr lang="es-EC" sz="2800" dirty="0">
+                <a:latin typeface="Century Gothic" charset="0"/>
+                <a:ea typeface="Century Gothic" charset="0"/>
+                <a:cs typeface="Century Gothic" charset="0"/>
+              </a:rPr>
+              <a:t>4.	Como se pretende resolver el problema.</a:t>
+            </a:r>
+          </a:p>
+          <a:p>
+            <a:pPr lvl="1"/>
+            <a:r>
+              <a:rPr lang="es-EC" sz="2800" dirty="0">
+                <a:latin typeface="Century Gothic" charset="0"/>
+                <a:ea typeface="Century Gothic" charset="0"/>
+                <a:cs typeface="Century Gothic" charset="0"/>
+              </a:rPr>
+              <a:t>5.	Resultados.</a:t>
+            </a:r>
+          </a:p>
+          <a:p>
+            <a:pPr marL="914400" lvl="1" indent="-457200">
+              <a:buFont typeface="+mj-lt"/>
+              <a:buAutoNum type="arabicPeriod"/>
+            </a:pPr>
+            <a:endParaRPr lang="es-EC" sz="2800" dirty="0">
+              <a:latin typeface="Century Gothic" charset="0"/>
+              <a:ea typeface="Century Gothic" charset="0"/>
+              <a:cs typeface="Century Gothic" charset="0"/>
+            </a:endParaRPr>
+          </a:p>
+        </p:txBody>
+      </p:sp>
+      <p:sp>
+        <p:nvSpPr>
+          <p:cNvPr id="2" name="Rectángulo 1"/>
+          <p:cNvSpPr/>
+          <p:nvPr/>
+        </p:nvSpPr>
+        <p:spPr>
+          <a:xfrm>
+            <a:off x="4871875" y="80310"/>
+            <a:ext cx="2285384" cy="707886"/>
+          </a:xfrm>
+          <a:prstGeom prst="rect">
+            <a:avLst/>
+          </a:prstGeom>
+        </p:spPr>
+        <p:txBody>
+          <a:bodyPr wrap="square">
+            <a:spAutoFit/>
+          </a:bodyPr>
+          <a:lstStyle/>
+          <a:p>
+            <a:r>
+              <a:rPr lang="en-US" sz="4000" b="1" dirty="0">
+                <a:solidFill>
+                  <a:prstClr val="black"/>
+                </a:solidFill>
+                <a:latin typeface="Century Gothic" charset="0"/>
+                <a:ea typeface="Century Gothic" charset="0"/>
+                <a:cs typeface="Century Gothic" charset="0"/>
+              </a:rPr>
+              <a:t>Agenda</a:t>
+            </a:r>
+          </a:p>
+        </p:txBody>
+      </p:sp>
+    </p:spTree>
+    <p:extLst>
+      <p:ext uri="{BB962C8B-B14F-4D97-AF65-F5344CB8AC3E}">
+        <p14:creationId xmlns:p14="http://schemas.microsoft.com/office/powerpoint/2010/main" val="1930160228"/>
+      </p:ext>
+    </p:extLst>
+  </p:cSld>
+  <p:clrMapOvr>
+    <a:masterClrMapping/>
+  </p:clrMapOvr>
+</p:sld>
+</file>
+
+<file path=ppt/slides/slide20.xml><?xml version="1.0" encoding="utf-8"?>
+<p:sld xmlns:a="http://schemas.openxmlformats.org/drawingml/2006/main" xmlns:r="http://schemas.openxmlformats.org/officeDocument/2006/relationships" xmlns:p="http://schemas.openxmlformats.org/presentationml/2006/main">
+  <p:cSld>
+    <p:spTree>
+      <p:nvGrpSpPr>
+        <p:cNvPr id="1" name=""/>
+        <p:cNvGrpSpPr/>
+        <p:nvPr/>
+      </p:nvGrpSpPr>
+      <p:grpSpPr>
+        <a:xfrm>
+          <a:off x="0" y="0"/>
+          <a:ext cx="0" cy="0"/>
+          <a:chOff x="0" y="0"/>
+          <a:chExt cx="0" cy="0"/>
+        </a:xfrm>
+      </p:grpSpPr>
+      <p:sp>
+        <p:nvSpPr>
+          <p:cNvPr id="2" name="CuadroTexto 1">
+            <a:extLst>
+              <a:ext uri="{FF2B5EF4-FFF2-40B4-BE49-F238E27FC236}">
+                <a16:creationId xmlns:a16="http://schemas.microsoft.com/office/drawing/2014/main" id="{5E336067-2A88-4186-BE0D-F7820B034724}"/>
+              </a:ext>
+            </a:extLst>
+          </p:cNvPr>
+          <p:cNvSpPr txBox="1"/>
+          <p:nvPr/>
+        </p:nvSpPr>
+        <p:spPr>
+          <a:xfrm>
+            <a:off x="1197453" y="199753"/>
+            <a:ext cx="10258673" cy="646331"/>
+          </a:xfrm>
+          <a:prstGeom prst="rect">
+            <a:avLst/>
+          </a:prstGeom>
+          <a:noFill/>
+        </p:spPr>
+        <p:txBody>
+          <a:bodyPr wrap="square">
+            <a:spAutoFit/>
+          </a:bodyPr>
+          <a:lstStyle/>
+          <a:p>
+            <a:pPr algn="ctr"/>
+            <a:r>
+              <a:rPr lang="es-ES" sz="3600" b="1" dirty="0">
+                <a:latin typeface="Century Gothic" charset="0"/>
+                <a:ea typeface="Century Gothic" charset="0"/>
+                <a:cs typeface="Century Gothic" charset="0"/>
+              </a:rPr>
+              <a:t>Resultados</a:t>
+            </a:r>
+            <a:endParaRPr lang="es-EC" sz="3600" b="1" dirty="0">
+              <a:latin typeface="Century Gothic" charset="0"/>
+              <a:ea typeface="Century Gothic" charset="0"/>
+              <a:cs typeface="Century Gothic" charset="0"/>
+            </a:endParaRPr>
+          </a:p>
+        </p:txBody>
+      </p:sp>
+      <p:sp>
+        <p:nvSpPr>
+          <p:cNvPr id="5" name="CuadroTexto 4">
+            <a:extLst>
+              <a:ext uri="{FF2B5EF4-FFF2-40B4-BE49-F238E27FC236}">
+                <a16:creationId xmlns:a16="http://schemas.microsoft.com/office/drawing/2014/main" id="{30C2E1B1-4624-4CDD-BF63-247846C15DC0}"/>
+              </a:ext>
+            </a:extLst>
+          </p:cNvPr>
+          <p:cNvSpPr txBox="1"/>
+          <p:nvPr/>
+        </p:nvSpPr>
+        <p:spPr>
+          <a:xfrm>
+            <a:off x="463180" y="1425740"/>
+            <a:ext cx="2368797" cy="1400383"/>
+          </a:xfrm>
+          <a:prstGeom prst="rect">
+            <a:avLst/>
+          </a:prstGeom>
+          <a:ln>
+            <a:solidFill>
+              <a:schemeClr val="bg1">
+                <a:lumMod val="75000"/>
+              </a:schemeClr>
+            </a:solidFill>
+          </a:ln>
+        </p:spPr>
+        <p:style>
+          <a:lnRef idx="2">
+            <a:schemeClr val="dk1"/>
+          </a:lnRef>
+          <a:fillRef idx="1">
+            <a:schemeClr val="lt1"/>
+          </a:fillRef>
+          <a:effectRef idx="0">
+            <a:schemeClr val="dk1"/>
+          </a:effectRef>
+          <a:fontRef idx="minor">
+            <a:schemeClr val="dk1"/>
+          </a:fontRef>
+        </p:style>
+        <p:txBody>
+          <a:bodyPr wrap="square">
+            <a:spAutoFit/>
+          </a:bodyPr>
+          <a:lstStyle/>
+          <a:p>
+            <a:pPr marL="0" lvl="1">
+              <a:spcBef>
+                <a:spcPts val="1000"/>
+              </a:spcBef>
+            </a:pPr>
+            <a:r>
+              <a:rPr lang="es-EC" sz="1700" b="1" dirty="0">
+                <a:latin typeface="Century Gothic" charset="0"/>
+                <a:ea typeface="Century Gothic" charset="0"/>
+                <a:cs typeface="Century Gothic" charset="0"/>
+              </a:rPr>
+              <a:t>Sonar </a:t>
+            </a:r>
+            <a:r>
+              <a:rPr lang="es-EC" sz="1700" b="1" dirty="0" err="1">
+                <a:latin typeface="Century Gothic" charset="0"/>
+                <a:ea typeface="Century Gothic" charset="0"/>
+                <a:cs typeface="Century Gothic" charset="0"/>
+              </a:rPr>
+              <a:t>Qube</a:t>
+            </a:r>
+            <a:r>
+              <a:rPr lang="es-EC" sz="1700" dirty="0">
+                <a:latin typeface="Century Gothic" charset="0"/>
+                <a:ea typeface="Century Gothic" charset="0"/>
+                <a:cs typeface="Century Gothic" charset="0"/>
+              </a:rPr>
+              <a:t> </a:t>
+            </a:r>
+            <a:r>
+              <a:rPr lang="es-EC" sz="1700" b="1" dirty="0">
+                <a:latin typeface="Century Gothic" charset="0"/>
+                <a:ea typeface="Century Gothic" charset="0"/>
+                <a:cs typeface="Century Gothic" charset="0"/>
+              </a:rPr>
+              <a:t>: </a:t>
+            </a:r>
+            <a:r>
+              <a:rPr lang="es-EC" sz="1700" dirty="0">
+                <a:latin typeface="Century Gothic" charset="0"/>
+                <a:ea typeface="Century Gothic" charset="0"/>
+                <a:cs typeface="Century Gothic" charset="0"/>
+              </a:rPr>
+              <a:t>Nos muestra los errores corregidos en la implementación de código mal escrito.</a:t>
+            </a:r>
+            <a:endParaRPr lang="es-EC" sz="1800" dirty="0">
+              <a:latin typeface="Century Gothic" charset="0"/>
+              <a:ea typeface="Century Gothic" charset="0"/>
+              <a:cs typeface="Century Gothic" charset="0"/>
+            </a:endParaRPr>
+          </a:p>
+        </p:txBody>
+      </p:sp>
+      <p:pic>
+        <p:nvPicPr>
+          <p:cNvPr id="9" name="Imagen 8">
+            <a:extLst>
+              <a:ext uri="{FF2B5EF4-FFF2-40B4-BE49-F238E27FC236}">
+                <a16:creationId xmlns:a16="http://schemas.microsoft.com/office/drawing/2014/main" id="{42152258-CCAA-4FB9-ABE7-1407ABFC7011}"/>
+              </a:ext>
+            </a:extLst>
+          </p:cNvPr>
+          <p:cNvPicPr/>
+          <p:nvPr/>
+        </p:nvPicPr>
+        <p:blipFill>
+          <a:blip r:embed="rId2" cstate="print">
+            <a:extLst>
+              <a:ext uri="{28A0092B-C50C-407E-A947-70E740481C1C}">
+                <a14:useLocalDpi xmlns:a14="http://schemas.microsoft.com/office/drawing/2010/main" val="0"/>
+              </a:ext>
+            </a:extLst>
+          </a:blip>
+          <a:srcRect/>
+          <a:stretch>
+            <a:fillRect/>
+          </a:stretch>
+        </p:blipFill>
+        <p:spPr bwMode="auto">
+          <a:xfrm>
+            <a:off x="3085262" y="1261487"/>
+            <a:ext cx="8370864" cy="4526753"/>
+          </a:xfrm>
+          <a:prstGeom prst="rect">
+            <a:avLst/>
+          </a:prstGeom>
+          <a:noFill/>
+          <a:ln>
+            <a:solidFill>
+              <a:schemeClr val="bg1">
+                <a:lumMod val="50000"/>
+              </a:schemeClr>
+            </a:solidFill>
+          </a:ln>
+        </p:spPr>
+      </p:pic>
+    </p:spTree>
+    <p:extLst>
+      <p:ext uri="{BB962C8B-B14F-4D97-AF65-F5344CB8AC3E}">
+        <p14:creationId xmlns:p14="http://schemas.microsoft.com/office/powerpoint/2010/main" val="1804961497"/>
+      </p:ext>
+    </p:extLst>
+  </p:cSld>
+  <p:clrMapOvr>
+    <a:masterClrMapping/>
+  </p:clrMapOvr>
+</p:sld>
+</file>
+
+<file path=ppt/slides/slide21.xml><?xml version="1.0" encoding="utf-8"?>
+<p:sld xmlns:a="http://schemas.openxmlformats.org/drawingml/2006/main" xmlns:r="http://schemas.openxmlformats.org/officeDocument/2006/relationships" xmlns:p="http://schemas.openxmlformats.org/presentationml/2006/main">
+  <p:cSld>
+    <p:spTree>
+      <p:nvGrpSpPr>
+        <p:cNvPr id="1" name=""/>
+        <p:cNvGrpSpPr/>
+        <p:nvPr/>
+      </p:nvGrpSpPr>
+      <p:grpSpPr>
+        <a:xfrm>
+          <a:off x="0" y="0"/>
+          <a:ext cx="0" cy="0"/>
+          <a:chOff x="0" y="0"/>
+          <a:chExt cx="0" cy="0"/>
+        </a:xfrm>
+      </p:grpSpPr>
+      <p:sp>
+        <p:nvSpPr>
+          <p:cNvPr id="2" name="CuadroTexto 1">
+            <a:extLst>
+              <a:ext uri="{FF2B5EF4-FFF2-40B4-BE49-F238E27FC236}">
+                <a16:creationId xmlns:a16="http://schemas.microsoft.com/office/drawing/2014/main" id="{5E336067-2A88-4186-BE0D-F7820B034724}"/>
+              </a:ext>
+            </a:extLst>
+          </p:cNvPr>
+          <p:cNvSpPr txBox="1"/>
+          <p:nvPr/>
+        </p:nvSpPr>
+        <p:spPr>
+          <a:xfrm>
+            <a:off x="1197453" y="199753"/>
+            <a:ext cx="10258673" cy="646331"/>
+          </a:xfrm>
+          <a:prstGeom prst="rect">
+            <a:avLst/>
+          </a:prstGeom>
+          <a:noFill/>
+        </p:spPr>
+        <p:txBody>
+          <a:bodyPr wrap="square">
+            <a:spAutoFit/>
+          </a:bodyPr>
+          <a:lstStyle/>
+          <a:p>
+            <a:pPr algn="ctr"/>
+            <a:r>
+              <a:rPr lang="es-ES" sz="3600" b="1" dirty="0">
+                <a:latin typeface="Century Gothic" charset="0"/>
+                <a:ea typeface="Century Gothic" charset="0"/>
+                <a:cs typeface="Century Gothic" charset="0"/>
+              </a:rPr>
+              <a:t>Resultados</a:t>
+            </a:r>
+            <a:endParaRPr lang="es-EC" sz="3600" b="1" dirty="0">
+              <a:latin typeface="Century Gothic" charset="0"/>
+              <a:ea typeface="Century Gothic" charset="0"/>
+              <a:cs typeface="Century Gothic" charset="0"/>
+            </a:endParaRPr>
+          </a:p>
+        </p:txBody>
+      </p:sp>
+      <p:pic>
+        <p:nvPicPr>
+          <p:cNvPr id="7" name="Imagen 6">
+            <a:extLst>
+              <a:ext uri="{FF2B5EF4-FFF2-40B4-BE49-F238E27FC236}">
+                <a16:creationId xmlns:a16="http://schemas.microsoft.com/office/drawing/2014/main" id="{850D99B9-C2D5-4F9F-A683-E3892B6862F6}"/>
+              </a:ext>
+            </a:extLst>
+          </p:cNvPr>
+          <p:cNvPicPr/>
+          <p:nvPr/>
+        </p:nvPicPr>
+        <p:blipFill>
+          <a:blip r:embed="rId2" cstate="print">
+            <a:extLst>
+              <a:ext uri="{28A0092B-C50C-407E-A947-70E740481C1C}">
+                <a14:useLocalDpi xmlns:a14="http://schemas.microsoft.com/office/drawing/2010/main" val="0"/>
+              </a:ext>
+            </a:extLst>
+          </a:blip>
+          <a:srcRect/>
+          <a:stretch>
+            <a:fillRect/>
+          </a:stretch>
+        </p:blipFill>
+        <p:spPr bwMode="auto">
+          <a:xfrm>
+            <a:off x="590637" y="1482343"/>
+            <a:ext cx="7363756" cy="4146100"/>
+          </a:xfrm>
+          <a:prstGeom prst="rect">
+            <a:avLst/>
+          </a:prstGeom>
+          <a:noFill/>
+          <a:ln>
+            <a:solidFill>
+              <a:schemeClr val="bg1">
+                <a:lumMod val="50000"/>
+              </a:schemeClr>
+            </a:solidFill>
+          </a:ln>
+        </p:spPr>
+      </p:pic>
+      <p:sp>
+        <p:nvSpPr>
+          <p:cNvPr id="9" name="CuadroTexto 8">
+            <a:extLst>
+              <a:ext uri="{FF2B5EF4-FFF2-40B4-BE49-F238E27FC236}">
+                <a16:creationId xmlns:a16="http://schemas.microsoft.com/office/drawing/2014/main" id="{A7FADA5D-074B-4154-9E0F-22D7F93A0E4B}"/>
+              </a:ext>
+            </a:extLst>
+          </p:cNvPr>
+          <p:cNvSpPr txBox="1"/>
+          <p:nvPr/>
+        </p:nvSpPr>
+        <p:spPr>
+          <a:xfrm>
+            <a:off x="8180614" y="1492730"/>
+            <a:ext cx="3615949" cy="877163"/>
+          </a:xfrm>
+          <a:prstGeom prst="rect">
+            <a:avLst/>
+          </a:prstGeom>
+          <a:ln>
+            <a:solidFill>
+              <a:schemeClr val="bg1">
+                <a:lumMod val="75000"/>
+              </a:schemeClr>
+            </a:solidFill>
+          </a:ln>
+        </p:spPr>
+        <p:style>
+          <a:lnRef idx="2">
+            <a:schemeClr val="dk1"/>
+          </a:lnRef>
+          <a:fillRef idx="1">
+            <a:schemeClr val="lt1"/>
+          </a:fillRef>
+          <a:effectRef idx="0">
+            <a:schemeClr val="dk1"/>
+          </a:effectRef>
+          <a:fontRef idx="minor">
+            <a:schemeClr val="dk1"/>
+          </a:fontRef>
+        </p:style>
+        <p:txBody>
+          <a:bodyPr wrap="square">
+            <a:spAutoFit/>
+          </a:bodyPr>
+          <a:lstStyle/>
+          <a:p>
+            <a:pPr marL="0" lvl="1">
+              <a:spcBef>
+                <a:spcPts val="1000"/>
+              </a:spcBef>
+            </a:pPr>
+            <a:r>
+              <a:rPr lang="es-EC" sz="1700" b="1" dirty="0">
+                <a:latin typeface="Century Gothic" charset="0"/>
+                <a:ea typeface="Century Gothic" charset="0"/>
+                <a:cs typeface="Century Gothic" charset="0"/>
+              </a:rPr>
+              <a:t>SendGrid : </a:t>
+            </a:r>
+            <a:r>
+              <a:rPr lang="es-EC" sz="1700" dirty="0">
+                <a:latin typeface="Century Gothic" charset="0"/>
+                <a:ea typeface="Century Gothic" charset="0"/>
+                <a:cs typeface="Century Gothic" charset="0"/>
+              </a:rPr>
+              <a:t>Nos ayudará con la gestión de envío de correos de una manea mas cómoda</a:t>
+            </a:r>
+            <a:r>
+              <a:rPr lang="es-EC" sz="1700" u="sng" dirty="0">
+                <a:latin typeface="Century Gothic" charset="0"/>
+                <a:ea typeface="Century Gothic" charset="0"/>
+                <a:cs typeface="Century Gothic" charset="0"/>
+              </a:rPr>
+              <a:t>..</a:t>
+            </a:r>
+            <a:endParaRPr lang="es-EC" sz="1800" u="sng" dirty="0">
+              <a:latin typeface="Century Gothic" charset="0"/>
+              <a:ea typeface="Century Gothic" charset="0"/>
+              <a:cs typeface="Century Gothic" charset="0"/>
+            </a:endParaRPr>
+          </a:p>
+        </p:txBody>
+      </p:sp>
+    </p:spTree>
+    <p:extLst>
+      <p:ext uri="{BB962C8B-B14F-4D97-AF65-F5344CB8AC3E}">
+        <p14:creationId xmlns:p14="http://schemas.microsoft.com/office/powerpoint/2010/main" val="3664222914"/>
+      </p:ext>
+    </p:extLst>
+  </p:cSld>
+  <p:clrMapOvr>
+    <a:masterClrMapping/>
+  </p:clrMapOvr>
+</p:sld>
+</file>
+
+<file path=ppt/slides/slide22.xml><?xml version="1.0" encoding="utf-8"?>
+<p:sld xmlns:a="http://schemas.openxmlformats.org/drawingml/2006/main" xmlns:r="http://schemas.openxmlformats.org/officeDocument/2006/relationships" xmlns:p="http://schemas.openxmlformats.org/presentationml/2006/main">
+  <p:cSld>
+    <p:spTree>
+      <p:nvGrpSpPr>
+        <p:cNvPr id="1" name=""/>
+        <p:cNvGrpSpPr/>
+        <p:nvPr/>
+      </p:nvGrpSpPr>
+      <p:grpSpPr>
+        <a:xfrm>
+          <a:off x="0" y="0"/>
+          <a:ext cx="0" cy="0"/>
+          <a:chOff x="0" y="0"/>
+          <a:chExt cx="0" cy="0"/>
+        </a:xfrm>
+      </p:grpSpPr>
+      <p:sp>
+        <p:nvSpPr>
+          <p:cNvPr id="2" name="CuadroTexto 1">
+            <a:extLst>
+              <a:ext uri="{FF2B5EF4-FFF2-40B4-BE49-F238E27FC236}">
+                <a16:creationId xmlns:a16="http://schemas.microsoft.com/office/drawing/2014/main" id="{5E336067-2A88-4186-BE0D-F7820B034724}"/>
+              </a:ext>
+            </a:extLst>
+          </p:cNvPr>
+          <p:cNvSpPr txBox="1"/>
+          <p:nvPr/>
+        </p:nvSpPr>
+        <p:spPr>
+          <a:xfrm>
+            <a:off x="1197453" y="199753"/>
+            <a:ext cx="10258673" cy="646331"/>
+          </a:xfrm>
+          <a:prstGeom prst="rect">
+            <a:avLst/>
+          </a:prstGeom>
+          <a:noFill/>
+        </p:spPr>
+        <p:txBody>
+          <a:bodyPr wrap="square">
+            <a:spAutoFit/>
+          </a:bodyPr>
+          <a:lstStyle/>
+          <a:p>
+            <a:pPr algn="ctr"/>
+            <a:r>
+              <a:rPr lang="es-ES" sz="3600" b="1" dirty="0">
+                <a:latin typeface="Century Gothic" charset="0"/>
+                <a:ea typeface="Century Gothic" charset="0"/>
+                <a:cs typeface="Century Gothic" charset="0"/>
+              </a:rPr>
+              <a:t>Resultados</a:t>
+            </a:r>
+            <a:endParaRPr lang="es-EC" sz="3600" b="1" dirty="0">
+              <a:latin typeface="Century Gothic" charset="0"/>
+              <a:ea typeface="Century Gothic" charset="0"/>
+              <a:cs typeface="Century Gothic" charset="0"/>
+            </a:endParaRPr>
+          </a:p>
+        </p:txBody>
+      </p:sp>
+      <p:sp>
+        <p:nvSpPr>
+          <p:cNvPr id="9" name="CuadroTexto 8">
+            <a:extLst>
+              <a:ext uri="{FF2B5EF4-FFF2-40B4-BE49-F238E27FC236}">
+                <a16:creationId xmlns:a16="http://schemas.microsoft.com/office/drawing/2014/main" id="{A7FADA5D-074B-4154-9E0F-22D7F93A0E4B}"/>
+              </a:ext>
+            </a:extLst>
+          </p:cNvPr>
+          <p:cNvSpPr txBox="1"/>
+          <p:nvPr/>
+        </p:nvSpPr>
+        <p:spPr>
+          <a:xfrm>
+            <a:off x="439286" y="1474974"/>
+            <a:ext cx="3615949" cy="353943"/>
+          </a:xfrm>
+          <a:prstGeom prst="rect">
+            <a:avLst/>
+          </a:prstGeom>
+          <a:ln>
+            <a:solidFill>
+              <a:schemeClr val="bg1">
+                <a:lumMod val="75000"/>
+              </a:schemeClr>
+            </a:solidFill>
+          </a:ln>
+        </p:spPr>
+        <p:style>
+          <a:lnRef idx="2">
+            <a:schemeClr val="dk1"/>
+          </a:lnRef>
+          <a:fillRef idx="1">
+            <a:schemeClr val="lt1"/>
+          </a:fillRef>
+          <a:effectRef idx="0">
+            <a:schemeClr val="dk1"/>
+          </a:effectRef>
+          <a:fontRef idx="minor">
+            <a:schemeClr val="dk1"/>
+          </a:fontRef>
+        </p:style>
+        <p:txBody>
+          <a:bodyPr wrap="square">
+            <a:spAutoFit/>
+          </a:bodyPr>
+          <a:lstStyle/>
+          <a:p>
+            <a:pPr marL="0" lvl="1">
+              <a:spcBef>
+                <a:spcPts val="1000"/>
+              </a:spcBef>
+            </a:pPr>
+            <a:r>
+              <a:rPr lang="es-EC" sz="1700" b="1" dirty="0">
+                <a:latin typeface="Century Gothic" charset="0"/>
+                <a:ea typeface="Century Gothic" charset="0"/>
+                <a:cs typeface="Century Gothic" charset="0"/>
+              </a:rPr>
+              <a:t>Catálogo de Errores</a:t>
+            </a:r>
+            <a:endParaRPr lang="es-EC" sz="1800" u="sng" dirty="0">
+              <a:latin typeface="Century Gothic" charset="0"/>
+              <a:ea typeface="Century Gothic" charset="0"/>
+              <a:cs typeface="Century Gothic" charset="0"/>
+            </a:endParaRPr>
+          </a:p>
+        </p:txBody>
+      </p:sp>
+      <p:pic>
+        <p:nvPicPr>
+          <p:cNvPr id="4" name="Imagen 3">
+            <a:extLst>
+              <a:ext uri="{FF2B5EF4-FFF2-40B4-BE49-F238E27FC236}">
+                <a16:creationId xmlns:a16="http://schemas.microsoft.com/office/drawing/2014/main" id="{D3AF1019-E80F-4D1F-A015-0A8EC16B85BC}"/>
+              </a:ext>
+            </a:extLst>
+          </p:cNvPr>
+          <p:cNvPicPr>
+            <a:picLocks noChangeAspect="1"/>
+          </p:cNvPicPr>
+          <p:nvPr/>
+        </p:nvPicPr>
+        <p:blipFill>
+          <a:blip r:embed="rId2"/>
+          <a:stretch>
+            <a:fillRect/>
+          </a:stretch>
+        </p:blipFill>
+        <p:spPr>
+          <a:xfrm>
+            <a:off x="4476842" y="1474974"/>
+            <a:ext cx="6979283" cy="4727902"/>
+          </a:xfrm>
+          <a:prstGeom prst="rect">
+            <a:avLst/>
+          </a:prstGeom>
+        </p:spPr>
+      </p:pic>
+    </p:spTree>
+    <p:extLst>
+      <p:ext uri="{BB962C8B-B14F-4D97-AF65-F5344CB8AC3E}">
+        <p14:creationId xmlns:p14="http://schemas.microsoft.com/office/powerpoint/2010/main" val="3754365734"/>
+      </p:ext>
+    </p:extLst>
+  </p:cSld>
+  <p:clrMapOvr>
+    <a:masterClrMapping/>
+  </p:clrMapOvr>
+</p:sld>
+</file>
+
+<file path=ppt/slides/slide23.xml><?xml version="1.0" encoding="utf-8"?>
 <p:sld xmlns:a="http://schemas.openxmlformats.org/drawingml/2006/main" xmlns:r="http://schemas.openxmlformats.org/officeDocument/2006/relationships" xmlns:p="http://schemas.openxmlformats.org/presentationml/2006/main">
   <p:cSld>
     <p:spTree>
@@ -13046,8 +13949,8 @@
         </p:nvSpPr>
         <p:spPr>
           <a:xfrm>
-            <a:off x="605547" y="1706469"/>
-            <a:ext cx="6094378" cy="4196020"/>
+            <a:off x="646890" y="1385457"/>
+            <a:ext cx="6094378" cy="4473019"/>
           </a:xfrm>
           <a:prstGeom prst="rect">
             <a:avLst/>
@@ -13077,8 +13980,84 @@
                 <a:ea typeface="Calibri" panose="020F0502020204030204" pitchFamily="34" charset="0"/>
                 <a:cs typeface="Times New Roman" panose="02020603050405020304" pitchFamily="18" charset="0"/>
               </a:rPr>
-              <a:t>Con el uso de la metodología scrum, se pudo evidenciar un desarrollo rápido, preciso y continuo en la escritura del código, gracias al mismo la corrección de cualquier problema, bug o nueva funcionalidad por parte del cliente, se puedo acoplar de manera fácil.  Además, esta manera de trabajar es muy recomendable en proyectos que están divididos en módulo como BackEnd y FrontEnd, cada miembro del equipo sabe sus actividades y las puede realizar a la par.</a:t>
-            </a:r>
+              <a:t>Scrum: Desarrollo rápido, preciso y continuo en la escritura del código.</a:t>
+            </a:r>
+          </a:p>
+          <a:p>
+            <a:pPr marL="342900" lvl="0" indent="-342900" algn="just">
+              <a:lnSpc>
+                <a:spcPct val="150000"/>
+              </a:lnSpc>
+              <a:spcBef>
+                <a:spcPts val="1800"/>
+              </a:spcBef>
+              <a:buFont typeface="Symbol" panose="05050102010706020507" pitchFamily="18" charset="2"/>
+              <a:buChar char=""/>
+            </a:pPr>
+            <a:r>
+              <a:rPr lang="es-EC" dirty="0">
+                <a:latin typeface="Arial" panose="020B0604020202020204" pitchFamily="34" charset="0"/>
+                <a:ea typeface="Calibri" panose="020F0502020204030204" pitchFamily="34" charset="0"/>
+                <a:cs typeface="Times New Roman" panose="02020603050405020304" pitchFamily="18" charset="0"/>
+              </a:rPr>
+              <a:t>Posibilidad de eventos genéricos </a:t>
+            </a:r>
+            <a:r>
+              <a:rPr lang="es-EC" sz="1800" dirty="0">
+                <a:effectLst/>
+                <a:latin typeface="Arial" panose="020B0604020202020204" pitchFamily="34" charset="0"/>
+                <a:ea typeface="Calibri" panose="020F0502020204030204" pitchFamily="34" charset="0"/>
+                <a:cs typeface="Times New Roman" panose="02020603050405020304" pitchFamily="18" charset="0"/>
+              </a:rPr>
+              <a:t> que pueda abarcar todos los escenarios posibles que necesita un evento de elecciones genérico</a:t>
+            </a:r>
+          </a:p>
+          <a:p>
+            <a:pPr marL="342900" lvl="0" indent="-342900" algn="just">
+              <a:lnSpc>
+                <a:spcPct val="150000"/>
+              </a:lnSpc>
+              <a:spcBef>
+                <a:spcPts val="1800"/>
+              </a:spcBef>
+              <a:buFont typeface="Symbol" panose="05050102010706020507" pitchFamily="18" charset="2"/>
+              <a:buChar char=""/>
+            </a:pPr>
+            <a:r>
+              <a:rPr lang="es-EC" sz="1800" dirty="0">
+                <a:effectLst/>
+                <a:latin typeface="Arial" panose="020B0604020202020204" pitchFamily="34" charset="0"/>
+                <a:ea typeface="Calibri" panose="020F0502020204030204" pitchFamily="34" charset="0"/>
+                <a:cs typeface="Times New Roman" panose="02020603050405020304" pitchFamily="18" charset="0"/>
+              </a:rPr>
+              <a:t>Seguridades, JWT (JSON Web Token) y trabajo en contexto.</a:t>
+            </a:r>
+          </a:p>
+          <a:p>
+            <a:pPr marL="342900" lvl="0" indent="-342900" algn="just">
+              <a:lnSpc>
+                <a:spcPct val="150000"/>
+              </a:lnSpc>
+              <a:spcBef>
+                <a:spcPts val="1800"/>
+              </a:spcBef>
+              <a:buFont typeface="Symbol" panose="05050102010706020507" pitchFamily="18" charset="2"/>
+              <a:buChar char=""/>
+            </a:pPr>
+            <a:r>
+              <a:rPr lang="es-EC" dirty="0">
+                <a:latin typeface="Arial" panose="020B0604020202020204" pitchFamily="34" charset="0"/>
+                <a:ea typeface="Calibri" panose="020F0502020204030204" pitchFamily="34" charset="0"/>
+                <a:cs typeface="Times New Roman" panose="02020603050405020304" pitchFamily="18" charset="0"/>
+              </a:rPr>
+              <a:t>Importancia de un buen BackEnd en un desarrollo Compartido.</a:t>
+            </a:r>
+            <a:endParaRPr lang="es-EC" sz="1800" dirty="0">
+              <a:effectLst/>
+              <a:latin typeface="Arial" panose="020B0604020202020204" pitchFamily="34" charset="0"/>
+              <a:ea typeface="Calibri" panose="020F0502020204030204" pitchFamily="34" charset="0"/>
+              <a:cs typeface="Times New Roman" panose="02020603050405020304" pitchFamily="18" charset="0"/>
+            </a:endParaRPr>
           </a:p>
         </p:txBody>
       </p:sp>
@@ -13142,885 +14121,7 @@
 </p:sld>
 </file>
 
-<file path=ppt/slides/slide19.xml><?xml version="1.0" encoding="utf-8"?>
-<p:sld xmlns:a="http://schemas.openxmlformats.org/drawingml/2006/main" xmlns:r="http://schemas.openxmlformats.org/officeDocument/2006/relationships" xmlns:p="http://schemas.openxmlformats.org/presentationml/2006/main">
-  <p:cSld>
-    <p:spTree>
-      <p:nvGrpSpPr>
-        <p:cNvPr id="1" name=""/>
-        <p:cNvGrpSpPr/>
-        <p:nvPr/>
-      </p:nvGrpSpPr>
-      <p:grpSpPr>
-        <a:xfrm>
-          <a:off x="0" y="0"/>
-          <a:ext cx="0" cy="0"/>
-          <a:chOff x="0" y="0"/>
-          <a:chExt cx="0" cy="0"/>
-        </a:xfrm>
-      </p:grpSpPr>
-      <p:sp>
-        <p:nvSpPr>
-          <p:cNvPr id="4" name="CuadroTexto 3">
-            <a:extLst>
-              <a:ext uri="{FF2B5EF4-FFF2-40B4-BE49-F238E27FC236}">
-                <a16:creationId xmlns:a16="http://schemas.microsoft.com/office/drawing/2014/main" id="{C563328D-E3EB-4C9F-965B-64E3B06C3FFD}"/>
-              </a:ext>
-            </a:extLst>
-          </p:cNvPr>
-          <p:cNvSpPr txBox="1"/>
-          <p:nvPr/>
-        </p:nvSpPr>
-        <p:spPr>
-          <a:xfrm>
-            <a:off x="1197453" y="199753"/>
-            <a:ext cx="10258673" cy="646331"/>
-          </a:xfrm>
-          <a:prstGeom prst="rect">
-            <a:avLst/>
-          </a:prstGeom>
-          <a:noFill/>
-        </p:spPr>
-        <p:txBody>
-          <a:bodyPr wrap="square">
-            <a:spAutoFit/>
-          </a:bodyPr>
-          <a:lstStyle/>
-          <a:p>
-            <a:pPr algn="ctr"/>
-            <a:r>
-              <a:rPr lang="es-ES" sz="3600" b="1" dirty="0">
-                <a:latin typeface="Century Gothic" charset="0"/>
-                <a:ea typeface="Century Gothic" charset="0"/>
-                <a:cs typeface="Century Gothic" charset="0"/>
-              </a:rPr>
-              <a:t>Conclusiones</a:t>
-            </a:r>
-            <a:endParaRPr lang="es-EC" sz="3600" b="1" dirty="0">
-              <a:latin typeface="Century Gothic" charset="0"/>
-              <a:ea typeface="Century Gothic" charset="0"/>
-              <a:cs typeface="Century Gothic" charset="0"/>
-            </a:endParaRPr>
-          </a:p>
-        </p:txBody>
-      </p:sp>
-      <p:sp>
-        <p:nvSpPr>
-          <p:cNvPr id="5" name="CuadroTexto 4">
-            <a:extLst>
-              <a:ext uri="{FF2B5EF4-FFF2-40B4-BE49-F238E27FC236}">
-                <a16:creationId xmlns:a16="http://schemas.microsoft.com/office/drawing/2014/main" id="{246B9C15-8019-4F54-B8E9-A411FE589519}"/>
-              </a:ext>
-            </a:extLst>
-          </p:cNvPr>
-          <p:cNvSpPr txBox="1"/>
-          <p:nvPr/>
-        </p:nvSpPr>
-        <p:spPr>
-          <a:xfrm>
-            <a:off x="5361748" y="1492461"/>
-            <a:ext cx="6094378" cy="3780522"/>
-          </a:xfrm>
-          <a:prstGeom prst="rect">
-            <a:avLst/>
-          </a:prstGeom>
-          <a:noFill/>
-        </p:spPr>
-        <p:txBody>
-          <a:bodyPr wrap="square">
-            <a:spAutoFit/>
-          </a:bodyPr>
-          <a:lstStyle/>
-          <a:p>
-            <a:pPr marL="342900" lvl="0" indent="-342900" algn="just">
-              <a:lnSpc>
-                <a:spcPct val="150000"/>
-              </a:lnSpc>
-              <a:spcBef>
-                <a:spcPts val="1800"/>
-              </a:spcBef>
-              <a:spcAft>
-                <a:spcPts val="1800"/>
-              </a:spcAft>
-              <a:buFont typeface="Symbol" panose="05050102010706020507" pitchFamily="18" charset="2"/>
-              <a:buChar char=""/>
-            </a:pPr>
-            <a:r>
-              <a:rPr lang="es-EC" sz="1800" dirty="0">
-                <a:effectLst/>
-                <a:latin typeface="Arial" panose="020B0604020202020204" pitchFamily="34" charset="0"/>
-                <a:ea typeface="Calibri" panose="020F0502020204030204" pitchFamily="34" charset="0"/>
-                <a:cs typeface="Times New Roman" panose="02020603050405020304" pitchFamily="18" charset="0"/>
-              </a:rPr>
-              <a:t>Para poder diseñar un esquema completo con una lógica que pueda abarcar todos los escenarios posibles que necesita un evento de elecciones genérico, fue necesario investigar y analizar varios casos en los que pueda surgir una funcionalidad no prevista o contemplada para de esta forma resguardar y asegurar que cualquier plataforma que implemente al servicio expuesto, tenga los recursos necesarios para cumplir un el proceso de elecciones completo.</a:t>
-            </a:r>
-          </a:p>
-        </p:txBody>
-      </p:sp>
-      <p:pic>
-        <p:nvPicPr>
-          <p:cNvPr id="9218" name="Picture 2" descr="Papeles sueltos: Las conclusiones y revisión de la introducción y objetvos">
-            <a:extLst>
-              <a:ext uri="{FF2B5EF4-FFF2-40B4-BE49-F238E27FC236}">
-                <a16:creationId xmlns:a16="http://schemas.microsoft.com/office/drawing/2014/main" id="{5DD489F1-139D-4950-82A4-19FBE2503DFD}"/>
-              </a:ext>
-            </a:extLst>
-          </p:cNvPr>
-          <p:cNvPicPr>
-            <a:picLocks noChangeAspect="1" noChangeArrowheads="1"/>
-          </p:cNvPicPr>
-          <p:nvPr/>
-        </p:nvPicPr>
-        <p:blipFill>
-          <a:blip r:embed="rId2">
-            <a:extLst>
-              <a:ext uri="{28A0092B-C50C-407E-A947-70E740481C1C}">
-                <a14:useLocalDpi xmlns:a14="http://schemas.microsoft.com/office/drawing/2010/main" val="0"/>
-              </a:ext>
-            </a:extLst>
-          </a:blip>
-          <a:srcRect/>
-          <a:stretch>
-            <a:fillRect/>
-          </a:stretch>
-        </p:blipFill>
-        <p:spPr bwMode="auto">
-          <a:xfrm>
-            <a:off x="735874" y="1405647"/>
-            <a:ext cx="3676650" cy="4572000"/>
-          </a:xfrm>
-          <a:prstGeom prst="rect">
-            <a:avLst/>
-          </a:prstGeom>
-          <a:noFill/>
-          <a:extLst>
-            <a:ext uri="{909E8E84-426E-40DD-AFC4-6F175D3DCCD1}">
-              <a14:hiddenFill xmlns:a14="http://schemas.microsoft.com/office/drawing/2010/main">
-                <a:solidFill>
-                  <a:srgbClr val="FFFFFF"/>
-                </a:solidFill>
-              </a14:hiddenFill>
-            </a:ext>
-          </a:extLst>
-        </p:spPr>
-      </p:pic>
-    </p:spTree>
-    <p:extLst>
-      <p:ext uri="{BB962C8B-B14F-4D97-AF65-F5344CB8AC3E}">
-        <p14:creationId xmlns:p14="http://schemas.microsoft.com/office/powerpoint/2010/main" val="542601074"/>
-      </p:ext>
-    </p:extLst>
-  </p:cSld>
-  <p:clrMapOvr>
-    <a:masterClrMapping/>
-  </p:clrMapOvr>
-</p:sld>
-</file>
-
-<file path=ppt/slides/slide2.xml><?xml version="1.0" encoding="utf-8"?>
-<p:sld xmlns:a="http://schemas.openxmlformats.org/drawingml/2006/main" xmlns:r="http://schemas.openxmlformats.org/officeDocument/2006/relationships" xmlns:p="http://schemas.openxmlformats.org/presentationml/2006/main">
-  <p:cSld>
-    <p:spTree>
-      <p:nvGrpSpPr>
-        <p:cNvPr id="1" name=""/>
-        <p:cNvGrpSpPr/>
-        <p:nvPr/>
-      </p:nvGrpSpPr>
-      <p:grpSpPr>
-        <a:xfrm>
-          <a:off x="0" y="0"/>
-          <a:ext cx="0" cy="0"/>
-          <a:chOff x="0" y="0"/>
-          <a:chExt cx="0" cy="0"/>
-        </a:xfrm>
-      </p:grpSpPr>
-      <p:sp>
-        <p:nvSpPr>
-          <p:cNvPr id="4" name="Rectángulo 3"/>
-          <p:cNvSpPr/>
-          <p:nvPr/>
-        </p:nvSpPr>
-        <p:spPr>
-          <a:xfrm>
-            <a:off x="799444" y="1276786"/>
-            <a:ext cx="9888653" cy="3539430"/>
-          </a:xfrm>
-          <a:prstGeom prst="rect">
-            <a:avLst/>
-          </a:prstGeom>
-        </p:spPr>
-        <p:txBody>
-          <a:bodyPr wrap="square">
-            <a:spAutoFit/>
-          </a:bodyPr>
-          <a:lstStyle/>
-          <a:p>
-            <a:pPr marL="914400" lvl="1" indent="-457200">
-              <a:buFont typeface="+mj-lt"/>
-              <a:buAutoNum type="arabicPeriod"/>
-            </a:pPr>
-            <a:r>
-              <a:rPr lang="es-EC" sz="2800" dirty="0">
-                <a:latin typeface="Century Gothic" charset="0"/>
-                <a:ea typeface="Century Gothic" charset="0"/>
-                <a:cs typeface="Century Gothic" charset="0"/>
-              </a:rPr>
-              <a:t>Introducción de la empresa o del Problema.</a:t>
-            </a:r>
-          </a:p>
-          <a:p>
-            <a:pPr lvl="1"/>
-            <a:r>
-              <a:rPr lang="es-EC" sz="2800" dirty="0">
-                <a:latin typeface="Century Gothic" charset="0"/>
-                <a:ea typeface="Century Gothic" charset="0"/>
-                <a:cs typeface="Century Gothic" charset="0"/>
-              </a:rPr>
-              <a:t>1.1 Objetivos.</a:t>
-            </a:r>
-          </a:p>
-          <a:p>
-            <a:pPr lvl="1"/>
-            <a:r>
-              <a:rPr lang="es-EC" sz="2800" dirty="0">
-                <a:latin typeface="Century Gothic" charset="0"/>
-                <a:ea typeface="Century Gothic" charset="0"/>
-                <a:cs typeface="Century Gothic" charset="0"/>
-              </a:rPr>
-              <a:t>1.2 Justificación y Alcance.</a:t>
-            </a:r>
-          </a:p>
-          <a:p>
-            <a:pPr lvl="1"/>
-            <a:r>
-              <a:rPr lang="es-EC" sz="2800" dirty="0">
-                <a:latin typeface="Century Gothic" charset="0"/>
-                <a:ea typeface="Century Gothic" charset="0"/>
-                <a:cs typeface="Century Gothic" charset="0"/>
-              </a:rPr>
-              <a:t>2.	Campo de estudio (Infraestructura - Desarrollo).</a:t>
-            </a:r>
-          </a:p>
-          <a:p>
-            <a:pPr lvl="1"/>
-            <a:r>
-              <a:rPr lang="es-EC" sz="2800" dirty="0">
-                <a:latin typeface="Century Gothic" charset="0"/>
-                <a:ea typeface="Century Gothic" charset="0"/>
-                <a:cs typeface="Century Gothic" charset="0"/>
-              </a:rPr>
-              <a:t>3.	Herramientas utilizadas.</a:t>
-            </a:r>
-          </a:p>
-          <a:p>
-            <a:pPr lvl="1"/>
-            <a:r>
-              <a:rPr lang="es-EC" sz="2800" dirty="0">
-                <a:latin typeface="Century Gothic" charset="0"/>
-                <a:ea typeface="Century Gothic" charset="0"/>
-                <a:cs typeface="Century Gothic" charset="0"/>
-              </a:rPr>
-              <a:t>4.	Como se pretende resolver el problema.</a:t>
-            </a:r>
-          </a:p>
-          <a:p>
-            <a:pPr lvl="1"/>
-            <a:r>
-              <a:rPr lang="es-EC" sz="2800" dirty="0">
-                <a:latin typeface="Century Gothic" charset="0"/>
-                <a:ea typeface="Century Gothic" charset="0"/>
-                <a:cs typeface="Century Gothic" charset="0"/>
-              </a:rPr>
-              <a:t>5.	Resultados.</a:t>
-            </a:r>
-          </a:p>
-          <a:p>
-            <a:pPr marL="914400" lvl="1" indent="-457200">
-              <a:buFont typeface="+mj-lt"/>
-              <a:buAutoNum type="arabicPeriod"/>
-            </a:pPr>
-            <a:endParaRPr lang="es-EC" sz="2800" dirty="0">
-              <a:latin typeface="Century Gothic" charset="0"/>
-              <a:ea typeface="Century Gothic" charset="0"/>
-              <a:cs typeface="Century Gothic" charset="0"/>
-            </a:endParaRPr>
-          </a:p>
-        </p:txBody>
-      </p:sp>
-      <p:sp>
-        <p:nvSpPr>
-          <p:cNvPr id="2" name="Rectángulo 1"/>
-          <p:cNvSpPr/>
-          <p:nvPr/>
-        </p:nvSpPr>
-        <p:spPr>
-          <a:xfrm>
-            <a:off x="4871875" y="80310"/>
-            <a:ext cx="2285384" cy="707886"/>
-          </a:xfrm>
-          <a:prstGeom prst="rect">
-            <a:avLst/>
-          </a:prstGeom>
-        </p:spPr>
-        <p:txBody>
-          <a:bodyPr wrap="square">
-            <a:spAutoFit/>
-          </a:bodyPr>
-          <a:lstStyle/>
-          <a:p>
-            <a:r>
-              <a:rPr lang="en-US" sz="4000" b="1" dirty="0">
-                <a:solidFill>
-                  <a:prstClr val="black"/>
-                </a:solidFill>
-                <a:latin typeface="Century Gothic" charset="0"/>
-                <a:ea typeface="Century Gothic" charset="0"/>
-                <a:cs typeface="Century Gothic" charset="0"/>
-              </a:rPr>
-              <a:t>Agenda</a:t>
-            </a:r>
-          </a:p>
-        </p:txBody>
-      </p:sp>
-    </p:spTree>
-    <p:extLst>
-      <p:ext uri="{BB962C8B-B14F-4D97-AF65-F5344CB8AC3E}">
-        <p14:creationId xmlns:p14="http://schemas.microsoft.com/office/powerpoint/2010/main" val="1930160228"/>
-      </p:ext>
-    </p:extLst>
-  </p:cSld>
-  <p:clrMapOvr>
-    <a:masterClrMapping/>
-  </p:clrMapOvr>
-</p:sld>
-</file>
-
-<file path=ppt/slides/slide20.xml><?xml version="1.0" encoding="utf-8"?>
-<p:sld xmlns:a="http://schemas.openxmlformats.org/drawingml/2006/main" xmlns:r="http://schemas.openxmlformats.org/officeDocument/2006/relationships" xmlns:p="http://schemas.openxmlformats.org/presentationml/2006/main">
-  <p:cSld>
-    <p:spTree>
-      <p:nvGrpSpPr>
-        <p:cNvPr id="1" name=""/>
-        <p:cNvGrpSpPr/>
-        <p:nvPr/>
-      </p:nvGrpSpPr>
-      <p:grpSpPr>
-        <a:xfrm>
-          <a:off x="0" y="0"/>
-          <a:ext cx="0" cy="0"/>
-          <a:chOff x="0" y="0"/>
-          <a:chExt cx="0" cy="0"/>
-        </a:xfrm>
-      </p:grpSpPr>
-      <p:sp>
-        <p:nvSpPr>
-          <p:cNvPr id="4" name="CuadroTexto 3">
-            <a:extLst>
-              <a:ext uri="{FF2B5EF4-FFF2-40B4-BE49-F238E27FC236}">
-                <a16:creationId xmlns:a16="http://schemas.microsoft.com/office/drawing/2014/main" id="{C563328D-E3EB-4C9F-965B-64E3B06C3FFD}"/>
-              </a:ext>
-            </a:extLst>
-          </p:cNvPr>
-          <p:cNvSpPr txBox="1"/>
-          <p:nvPr/>
-        </p:nvSpPr>
-        <p:spPr>
-          <a:xfrm>
-            <a:off x="1197453" y="199753"/>
-            <a:ext cx="10258673" cy="646331"/>
-          </a:xfrm>
-          <a:prstGeom prst="rect">
-            <a:avLst/>
-          </a:prstGeom>
-          <a:noFill/>
-        </p:spPr>
-        <p:txBody>
-          <a:bodyPr wrap="square">
-            <a:spAutoFit/>
-          </a:bodyPr>
-          <a:lstStyle/>
-          <a:p>
-            <a:pPr algn="ctr"/>
-            <a:r>
-              <a:rPr lang="es-ES" sz="3600" b="1" dirty="0">
-                <a:latin typeface="Century Gothic" charset="0"/>
-                <a:ea typeface="Century Gothic" charset="0"/>
-                <a:cs typeface="Century Gothic" charset="0"/>
-              </a:rPr>
-              <a:t>Conclusiones</a:t>
-            </a:r>
-            <a:endParaRPr lang="es-EC" sz="3600" b="1" dirty="0">
-              <a:latin typeface="Century Gothic" charset="0"/>
-              <a:ea typeface="Century Gothic" charset="0"/>
-              <a:cs typeface="Century Gothic" charset="0"/>
-            </a:endParaRPr>
-          </a:p>
-        </p:txBody>
-      </p:sp>
-      <p:sp>
-        <p:nvSpPr>
-          <p:cNvPr id="5" name="CuadroTexto 4">
-            <a:extLst>
-              <a:ext uri="{FF2B5EF4-FFF2-40B4-BE49-F238E27FC236}">
-                <a16:creationId xmlns:a16="http://schemas.microsoft.com/office/drawing/2014/main" id="{246B9C15-8019-4F54-B8E9-A411FE589519}"/>
-              </a:ext>
-            </a:extLst>
-          </p:cNvPr>
-          <p:cNvSpPr txBox="1"/>
-          <p:nvPr/>
-        </p:nvSpPr>
-        <p:spPr>
-          <a:xfrm>
-            <a:off x="440177" y="918529"/>
-            <a:ext cx="6094378" cy="5858014"/>
-          </a:xfrm>
-          <a:prstGeom prst="rect">
-            <a:avLst/>
-          </a:prstGeom>
-          <a:noFill/>
-        </p:spPr>
-        <p:txBody>
-          <a:bodyPr wrap="square">
-            <a:spAutoFit/>
-          </a:bodyPr>
-          <a:lstStyle/>
-          <a:p>
-            <a:pPr marL="342900" lvl="0" indent="-342900" algn="just">
-              <a:lnSpc>
-                <a:spcPct val="150000"/>
-              </a:lnSpc>
-              <a:spcBef>
-                <a:spcPts val="1800"/>
-              </a:spcBef>
-              <a:spcAft>
-                <a:spcPts val="1800"/>
-              </a:spcAft>
-              <a:buFont typeface="Symbol" panose="05050102010706020507" pitchFamily="18" charset="2"/>
-              <a:buChar char=""/>
-            </a:pPr>
-            <a:r>
-              <a:rPr lang="es-EC" sz="1800" dirty="0">
-                <a:effectLst/>
-                <a:latin typeface="Arial" panose="020B0604020202020204" pitchFamily="34" charset="0"/>
-                <a:ea typeface="Calibri" panose="020F0502020204030204" pitchFamily="34" charset="0"/>
-                <a:cs typeface="Times New Roman" panose="02020603050405020304" pitchFamily="18" charset="0"/>
-              </a:rPr>
-              <a:t>Debió a que el software desarrollado es un API (Interfaz de programación de aplicaciones), es necesario y obligatorio tener una seguridad para todos los servicios expuestos en la red, ya que cualquier usuario mal intencionado puede utilizar software externo para simular millones de peticiones al API e intentar hacer que los servicios no soporten la cantidad de solicitudes, llevando a que se trabe o caiga la aplicación montada. En el caso puntual del API, se consideró que la mejor seguridad es un JWT (JSON Web Token) que contiene información del usuario para ejecutar acciones en contexto, y además este token no puede ser violado ni corrompido por externos.</a:t>
-            </a:r>
-          </a:p>
-        </p:txBody>
-      </p:sp>
-      <p:pic>
-        <p:nvPicPr>
-          <p:cNvPr id="9218" name="Picture 2" descr="Papeles sueltos: Las conclusiones y revisión de la introducción y objetvos">
-            <a:extLst>
-              <a:ext uri="{FF2B5EF4-FFF2-40B4-BE49-F238E27FC236}">
-                <a16:creationId xmlns:a16="http://schemas.microsoft.com/office/drawing/2014/main" id="{5DD489F1-139D-4950-82A4-19FBE2503DFD}"/>
-              </a:ext>
-            </a:extLst>
-          </p:cNvPr>
-          <p:cNvPicPr>
-            <a:picLocks noChangeAspect="1" noChangeArrowheads="1"/>
-          </p:cNvPicPr>
-          <p:nvPr/>
-        </p:nvPicPr>
-        <p:blipFill>
-          <a:blip r:embed="rId2">
-            <a:extLst>
-              <a:ext uri="{28A0092B-C50C-407E-A947-70E740481C1C}">
-                <a14:useLocalDpi xmlns:a14="http://schemas.microsoft.com/office/drawing/2010/main" val="0"/>
-              </a:ext>
-            </a:extLst>
-          </a:blip>
-          <a:srcRect/>
-          <a:stretch>
-            <a:fillRect/>
-          </a:stretch>
-        </p:blipFill>
-        <p:spPr bwMode="auto">
-          <a:xfrm>
-            <a:off x="7868460" y="1006813"/>
-            <a:ext cx="3676650" cy="4572000"/>
-          </a:xfrm>
-          <a:prstGeom prst="rect">
-            <a:avLst/>
-          </a:prstGeom>
-          <a:noFill/>
-          <a:extLst>
-            <a:ext uri="{909E8E84-426E-40DD-AFC4-6F175D3DCCD1}">
-              <a14:hiddenFill xmlns:a14="http://schemas.microsoft.com/office/drawing/2010/main">
-                <a:solidFill>
-                  <a:srgbClr val="FFFFFF"/>
-                </a:solidFill>
-              </a14:hiddenFill>
-            </a:ext>
-          </a:extLst>
-        </p:spPr>
-      </p:pic>
-    </p:spTree>
-    <p:extLst>
-      <p:ext uri="{BB962C8B-B14F-4D97-AF65-F5344CB8AC3E}">
-        <p14:creationId xmlns:p14="http://schemas.microsoft.com/office/powerpoint/2010/main" val="3835334139"/>
-      </p:ext>
-    </p:extLst>
-  </p:cSld>
-  <p:clrMapOvr>
-    <a:masterClrMapping/>
-  </p:clrMapOvr>
-</p:sld>
-</file>
-
-<file path=ppt/slides/slide21.xml><?xml version="1.0" encoding="utf-8"?>
-<p:sld xmlns:a="http://schemas.openxmlformats.org/drawingml/2006/main" xmlns:r="http://schemas.openxmlformats.org/officeDocument/2006/relationships" xmlns:p="http://schemas.openxmlformats.org/presentationml/2006/main">
-  <p:cSld>
-    <p:spTree>
-      <p:nvGrpSpPr>
-        <p:cNvPr id="1" name=""/>
-        <p:cNvGrpSpPr/>
-        <p:nvPr/>
-      </p:nvGrpSpPr>
-      <p:grpSpPr>
-        <a:xfrm>
-          <a:off x="0" y="0"/>
-          <a:ext cx="0" cy="0"/>
-          <a:chOff x="0" y="0"/>
-          <a:chExt cx="0" cy="0"/>
-        </a:xfrm>
-      </p:grpSpPr>
-      <p:sp>
-        <p:nvSpPr>
-          <p:cNvPr id="4" name="CuadroTexto 3">
-            <a:extLst>
-              <a:ext uri="{FF2B5EF4-FFF2-40B4-BE49-F238E27FC236}">
-                <a16:creationId xmlns:a16="http://schemas.microsoft.com/office/drawing/2014/main" id="{C563328D-E3EB-4C9F-965B-64E3B06C3FFD}"/>
-              </a:ext>
-            </a:extLst>
-          </p:cNvPr>
-          <p:cNvSpPr txBox="1"/>
-          <p:nvPr/>
-        </p:nvSpPr>
-        <p:spPr>
-          <a:xfrm>
-            <a:off x="1197453" y="199753"/>
-            <a:ext cx="10258673" cy="646331"/>
-          </a:xfrm>
-          <a:prstGeom prst="rect">
-            <a:avLst/>
-          </a:prstGeom>
-          <a:noFill/>
-        </p:spPr>
-        <p:txBody>
-          <a:bodyPr wrap="square">
-            <a:spAutoFit/>
-          </a:bodyPr>
-          <a:lstStyle/>
-          <a:p>
-            <a:pPr algn="ctr"/>
-            <a:r>
-              <a:rPr lang="es-ES" sz="3600" b="1" dirty="0">
-                <a:latin typeface="Century Gothic" charset="0"/>
-                <a:ea typeface="Century Gothic" charset="0"/>
-                <a:cs typeface="Century Gothic" charset="0"/>
-              </a:rPr>
-              <a:t>Conclusiones</a:t>
-            </a:r>
-            <a:endParaRPr lang="es-EC" sz="3600" b="1" dirty="0">
-              <a:latin typeface="Century Gothic" charset="0"/>
-              <a:ea typeface="Century Gothic" charset="0"/>
-              <a:cs typeface="Century Gothic" charset="0"/>
-            </a:endParaRPr>
-          </a:p>
-        </p:txBody>
-      </p:sp>
-      <p:sp>
-        <p:nvSpPr>
-          <p:cNvPr id="5" name="CuadroTexto 4">
-            <a:extLst>
-              <a:ext uri="{FF2B5EF4-FFF2-40B4-BE49-F238E27FC236}">
-                <a16:creationId xmlns:a16="http://schemas.microsoft.com/office/drawing/2014/main" id="{246B9C15-8019-4F54-B8E9-A411FE589519}"/>
-              </a:ext>
-            </a:extLst>
-          </p:cNvPr>
-          <p:cNvSpPr txBox="1"/>
-          <p:nvPr/>
-        </p:nvSpPr>
-        <p:spPr>
-          <a:xfrm>
-            <a:off x="5361748" y="1492461"/>
-            <a:ext cx="6094378" cy="4196020"/>
-          </a:xfrm>
-          <a:prstGeom prst="rect">
-            <a:avLst/>
-          </a:prstGeom>
-          <a:noFill/>
-        </p:spPr>
-        <p:txBody>
-          <a:bodyPr wrap="square">
-            <a:spAutoFit/>
-          </a:bodyPr>
-          <a:lstStyle/>
-          <a:p>
-            <a:pPr marL="342900" lvl="0" indent="-342900" algn="just">
-              <a:lnSpc>
-                <a:spcPct val="150000"/>
-              </a:lnSpc>
-              <a:spcBef>
-                <a:spcPts val="1800"/>
-              </a:spcBef>
-              <a:spcAft>
-                <a:spcPts val="1800"/>
-              </a:spcAft>
-              <a:buFont typeface="Symbol" panose="05050102010706020507" pitchFamily="18" charset="2"/>
-              <a:buChar char=""/>
-            </a:pPr>
-            <a:r>
-              <a:rPr lang="es-EC" sz="1800" dirty="0">
-                <a:effectLst/>
-                <a:latin typeface="Arial" panose="020B0604020202020204" pitchFamily="34" charset="0"/>
-                <a:ea typeface="Calibri" panose="020F0502020204030204" pitchFamily="34" charset="0"/>
-                <a:cs typeface="Times New Roman" panose="02020603050405020304" pitchFamily="18" charset="0"/>
-              </a:rPr>
-              <a:t>Todos los servicios que contiene el API creada, deben ser mostrados de una manera amigable a los desarrolladores FrontEnd, por lo tanto, se utilizó Swagger, como una forma de visualizar estos métodos a consumir, debido a que esta herramienta es una de las más usadas actualmente por muchos equipos de desarrollo, ya que posee una forma muy intuitiva y fácil para acoplar a casi todo lenguaje de programación y de esta manera presentar información útil.</a:t>
-            </a:r>
-          </a:p>
-        </p:txBody>
-      </p:sp>
-      <p:pic>
-        <p:nvPicPr>
-          <p:cNvPr id="9218" name="Picture 2" descr="Papeles sueltos: Las conclusiones y revisión de la introducción y objetvos">
-            <a:extLst>
-              <a:ext uri="{FF2B5EF4-FFF2-40B4-BE49-F238E27FC236}">
-                <a16:creationId xmlns:a16="http://schemas.microsoft.com/office/drawing/2014/main" id="{5DD489F1-139D-4950-82A4-19FBE2503DFD}"/>
-              </a:ext>
-            </a:extLst>
-          </p:cNvPr>
-          <p:cNvPicPr>
-            <a:picLocks noChangeAspect="1" noChangeArrowheads="1"/>
-          </p:cNvPicPr>
-          <p:nvPr/>
-        </p:nvPicPr>
-        <p:blipFill>
-          <a:blip r:embed="rId2">
-            <a:extLst>
-              <a:ext uri="{28A0092B-C50C-407E-A947-70E740481C1C}">
-                <a14:useLocalDpi xmlns:a14="http://schemas.microsoft.com/office/drawing/2010/main" val="0"/>
-              </a:ext>
-            </a:extLst>
-          </a:blip>
-          <a:srcRect/>
-          <a:stretch>
-            <a:fillRect/>
-          </a:stretch>
-        </p:blipFill>
-        <p:spPr bwMode="auto">
-          <a:xfrm>
-            <a:off x="735874" y="1405647"/>
-            <a:ext cx="3676650" cy="4572000"/>
-          </a:xfrm>
-          <a:prstGeom prst="rect">
-            <a:avLst/>
-          </a:prstGeom>
-          <a:noFill/>
-          <a:extLst>
-            <a:ext uri="{909E8E84-426E-40DD-AFC4-6F175D3DCCD1}">
-              <a14:hiddenFill xmlns:a14="http://schemas.microsoft.com/office/drawing/2010/main">
-                <a:solidFill>
-                  <a:srgbClr val="FFFFFF"/>
-                </a:solidFill>
-              </a14:hiddenFill>
-            </a:ext>
-          </a:extLst>
-        </p:spPr>
-      </p:pic>
-    </p:spTree>
-    <p:extLst>
-      <p:ext uri="{BB962C8B-B14F-4D97-AF65-F5344CB8AC3E}">
-        <p14:creationId xmlns:p14="http://schemas.microsoft.com/office/powerpoint/2010/main" val="962846147"/>
-      </p:ext>
-    </p:extLst>
-  </p:cSld>
-  <p:clrMapOvr>
-    <a:masterClrMapping/>
-  </p:clrMapOvr>
-</p:sld>
-</file>
-
-<file path=ppt/slides/slide22.xml><?xml version="1.0" encoding="utf-8"?>
-<p:sld xmlns:a="http://schemas.openxmlformats.org/drawingml/2006/main" xmlns:r="http://schemas.openxmlformats.org/officeDocument/2006/relationships" xmlns:p="http://schemas.openxmlformats.org/presentationml/2006/main">
-  <p:cSld>
-    <p:spTree>
-      <p:nvGrpSpPr>
-        <p:cNvPr id="1" name=""/>
-        <p:cNvGrpSpPr/>
-        <p:nvPr/>
-      </p:nvGrpSpPr>
-      <p:grpSpPr>
-        <a:xfrm>
-          <a:off x="0" y="0"/>
-          <a:ext cx="0" cy="0"/>
-          <a:chOff x="0" y="0"/>
-          <a:chExt cx="0" cy="0"/>
-        </a:xfrm>
-      </p:grpSpPr>
-      <p:sp>
-        <p:nvSpPr>
-          <p:cNvPr id="4" name="CuadroTexto 3">
-            <a:extLst>
-              <a:ext uri="{FF2B5EF4-FFF2-40B4-BE49-F238E27FC236}">
-                <a16:creationId xmlns:a16="http://schemas.microsoft.com/office/drawing/2014/main" id="{C563328D-E3EB-4C9F-965B-64E3B06C3FFD}"/>
-              </a:ext>
-            </a:extLst>
-          </p:cNvPr>
-          <p:cNvSpPr txBox="1"/>
-          <p:nvPr/>
-        </p:nvSpPr>
-        <p:spPr>
-          <a:xfrm>
-            <a:off x="1197453" y="199753"/>
-            <a:ext cx="10258673" cy="646331"/>
-          </a:xfrm>
-          <a:prstGeom prst="rect">
-            <a:avLst/>
-          </a:prstGeom>
-          <a:noFill/>
-        </p:spPr>
-        <p:txBody>
-          <a:bodyPr wrap="square">
-            <a:spAutoFit/>
-          </a:bodyPr>
-          <a:lstStyle/>
-          <a:p>
-            <a:pPr algn="ctr"/>
-            <a:r>
-              <a:rPr lang="es-ES" sz="3600" b="1" dirty="0">
-                <a:latin typeface="Century Gothic" charset="0"/>
-                <a:ea typeface="Century Gothic" charset="0"/>
-                <a:cs typeface="Century Gothic" charset="0"/>
-              </a:rPr>
-              <a:t>Conclusiones</a:t>
-            </a:r>
-            <a:endParaRPr lang="es-EC" sz="3600" b="1" dirty="0">
-              <a:latin typeface="Century Gothic" charset="0"/>
-              <a:ea typeface="Century Gothic" charset="0"/>
-              <a:cs typeface="Century Gothic" charset="0"/>
-            </a:endParaRPr>
-          </a:p>
-        </p:txBody>
-      </p:sp>
-      <p:sp>
-        <p:nvSpPr>
-          <p:cNvPr id="5" name="CuadroTexto 4">
-            <a:extLst>
-              <a:ext uri="{FF2B5EF4-FFF2-40B4-BE49-F238E27FC236}">
-                <a16:creationId xmlns:a16="http://schemas.microsoft.com/office/drawing/2014/main" id="{246B9C15-8019-4F54-B8E9-A411FE589519}"/>
-              </a:ext>
-            </a:extLst>
-          </p:cNvPr>
-          <p:cNvSpPr txBox="1"/>
-          <p:nvPr/>
-        </p:nvSpPr>
-        <p:spPr>
-          <a:xfrm>
-            <a:off x="722280" y="1798291"/>
-            <a:ext cx="6094378" cy="3780522"/>
-          </a:xfrm>
-          <a:prstGeom prst="rect">
-            <a:avLst/>
-          </a:prstGeom>
-          <a:noFill/>
-        </p:spPr>
-        <p:txBody>
-          <a:bodyPr wrap="square">
-            <a:spAutoFit/>
-          </a:bodyPr>
-          <a:lstStyle/>
-          <a:p>
-            <a:pPr marL="342900" lvl="0" indent="-342900" algn="just">
-              <a:lnSpc>
-                <a:spcPct val="150000"/>
-              </a:lnSpc>
-              <a:spcBef>
-                <a:spcPts val="1800"/>
-              </a:spcBef>
-              <a:spcAft>
-                <a:spcPts val="1800"/>
-              </a:spcAft>
-              <a:buFont typeface="Symbol" panose="05050102010706020507" pitchFamily="18" charset="2"/>
-              <a:buChar char=""/>
-            </a:pPr>
-            <a:r>
-              <a:rPr lang="es-EC" sz="1800" dirty="0">
-                <a:effectLst/>
-                <a:latin typeface="Arial" panose="020B0604020202020204" pitchFamily="34" charset="0"/>
-                <a:ea typeface="Calibri" panose="020F0502020204030204" pitchFamily="34" charset="0"/>
-                <a:cs typeface="Times New Roman" panose="02020603050405020304" pitchFamily="18" charset="0"/>
-              </a:rPr>
-              <a:t>Con el desarrollo de este software se pudo comprobar que el BackEnd es el lugar que contiene toda la lógica para que un software pueda funcionar, ya que se encarga de analizar las peticiones que llegan, aplicar las reglas del negocio, almacenar información en la base de datos, devolver respuestas según sea el caso; si el BackEnd (API) está mal desarrollado no importaría cual FrontEnd lo implemente porque tendría un mal funcionamiento. </a:t>
-            </a:r>
-          </a:p>
-        </p:txBody>
-      </p:sp>
-      <p:pic>
-        <p:nvPicPr>
-          <p:cNvPr id="9218" name="Picture 2" descr="Papeles sueltos: Las conclusiones y revisión de la introducción y objetvos">
-            <a:extLst>
-              <a:ext uri="{FF2B5EF4-FFF2-40B4-BE49-F238E27FC236}">
-                <a16:creationId xmlns:a16="http://schemas.microsoft.com/office/drawing/2014/main" id="{5DD489F1-139D-4950-82A4-19FBE2503DFD}"/>
-              </a:ext>
-            </a:extLst>
-          </p:cNvPr>
-          <p:cNvPicPr>
-            <a:picLocks noChangeAspect="1" noChangeArrowheads="1"/>
-          </p:cNvPicPr>
-          <p:nvPr/>
-        </p:nvPicPr>
-        <p:blipFill>
-          <a:blip r:embed="rId2">
-            <a:extLst>
-              <a:ext uri="{28A0092B-C50C-407E-A947-70E740481C1C}">
-                <a14:useLocalDpi xmlns:a14="http://schemas.microsoft.com/office/drawing/2010/main" val="0"/>
-              </a:ext>
-            </a:extLst>
-          </a:blip>
-          <a:srcRect/>
-          <a:stretch>
-            <a:fillRect/>
-          </a:stretch>
-        </p:blipFill>
-        <p:spPr bwMode="auto">
-          <a:xfrm>
-            <a:off x="7868460" y="1006813"/>
-            <a:ext cx="3676650" cy="4572000"/>
-          </a:xfrm>
-          <a:prstGeom prst="rect">
-            <a:avLst/>
-          </a:prstGeom>
-          <a:noFill/>
-          <a:extLst>
-            <a:ext uri="{909E8E84-426E-40DD-AFC4-6F175D3DCCD1}">
-              <a14:hiddenFill xmlns:a14="http://schemas.microsoft.com/office/drawing/2010/main">
-                <a:solidFill>
-                  <a:srgbClr val="FFFFFF"/>
-                </a:solidFill>
-              </a14:hiddenFill>
-            </a:ext>
-          </a:extLst>
-        </p:spPr>
-      </p:pic>
-    </p:spTree>
-    <p:extLst>
-      <p:ext uri="{BB962C8B-B14F-4D97-AF65-F5344CB8AC3E}">
-        <p14:creationId xmlns:p14="http://schemas.microsoft.com/office/powerpoint/2010/main" val="1838132939"/>
-      </p:ext>
-    </p:extLst>
-  </p:cSld>
-  <p:clrMapOvr>
-    <a:masterClrMapping/>
-  </p:clrMapOvr>
-</p:sld>
-</file>
-
-<file path=ppt/slides/slide23.xml><?xml version="1.0" encoding="utf-8"?>
+<file path=ppt/slides/slide24.xml><?xml version="1.0" encoding="utf-8"?>
 <p:sld xmlns:a="http://schemas.openxmlformats.org/drawingml/2006/main" xmlns:r="http://schemas.openxmlformats.org/officeDocument/2006/relationships" xmlns:p="http://schemas.openxmlformats.org/presentationml/2006/main">
   <p:cSld>
     <p:spTree>
@@ -14104,8 +14205,8 @@
         </p:nvSpPr>
         <p:spPr>
           <a:xfrm>
-            <a:off x="5264472" y="993990"/>
-            <a:ext cx="6094378" cy="6365845"/>
+            <a:off x="5264472" y="1131559"/>
+            <a:ext cx="6094378" cy="4750018"/>
           </a:xfrm>
           <a:prstGeom prst="rect">
             <a:avLst/>
@@ -14138,7 +14239,7 @@
                 <a:ea typeface="Calibri" panose="020F0502020204030204" pitchFamily="34" charset="0"/>
                 <a:cs typeface="Times New Roman" panose="02020603050405020304" pitchFamily="18" charset="0"/>
               </a:rPr>
-              <a:t>Se recomienda utiliza más técnicas para recolectar información sobre eventos en distinto centros educativos, barrios, o empresas para tener un conocimiento más amplio de cómo se realizar estos procesos sin la ayuda de un software, para poder mejorar el servicio ofrecido por el API.</a:t>
+              <a:t>Ampliar el conocimiento sobre los eventos de elecciones y posibles cambios que mejoren el API.</a:t>
             </a:r>
           </a:p>
           <a:p>
@@ -14162,7 +14263,7 @@
                 <a:ea typeface="Calibri" panose="020F0502020204030204" pitchFamily="34" charset="0"/>
                 <a:cs typeface="Times New Roman" panose="02020603050405020304" pitchFamily="18" charset="0"/>
               </a:rPr>
-              <a:t>Se recomienda que cualquier desarrollador que desee implementar el API, se contacte con el creador para resolver alguna inquietud sobre los servicios expuestos, aunque toda la información se encuentra presentada en Swagger, pudiera existir casos en los que no esté muy claro para el implementador.</a:t>
+              <a:t>Se recomienda detallar toda la información necesaria en Swagger para que los implementadores tengan las herramientas necesarias.</a:t>
             </a:r>
           </a:p>
           <a:p>
@@ -14186,8 +14287,37 @@
                 <a:ea typeface="Calibri" panose="020F0502020204030204" pitchFamily="34" charset="0"/>
                 <a:cs typeface="Times New Roman" panose="02020603050405020304" pitchFamily="18" charset="0"/>
               </a:rPr>
-              <a:t>. </a:t>
-            </a:r>
+              <a:t>Agregar más seguridades al Api.</a:t>
+            </a:r>
+          </a:p>
+          <a:p>
+            <a:pPr marL="342900" lvl="0" indent="-342900" algn="just">
+              <a:lnSpc>
+                <a:spcPct val="150000"/>
+              </a:lnSpc>
+              <a:spcBef>
+                <a:spcPts val="1800"/>
+              </a:spcBef>
+              <a:spcAft>
+                <a:spcPts val="1800"/>
+              </a:spcAft>
+              <a:buFont typeface="Symbol" panose="05050102010706020507" pitchFamily="18" charset="2"/>
+              <a:buChar char=""/>
+            </a:pPr>
+            <a:r>
+              <a:rPr lang="es-EC" dirty="0">
+                <a:latin typeface="Arial" panose="020B0604020202020204" pitchFamily="34" charset="0"/>
+                <a:ea typeface="Calibri" panose="020F0502020204030204" pitchFamily="34" charset="0"/>
+                <a:cs typeface="Times New Roman" panose="02020603050405020304" pitchFamily="18" charset="0"/>
+              </a:rPr>
+              <a:t>El uso obligatorio de Logs para monitoreo de posibles errores.</a:t>
+            </a:r>
+            <a:endParaRPr lang="es-EC" sz="1800" dirty="0">
+              <a:effectLst/>
+              <a:latin typeface="Arial" panose="020B0604020202020204" pitchFamily="34" charset="0"/>
+              <a:ea typeface="Calibri" panose="020F0502020204030204" pitchFamily="34" charset="0"/>
+              <a:cs typeface="Times New Roman" panose="02020603050405020304" pitchFamily="18" charset="0"/>
+            </a:endParaRPr>
           </a:p>
         </p:txBody>
       </p:sp>
@@ -14251,608 +14381,7 @@
 </p:sld>
 </file>
 
-<file path=ppt/slides/slide24.xml><?xml version="1.0" encoding="utf-8"?>
-<p:sld xmlns:a="http://schemas.openxmlformats.org/drawingml/2006/main" xmlns:r="http://schemas.openxmlformats.org/officeDocument/2006/relationships" xmlns:p="http://schemas.openxmlformats.org/presentationml/2006/main">
-  <p:cSld>
-    <p:spTree>
-      <p:nvGrpSpPr>
-        <p:cNvPr id="1" name=""/>
-        <p:cNvGrpSpPr/>
-        <p:nvPr/>
-      </p:nvGrpSpPr>
-      <p:grpSpPr>
-        <a:xfrm>
-          <a:off x="0" y="0"/>
-          <a:ext cx="0" cy="0"/>
-          <a:chOff x="0" y="0"/>
-          <a:chExt cx="0" cy="0"/>
-        </a:xfrm>
-      </p:grpSpPr>
-      <p:sp>
-        <p:nvSpPr>
-          <p:cNvPr id="4" name="CuadroTexto 3">
-            <a:extLst>
-              <a:ext uri="{FF2B5EF4-FFF2-40B4-BE49-F238E27FC236}">
-                <a16:creationId xmlns:a16="http://schemas.microsoft.com/office/drawing/2014/main" id="{C563328D-E3EB-4C9F-965B-64E3B06C3FFD}"/>
-              </a:ext>
-            </a:extLst>
-          </p:cNvPr>
-          <p:cNvSpPr txBox="1"/>
-          <p:nvPr/>
-        </p:nvSpPr>
-        <p:spPr>
-          <a:xfrm>
-            <a:off x="1197453" y="199753"/>
-            <a:ext cx="10258673" cy="1200329"/>
-          </a:xfrm>
-          <a:prstGeom prst="rect">
-            <a:avLst/>
-          </a:prstGeom>
-          <a:noFill/>
-        </p:spPr>
-        <p:txBody>
-          <a:bodyPr wrap="square">
-            <a:spAutoFit/>
-          </a:bodyPr>
-          <a:lstStyle/>
-          <a:p>
-            <a:pPr algn="ctr"/>
-            <a:r>
-              <a:rPr lang="es-ES" sz="3600" b="1" dirty="0">
-                <a:latin typeface="Century Gothic" charset="0"/>
-                <a:ea typeface="Century Gothic" charset="0"/>
-                <a:cs typeface="Century Gothic" charset="0"/>
-              </a:rPr>
-              <a:t>Recomendaciones</a:t>
-            </a:r>
-            <a:endParaRPr lang="es-EC" sz="3600" b="1" dirty="0">
-              <a:latin typeface="Century Gothic" charset="0"/>
-              <a:ea typeface="Century Gothic" charset="0"/>
-              <a:cs typeface="Century Gothic" charset="0"/>
-            </a:endParaRPr>
-          </a:p>
-          <a:p>
-            <a:pPr algn="ctr"/>
-            <a:endParaRPr lang="es-EC" sz="3600" b="1" dirty="0">
-              <a:latin typeface="Century Gothic" charset="0"/>
-              <a:ea typeface="Century Gothic" charset="0"/>
-              <a:cs typeface="Century Gothic" charset="0"/>
-            </a:endParaRPr>
-          </a:p>
-        </p:txBody>
-      </p:sp>
-      <p:sp>
-        <p:nvSpPr>
-          <p:cNvPr id="5" name="CuadroTexto 4">
-            <a:extLst>
-              <a:ext uri="{FF2B5EF4-FFF2-40B4-BE49-F238E27FC236}">
-                <a16:creationId xmlns:a16="http://schemas.microsoft.com/office/drawing/2014/main" id="{246B9C15-8019-4F54-B8E9-A411FE589519}"/>
-              </a:ext>
-            </a:extLst>
-          </p:cNvPr>
-          <p:cNvSpPr txBox="1"/>
-          <p:nvPr/>
-        </p:nvSpPr>
-        <p:spPr>
-          <a:xfrm>
-            <a:off x="522542" y="2054305"/>
-            <a:ext cx="6094378" cy="3365024"/>
-          </a:xfrm>
-          <a:prstGeom prst="rect">
-            <a:avLst/>
-          </a:prstGeom>
-          <a:noFill/>
-        </p:spPr>
-        <p:txBody>
-          <a:bodyPr wrap="square">
-            <a:spAutoFit/>
-          </a:bodyPr>
-          <a:lstStyle/>
-          <a:p>
-            <a:pPr marL="342900" lvl="0" indent="-342900" algn="just">
-              <a:lnSpc>
-                <a:spcPct val="150000"/>
-              </a:lnSpc>
-              <a:spcBef>
-                <a:spcPts val="1800"/>
-              </a:spcBef>
-              <a:spcAft>
-                <a:spcPts val="1800"/>
-              </a:spcAft>
-              <a:buFont typeface="Symbol" panose="05050102010706020507" pitchFamily="18" charset="2"/>
-              <a:buChar char=""/>
-            </a:pPr>
-            <a:r>
-              <a:rPr lang="es-EC" sz="1800" dirty="0">
-                <a:effectLst/>
-                <a:latin typeface="Arial" panose="020B0604020202020204" pitchFamily="34" charset="0"/>
-                <a:ea typeface="Calibri" panose="020F0502020204030204" pitchFamily="34" charset="0"/>
-                <a:cs typeface="Times New Roman" panose="02020603050405020304" pitchFamily="18" charset="0"/>
-              </a:rPr>
-              <a:t>Aumentar la seguridad que posee el API, ya que, aunque el software entregado cuenta con un sistema de seguridad JWT, sería muy recomendable agregar nomas de seguridad como prohibiciones de IP, prohibiciones de MAC, detección de solicitudes simultaneas desde varios ordenadores; para de esta forma estar protegido aún más en caso de cualquier intento de penetración.</a:t>
-            </a:r>
-          </a:p>
-        </p:txBody>
-      </p:sp>
-      <p:pic>
-        <p:nvPicPr>
-          <p:cNvPr id="10242" name="Picture 2" descr="Qué 10 recomendaciones facilitan el flujo de tu laboratorio? - ICSA">
-            <a:extLst>
-              <a:ext uri="{FF2B5EF4-FFF2-40B4-BE49-F238E27FC236}">
-                <a16:creationId xmlns:a16="http://schemas.microsoft.com/office/drawing/2014/main" id="{17A62B6C-FE5E-4839-ABF6-3592D9CC33F6}"/>
-              </a:ext>
-            </a:extLst>
-          </p:cNvPr>
-          <p:cNvPicPr>
-            <a:picLocks noChangeAspect="1" noChangeArrowheads="1"/>
-          </p:cNvPicPr>
-          <p:nvPr/>
-        </p:nvPicPr>
-        <p:blipFill>
-          <a:blip r:embed="rId2">
-            <a:extLst>
-              <a:ext uri="{28A0092B-C50C-407E-A947-70E740481C1C}">
-                <a14:useLocalDpi xmlns:a14="http://schemas.microsoft.com/office/drawing/2010/main" val="0"/>
-              </a:ext>
-            </a:extLst>
-          </a:blip>
-          <a:srcRect/>
-          <a:stretch>
-            <a:fillRect/>
-          </a:stretch>
-        </p:blipFill>
-        <p:spPr bwMode="auto">
-          <a:xfrm>
-            <a:off x="7781300" y="1188252"/>
-            <a:ext cx="3674826" cy="4481495"/>
-          </a:xfrm>
-          <a:prstGeom prst="rect">
-            <a:avLst/>
-          </a:prstGeom>
-          <a:noFill/>
-          <a:extLst>
-            <a:ext uri="{909E8E84-426E-40DD-AFC4-6F175D3DCCD1}">
-              <a14:hiddenFill xmlns:a14="http://schemas.microsoft.com/office/drawing/2010/main">
-                <a:solidFill>
-                  <a:srgbClr val="FFFFFF"/>
-                </a:solidFill>
-              </a14:hiddenFill>
-            </a:ext>
-          </a:extLst>
-        </p:spPr>
-      </p:pic>
-    </p:spTree>
-    <p:extLst>
-      <p:ext uri="{BB962C8B-B14F-4D97-AF65-F5344CB8AC3E}">
-        <p14:creationId xmlns:p14="http://schemas.microsoft.com/office/powerpoint/2010/main" val="247859217"/>
-      </p:ext>
-    </p:extLst>
-  </p:cSld>
-  <p:clrMapOvr>
-    <a:masterClrMapping/>
-  </p:clrMapOvr>
-</p:sld>
-</file>
-
 <file path=ppt/slides/slide25.xml><?xml version="1.0" encoding="utf-8"?>
-<p:sld xmlns:a="http://schemas.openxmlformats.org/drawingml/2006/main" xmlns:r="http://schemas.openxmlformats.org/officeDocument/2006/relationships" xmlns:p="http://schemas.openxmlformats.org/presentationml/2006/main">
-  <p:cSld>
-    <p:spTree>
-      <p:nvGrpSpPr>
-        <p:cNvPr id="1" name=""/>
-        <p:cNvGrpSpPr/>
-        <p:nvPr/>
-      </p:nvGrpSpPr>
-      <p:grpSpPr>
-        <a:xfrm>
-          <a:off x="0" y="0"/>
-          <a:ext cx="0" cy="0"/>
-          <a:chOff x="0" y="0"/>
-          <a:chExt cx="0" cy="0"/>
-        </a:xfrm>
-      </p:grpSpPr>
-      <p:sp>
-        <p:nvSpPr>
-          <p:cNvPr id="4" name="CuadroTexto 3">
-            <a:extLst>
-              <a:ext uri="{FF2B5EF4-FFF2-40B4-BE49-F238E27FC236}">
-                <a16:creationId xmlns:a16="http://schemas.microsoft.com/office/drawing/2014/main" id="{C563328D-E3EB-4C9F-965B-64E3B06C3FFD}"/>
-              </a:ext>
-            </a:extLst>
-          </p:cNvPr>
-          <p:cNvSpPr txBox="1"/>
-          <p:nvPr/>
-        </p:nvSpPr>
-        <p:spPr>
-          <a:xfrm>
-            <a:off x="1197453" y="199753"/>
-            <a:ext cx="10258673" cy="1200329"/>
-          </a:xfrm>
-          <a:prstGeom prst="rect">
-            <a:avLst/>
-          </a:prstGeom>
-          <a:noFill/>
-        </p:spPr>
-        <p:txBody>
-          <a:bodyPr wrap="square">
-            <a:spAutoFit/>
-          </a:bodyPr>
-          <a:lstStyle/>
-          <a:p>
-            <a:pPr algn="ctr"/>
-            <a:r>
-              <a:rPr lang="es-ES" sz="3600" b="1" dirty="0">
-                <a:latin typeface="Century Gothic" charset="0"/>
-                <a:ea typeface="Century Gothic" charset="0"/>
-                <a:cs typeface="Century Gothic" charset="0"/>
-              </a:rPr>
-              <a:t>Recomendaciones</a:t>
-            </a:r>
-            <a:endParaRPr lang="es-EC" sz="3600" b="1" dirty="0">
-              <a:latin typeface="Century Gothic" charset="0"/>
-              <a:ea typeface="Century Gothic" charset="0"/>
-              <a:cs typeface="Century Gothic" charset="0"/>
-            </a:endParaRPr>
-          </a:p>
-          <a:p>
-            <a:pPr algn="ctr"/>
-            <a:endParaRPr lang="es-EC" sz="3600" b="1" dirty="0">
-              <a:latin typeface="Century Gothic" charset="0"/>
-              <a:ea typeface="Century Gothic" charset="0"/>
-              <a:cs typeface="Century Gothic" charset="0"/>
-            </a:endParaRPr>
-          </a:p>
-        </p:txBody>
-      </p:sp>
-      <p:sp>
-        <p:nvSpPr>
-          <p:cNvPr id="5" name="CuadroTexto 4">
-            <a:extLst>
-              <a:ext uri="{FF2B5EF4-FFF2-40B4-BE49-F238E27FC236}">
-                <a16:creationId xmlns:a16="http://schemas.microsoft.com/office/drawing/2014/main" id="{246B9C15-8019-4F54-B8E9-A411FE589519}"/>
-              </a:ext>
-            </a:extLst>
-          </p:cNvPr>
-          <p:cNvSpPr txBox="1"/>
-          <p:nvPr/>
-        </p:nvSpPr>
-        <p:spPr>
-          <a:xfrm>
-            <a:off x="5361748" y="1746488"/>
-            <a:ext cx="6094378" cy="3365024"/>
-          </a:xfrm>
-          <a:prstGeom prst="rect">
-            <a:avLst/>
-          </a:prstGeom>
-          <a:noFill/>
-        </p:spPr>
-        <p:txBody>
-          <a:bodyPr wrap="square">
-            <a:spAutoFit/>
-          </a:bodyPr>
-          <a:lstStyle/>
-          <a:p>
-            <a:pPr marL="457200" algn="just">
-              <a:lnSpc>
-                <a:spcPct val="150000"/>
-              </a:lnSpc>
-              <a:spcBef>
-                <a:spcPts val="1800"/>
-              </a:spcBef>
-            </a:pPr>
-            <a:r>
-              <a:rPr lang="es-EC" sz="1800" dirty="0">
-                <a:effectLst/>
-                <a:latin typeface="Arial" panose="020B0604020202020204" pitchFamily="34" charset="0"/>
-                <a:ea typeface="Calibri" panose="020F0502020204030204" pitchFamily="34" charset="0"/>
-                <a:cs typeface="Times New Roman" panose="02020603050405020304" pitchFamily="18" charset="0"/>
-              </a:rPr>
-              <a:t> </a:t>
-            </a:r>
-          </a:p>
-          <a:p>
-            <a:pPr marL="342900" lvl="0" indent="-342900" algn="just">
-              <a:lnSpc>
-                <a:spcPct val="150000"/>
-              </a:lnSpc>
-              <a:spcAft>
-                <a:spcPts val="1800"/>
-              </a:spcAft>
-              <a:buFont typeface="Symbol" panose="05050102010706020507" pitchFamily="18" charset="2"/>
-              <a:buChar char=""/>
-            </a:pPr>
-            <a:r>
-              <a:rPr lang="es-EC" sz="1800" dirty="0">
-                <a:effectLst/>
-                <a:latin typeface="Arial" panose="020B0604020202020204" pitchFamily="34" charset="0"/>
-                <a:ea typeface="Calibri" panose="020F0502020204030204" pitchFamily="34" charset="0"/>
-                <a:cs typeface="Times New Roman" panose="02020603050405020304" pitchFamily="18" charset="0"/>
-              </a:rPr>
-              <a:t>Al momento de que un desarrollador implemente el API desde cualquier lenguaje de programación FrontEnd, es necesario monitorear el comportamiento del software en las peticiones realizadas, para ello se puede utilizar diferentes formas de registros; App </a:t>
-            </a:r>
-            <a:r>
-              <a:rPr lang="es-EC" sz="1800" dirty="0" err="1">
-                <a:effectLst/>
-                <a:latin typeface="Arial" panose="020B0604020202020204" pitchFamily="34" charset="0"/>
-                <a:ea typeface="Calibri" panose="020F0502020204030204" pitchFamily="34" charset="0"/>
-                <a:cs typeface="Times New Roman" panose="02020603050405020304" pitchFamily="18" charset="0"/>
-              </a:rPr>
-              <a:t>Insights</a:t>
-            </a:r>
-            <a:r>
-              <a:rPr lang="es-EC" sz="1800" dirty="0">
-                <a:effectLst/>
-                <a:latin typeface="Arial" panose="020B0604020202020204" pitchFamily="34" charset="0"/>
-                <a:ea typeface="Calibri" panose="020F0502020204030204" pitchFamily="34" charset="0"/>
-                <a:cs typeface="Times New Roman" panose="02020603050405020304" pitchFamily="18" charset="0"/>
-              </a:rPr>
-              <a:t> (Azure), </a:t>
-            </a:r>
-            <a:r>
-              <a:rPr lang="es-EC" sz="1800" dirty="0" err="1">
-                <a:effectLst/>
-                <a:latin typeface="Arial" panose="020B0604020202020204" pitchFamily="34" charset="0"/>
-                <a:ea typeface="Calibri" panose="020F0502020204030204" pitchFamily="34" charset="0"/>
-                <a:cs typeface="Times New Roman" panose="02020603050405020304" pitchFamily="18" charset="0"/>
-              </a:rPr>
-              <a:t>Seq</a:t>
-            </a:r>
-            <a:r>
-              <a:rPr lang="es-EC" sz="1800" dirty="0">
-                <a:effectLst/>
-                <a:latin typeface="Arial" panose="020B0604020202020204" pitchFamily="34" charset="0"/>
-                <a:ea typeface="Calibri" panose="020F0502020204030204" pitchFamily="34" charset="0"/>
-                <a:cs typeface="Times New Roman" panose="02020603050405020304" pitchFamily="18" charset="0"/>
-              </a:rPr>
-              <a:t> (Localmente), o registros en bloc de notas.</a:t>
-            </a:r>
-          </a:p>
-        </p:txBody>
-      </p:sp>
-      <p:pic>
-        <p:nvPicPr>
-          <p:cNvPr id="10242" name="Picture 2" descr="Qué 10 recomendaciones facilitan el flujo de tu laboratorio? - ICSA">
-            <a:extLst>
-              <a:ext uri="{FF2B5EF4-FFF2-40B4-BE49-F238E27FC236}">
-                <a16:creationId xmlns:a16="http://schemas.microsoft.com/office/drawing/2014/main" id="{17A62B6C-FE5E-4839-ABF6-3592D9CC33F6}"/>
-              </a:ext>
-            </a:extLst>
-          </p:cNvPr>
-          <p:cNvPicPr>
-            <a:picLocks noChangeAspect="1" noChangeArrowheads="1"/>
-          </p:cNvPicPr>
-          <p:nvPr/>
-        </p:nvPicPr>
-        <p:blipFill>
-          <a:blip r:embed="rId2">
-            <a:extLst>
-              <a:ext uri="{28A0092B-C50C-407E-A947-70E740481C1C}">
-                <a14:useLocalDpi xmlns:a14="http://schemas.microsoft.com/office/drawing/2010/main" val="0"/>
-              </a:ext>
-            </a:extLst>
-          </a:blip>
-          <a:srcRect/>
-          <a:stretch>
-            <a:fillRect/>
-          </a:stretch>
-        </p:blipFill>
-        <p:spPr bwMode="auto">
-          <a:xfrm>
-            <a:off x="735874" y="1400082"/>
-            <a:ext cx="3674826" cy="4481495"/>
-          </a:xfrm>
-          <a:prstGeom prst="rect">
-            <a:avLst/>
-          </a:prstGeom>
-          <a:noFill/>
-          <a:extLst>
-            <a:ext uri="{909E8E84-426E-40DD-AFC4-6F175D3DCCD1}">
-              <a14:hiddenFill xmlns:a14="http://schemas.microsoft.com/office/drawing/2010/main">
-                <a:solidFill>
-                  <a:srgbClr val="FFFFFF"/>
-                </a:solidFill>
-              </a14:hiddenFill>
-            </a:ext>
-          </a:extLst>
-        </p:spPr>
-      </p:pic>
-    </p:spTree>
-    <p:extLst>
-      <p:ext uri="{BB962C8B-B14F-4D97-AF65-F5344CB8AC3E}">
-        <p14:creationId xmlns:p14="http://schemas.microsoft.com/office/powerpoint/2010/main" val="2552052170"/>
-      </p:ext>
-    </p:extLst>
-  </p:cSld>
-  <p:clrMapOvr>
-    <a:masterClrMapping/>
-  </p:clrMapOvr>
-</p:sld>
-</file>
-
-<file path=ppt/slides/slide26.xml><?xml version="1.0" encoding="utf-8"?>
-<p:sld xmlns:a="http://schemas.openxmlformats.org/drawingml/2006/main" xmlns:r="http://schemas.openxmlformats.org/officeDocument/2006/relationships" xmlns:p="http://schemas.openxmlformats.org/presentationml/2006/main">
-  <p:cSld>
-    <p:spTree>
-      <p:nvGrpSpPr>
-        <p:cNvPr id="1" name=""/>
-        <p:cNvGrpSpPr/>
-        <p:nvPr/>
-      </p:nvGrpSpPr>
-      <p:grpSpPr>
-        <a:xfrm>
-          <a:off x="0" y="0"/>
-          <a:ext cx="0" cy="0"/>
-          <a:chOff x="0" y="0"/>
-          <a:chExt cx="0" cy="0"/>
-        </a:xfrm>
-      </p:grpSpPr>
-      <p:sp>
-        <p:nvSpPr>
-          <p:cNvPr id="4" name="CuadroTexto 3">
-            <a:extLst>
-              <a:ext uri="{FF2B5EF4-FFF2-40B4-BE49-F238E27FC236}">
-                <a16:creationId xmlns:a16="http://schemas.microsoft.com/office/drawing/2014/main" id="{C563328D-E3EB-4C9F-965B-64E3B06C3FFD}"/>
-              </a:ext>
-            </a:extLst>
-          </p:cNvPr>
-          <p:cNvSpPr txBox="1"/>
-          <p:nvPr/>
-        </p:nvSpPr>
-        <p:spPr>
-          <a:xfrm>
-            <a:off x="1197453" y="199753"/>
-            <a:ext cx="10258673" cy="1200329"/>
-          </a:xfrm>
-          <a:prstGeom prst="rect">
-            <a:avLst/>
-          </a:prstGeom>
-          <a:noFill/>
-        </p:spPr>
-        <p:txBody>
-          <a:bodyPr wrap="square">
-            <a:spAutoFit/>
-          </a:bodyPr>
-          <a:lstStyle/>
-          <a:p>
-            <a:pPr algn="ctr"/>
-            <a:r>
-              <a:rPr lang="es-ES" sz="3600" b="1" dirty="0">
-                <a:latin typeface="Century Gothic" charset="0"/>
-                <a:ea typeface="Century Gothic" charset="0"/>
-                <a:cs typeface="Century Gothic" charset="0"/>
-              </a:rPr>
-              <a:t>Recomendaciones</a:t>
-            </a:r>
-            <a:endParaRPr lang="es-EC" sz="3600" b="1" dirty="0">
-              <a:latin typeface="Century Gothic" charset="0"/>
-              <a:ea typeface="Century Gothic" charset="0"/>
-              <a:cs typeface="Century Gothic" charset="0"/>
-            </a:endParaRPr>
-          </a:p>
-          <a:p>
-            <a:pPr algn="ctr"/>
-            <a:endParaRPr lang="es-EC" sz="3600" b="1" dirty="0">
-              <a:latin typeface="Century Gothic" charset="0"/>
-              <a:ea typeface="Century Gothic" charset="0"/>
-              <a:cs typeface="Century Gothic" charset="0"/>
-            </a:endParaRPr>
-          </a:p>
-        </p:txBody>
-      </p:sp>
-      <p:sp>
-        <p:nvSpPr>
-          <p:cNvPr id="5" name="CuadroTexto 4">
-            <a:extLst>
-              <a:ext uri="{FF2B5EF4-FFF2-40B4-BE49-F238E27FC236}">
-                <a16:creationId xmlns:a16="http://schemas.microsoft.com/office/drawing/2014/main" id="{246B9C15-8019-4F54-B8E9-A411FE589519}"/>
-              </a:ext>
-            </a:extLst>
-          </p:cNvPr>
-          <p:cNvSpPr txBox="1"/>
-          <p:nvPr/>
-        </p:nvSpPr>
-        <p:spPr>
-          <a:xfrm>
-            <a:off x="522542" y="2054305"/>
-            <a:ext cx="6094378" cy="3365024"/>
-          </a:xfrm>
-          <a:prstGeom prst="rect">
-            <a:avLst/>
-          </a:prstGeom>
-          <a:noFill/>
-        </p:spPr>
-        <p:txBody>
-          <a:bodyPr wrap="square">
-            <a:spAutoFit/>
-          </a:bodyPr>
-          <a:lstStyle/>
-          <a:p>
-            <a:pPr marL="342900" lvl="0" indent="-342900" algn="just">
-              <a:lnSpc>
-                <a:spcPct val="150000"/>
-              </a:lnSpc>
-              <a:spcBef>
-                <a:spcPts val="1800"/>
-              </a:spcBef>
-              <a:spcAft>
-                <a:spcPts val="1800"/>
-              </a:spcAft>
-              <a:buFont typeface="Symbol" panose="05050102010706020507" pitchFamily="18" charset="2"/>
-              <a:buChar char=""/>
-            </a:pPr>
-            <a:r>
-              <a:rPr lang="es-EC" sz="1800" dirty="0">
-                <a:effectLst/>
-                <a:latin typeface="Arial" panose="020B0604020202020204" pitchFamily="34" charset="0"/>
-                <a:ea typeface="Calibri" panose="020F0502020204030204" pitchFamily="34" charset="0"/>
-                <a:cs typeface="Times New Roman" panose="02020603050405020304" pitchFamily="18" charset="0"/>
-              </a:rPr>
-              <a:t>Es fundamental que si se desea utilizar el presente proyecto para continuas mejoras y nuevas funcionalidades se siga el esquema de arquitectura presentado en este documento, en especial las seguridades que se emplean en los servicios, ya que, si un nuevo servicio está protección, un usuario mal intencionado puede encontrar esta vulnerabilidad para atacar todo el sistema.</a:t>
-            </a:r>
-          </a:p>
-        </p:txBody>
-      </p:sp>
-      <p:pic>
-        <p:nvPicPr>
-          <p:cNvPr id="10242" name="Picture 2" descr="Qué 10 recomendaciones facilitan el flujo de tu laboratorio? - ICSA">
-            <a:extLst>
-              <a:ext uri="{FF2B5EF4-FFF2-40B4-BE49-F238E27FC236}">
-                <a16:creationId xmlns:a16="http://schemas.microsoft.com/office/drawing/2014/main" id="{17A62B6C-FE5E-4839-ABF6-3592D9CC33F6}"/>
-              </a:ext>
-            </a:extLst>
-          </p:cNvPr>
-          <p:cNvPicPr>
-            <a:picLocks noChangeAspect="1" noChangeArrowheads="1"/>
-          </p:cNvPicPr>
-          <p:nvPr/>
-        </p:nvPicPr>
-        <p:blipFill>
-          <a:blip r:embed="rId2">
-            <a:extLst>
-              <a:ext uri="{28A0092B-C50C-407E-A947-70E740481C1C}">
-                <a14:useLocalDpi xmlns:a14="http://schemas.microsoft.com/office/drawing/2010/main" val="0"/>
-              </a:ext>
-            </a:extLst>
-          </a:blip>
-          <a:srcRect/>
-          <a:stretch>
-            <a:fillRect/>
-          </a:stretch>
-        </p:blipFill>
-        <p:spPr bwMode="auto">
-          <a:xfrm>
-            <a:off x="7781300" y="1188252"/>
-            <a:ext cx="3674826" cy="4481495"/>
-          </a:xfrm>
-          <a:prstGeom prst="rect">
-            <a:avLst/>
-          </a:prstGeom>
-          <a:noFill/>
-          <a:extLst>
-            <a:ext uri="{909E8E84-426E-40DD-AFC4-6F175D3DCCD1}">
-              <a14:hiddenFill xmlns:a14="http://schemas.microsoft.com/office/drawing/2010/main">
-                <a:solidFill>
-                  <a:srgbClr val="FFFFFF"/>
-                </a:solidFill>
-              </a14:hiddenFill>
-            </a:ext>
-          </a:extLst>
-        </p:spPr>
-      </p:pic>
-    </p:spTree>
-    <p:extLst>
-      <p:ext uri="{BB962C8B-B14F-4D97-AF65-F5344CB8AC3E}">
-        <p14:creationId xmlns:p14="http://schemas.microsoft.com/office/powerpoint/2010/main" val="605506376"/>
-      </p:ext>
-    </p:extLst>
-  </p:cSld>
-  <p:clrMapOvr>
-    <a:masterClrMapping/>
-  </p:clrMapOvr>
-</p:sld>
-</file>
-
-<file path=ppt/slides/slide27.xml><?xml version="1.0" encoding="utf-8"?>
 <p:sld xmlns:a="http://schemas.openxmlformats.org/drawingml/2006/main" xmlns:r="http://schemas.openxmlformats.org/officeDocument/2006/relationships" xmlns:p="http://schemas.openxmlformats.org/presentationml/2006/main">
   <p:cSld>
     <p:spTree>
@@ -15011,7 +14540,7 @@
 </p:sld>
 </file>
 
-<file path=ppt/slides/slide28.xml><?xml version="1.0" encoding="utf-8"?>
+<file path=ppt/slides/slide26.xml><?xml version="1.0" encoding="utf-8"?>
 <p:sld xmlns:a="http://schemas.openxmlformats.org/drawingml/2006/main" xmlns:r="http://schemas.openxmlformats.org/officeDocument/2006/relationships" xmlns:p="http://schemas.openxmlformats.org/presentationml/2006/main">
   <p:cSld>
     <p:spTree>
@@ -15131,7 +14660,7 @@
         </p:nvSpPr>
         <p:spPr>
           <a:xfrm>
-            <a:off x="647451" y="2121100"/>
+            <a:off x="647451" y="1786599"/>
             <a:ext cx="5157787" cy="823912"/>
           </a:xfrm>
         </p:spPr>
@@ -15150,7 +14679,7 @@
                 <a:ea typeface="Century Gothic" charset="0"/>
                 <a:cs typeface="Century Gothic" charset="0"/>
               </a:rPr>
-              <a:t>Introducción de la empresa</a:t>
+              <a:t>Introducción</a:t>
             </a:r>
           </a:p>
           <a:p>
@@ -15161,15 +14690,8 @@
             </a:pPr>
             <a:r>
               <a:rPr lang="es-EC" sz="1800" b="0" dirty="0"/>
-              <a:t>La problemática principal surge con las restricciones que exige la pandemia mundial que atravesamos, las cuales obliga a evitar</a:t>
-            </a:r>
-            <a:endParaRPr lang="es-ES" sz="1800" b="0" dirty="0">
-              <a:latin typeface="Century Gothic" charset="0"/>
-              <a:ea typeface="Century Gothic" charset="0"/>
-              <a:cs typeface="Century Gothic" charset="0"/>
-            </a:endParaRPr>
-          </a:p>
-          <a:p>
+              <a:t>Las elecciones son concursos realizados en todo el mundo que buscan la elección de un ganador en un grupo de candidatos, estos procesos la gran mayoría son realizados de forma presencial.</a:t>
+            </a:r>
             <a:endParaRPr lang="es-ES" dirty="0"/>
           </a:p>
         </p:txBody>
@@ -15186,7 +14708,7 @@
         </p:nvSpPr>
         <p:spPr>
           <a:xfrm>
-            <a:off x="6364537" y="3429000"/>
+            <a:off x="6364537" y="3550297"/>
             <a:ext cx="5283926" cy="2776337"/>
           </a:xfrm>
         </p:spPr>
@@ -15212,7 +14734,7 @@
             <a:pPr algn="just"/>
             <a:r>
               <a:rPr lang="es-EC" sz="1800" b="0" dirty="0"/>
-              <a:t>La problemática principal surge con las restricciones que exige la pandemia mundial que atravesamos, las cuales obliga a evitar en lo posible un contacto físico con muchas personas y por lo tanto cancelar los eventos que atraigan varios espectadores o público en general a un determinado lugar. </a:t>
+              <a:t>El principal problema surge con la pandemia mundial y las restricciones que obliga a evitar en lo posible un contacto físico con muchas personas y por lo tanto cancelar los eventos que atraigan varios espectadores o público en general.</a:t>
             </a:r>
             <a:endParaRPr lang="es-ES" sz="1800" b="0" dirty="0"/>
           </a:p>
@@ -15281,13 +14803,14 @@
           </a:bodyPr>
           <a:lstStyle/>
           <a:p>
+            <a:pPr algn="ctr"/>
             <a:r>
               <a:rPr lang="es-EC" sz="3600" b="1" dirty="0">
                 <a:latin typeface="Century Gothic" charset="0"/>
                 <a:ea typeface="Century Gothic" charset="0"/>
                 <a:cs typeface="Century Gothic" charset="0"/>
               </a:rPr>
-              <a:t>Introducción de la empresa o del Problema</a:t>
+              <a:t>Introducción del Problema</a:t>
             </a:r>
             <a:endParaRPr lang="en-US" sz="3600" b="1" dirty="0"/>
           </a:p>
@@ -15669,7 +15192,7 @@
               <a:rPr lang="es-EC" sz="1600" dirty="0">
                 <a:latin typeface="Century Gothic" panose="020B0502020202020204" pitchFamily="34" charset="0"/>
               </a:rPr>
-              <a:t>Diseñar los modelos y esquemas que permitan fluir la lógica que conlleva los eventos de selecciones. </a:t>
+              <a:t>Diseñar los modelos y esquemas que permitan fluir la lógica que conlleva los eventos de elecciones. </a:t>
             </a:r>
           </a:p>
           <a:p>
@@ -15790,7 +15313,7 @@
         </p:nvSpPr>
         <p:spPr>
           <a:xfrm>
-            <a:off x="613316" y="2376273"/>
+            <a:off x="584608" y="1517856"/>
             <a:ext cx="5157787" cy="2758596"/>
           </a:xfrm>
         </p:spPr>
@@ -15813,10 +15336,12 @@
             </a:r>
           </a:p>
           <a:p>
-            <a:pPr marL="0" lvl="1" algn="just">
+            <a:pPr marL="285750" lvl="1" indent="-285750" algn="just">
               <a:spcBef>
                 <a:spcPts val="1000"/>
               </a:spcBef>
+              <a:buFontTx/>
+              <a:buChar char="-"/>
             </a:pPr>
             <a:r>
               <a:rPr lang="es-EC" sz="1800" b="0" dirty="0">
@@ -15824,14 +15349,16 @@
                 <a:ea typeface="Century Gothic" charset="0"/>
                 <a:cs typeface="Century Gothic" charset="0"/>
               </a:rPr>
-              <a:t>Poder crear un administrador para eventos de selección de candidatos  que ayude a los grupos, instituciones o barrios que requieran realizar un procesos de escoger representantes de algún tipo específico, evitando de esta manera las aglomeraciones de personas en lugares concentrados.</a:t>
-            </a:r>
-          </a:p>
-          <a:p>
-            <a:pPr marL="0" lvl="1" algn="just">
+              <a:t>Evitar aglomeraciones.</a:t>
+            </a:r>
+          </a:p>
+          <a:p>
+            <a:pPr marL="285750" lvl="1" indent="-285750" algn="just">
               <a:spcBef>
                 <a:spcPts val="1000"/>
               </a:spcBef>
+              <a:buFontTx/>
+              <a:buChar char="-"/>
             </a:pPr>
             <a:r>
               <a:rPr lang="es-EC" sz="1800" b="0" dirty="0">
@@ -15839,7 +15366,24 @@
                 <a:ea typeface="Century Gothic" charset="0"/>
                 <a:cs typeface="Century Gothic" charset="0"/>
               </a:rPr>
-              <a:t>Al crear un API se pretende abrir la posibilidad a ser implementado un cualquier visualizador (FrontEnd).</a:t>
+              <a:t>Reducir gastos en procesos de elecciones presenciales.</a:t>
+            </a:r>
+          </a:p>
+          <a:p>
+            <a:pPr marL="285750" lvl="1" indent="-285750" algn="just">
+              <a:spcBef>
+                <a:spcPts val="1000"/>
+              </a:spcBef>
+              <a:buFontTx/>
+              <a:buChar char="-"/>
+            </a:pPr>
+            <a:r>
+              <a:rPr lang="es-EC" sz="1800" b="0" dirty="0">
+                <a:latin typeface="Century Gothic" charset="0"/>
+                <a:ea typeface="Century Gothic" charset="0"/>
+                <a:cs typeface="Century Gothic" charset="0"/>
+              </a:rPr>
+              <a:t>Brindar posibilidad que otras personas puedan implementar el API desde cualquier FrontEnd</a:t>
             </a:r>
           </a:p>
           <a:p>
@@ -15871,8 +15415,8 @@
         </p:nvSpPr>
         <p:spPr>
           <a:xfrm>
-            <a:off x="6272213" y="3429000"/>
-            <a:ext cx="5388429" cy="2862206"/>
+            <a:off x="6382481" y="3755571"/>
+            <a:ext cx="5388429" cy="2314010"/>
           </a:xfrm>
         </p:spPr>
         <p:txBody>
@@ -15905,7 +15449,7 @@
                 <a:ea typeface="Century Gothic" charset="0"/>
                 <a:cs typeface="Century Gothic" charset="0"/>
               </a:rPr>
-              <a:t>El proyecto tendrá como alcance la creación de un API consumible, e implementable, para elecciones de candidatos con proyección y soporte a una cantidad variable de participantes dentro de los eventos a realizarse en empresas o instituciones educativas. El software permitirá nombrar un candidato ganador, dentro de un grupo de participantes en el evento</a:t>
+              <a:t>Entrega de API consumible, e implementable, para elecciones de candidatos con proyección y soporte a una cantidad variable de participantes dentro de empresas medianas o instituciones educativas.</a:t>
             </a:r>
             <a:endParaRPr lang="es-ES" dirty="0"/>
           </a:p>
@@ -16152,7 +15696,7 @@
                 <a:ea typeface="Century Gothic" charset="0"/>
                 <a:cs typeface="Century Gothic" charset="0"/>
               </a:rPr>
-              <a:t>Campo de estudio (Infraestructura)</a:t>
+              <a:t>Campo de estudio (Desarrollo de Software)</a:t>
             </a:r>
           </a:p>
         </p:txBody>
@@ -16179,8 +15723,8 @@
         </p:blipFill>
         <p:spPr>
           <a:xfrm>
-            <a:off x="3916625" y="973092"/>
-            <a:ext cx="8165130" cy="5203973"/>
+            <a:off x="4028423" y="943908"/>
+            <a:ext cx="8062210" cy="5138378"/>
           </a:xfrm>
           <a:prstGeom prst="rect">
             <a:avLst/>
@@ -16201,8 +15745,8 @@
         </p:nvSpPr>
         <p:spPr>
           <a:xfrm>
-            <a:off x="392348" y="943908"/>
-            <a:ext cx="3434917" cy="5975995"/>
+            <a:off x="840218" y="2287517"/>
+            <a:ext cx="3434917" cy="2693045"/>
           </a:xfrm>
           <a:prstGeom prst="rect">
             <a:avLst/>
@@ -16226,16 +15770,13 @@
                 <a:ea typeface="Century Gothic" charset="0"/>
                 <a:cs typeface="Century Gothic" charset="0"/>
               </a:rPr>
-              <a:t>Middleware: </a:t>
-            </a:r>
-            <a:r>
-              <a:rPr lang="es-EC" sz="1700" dirty="0">
-                <a:latin typeface="Century Gothic" charset="0"/>
-                <a:ea typeface="Century Gothic" charset="0"/>
-                <a:cs typeface="Century Gothic" charset="0"/>
-              </a:rPr>
-              <a:t>Filtro y control de excreciones globales.</a:t>
-            </a:r>
+              <a:t>Middleware:</a:t>
+            </a:r>
+            <a:endParaRPr lang="es-EC" sz="1700" dirty="0">
+              <a:latin typeface="Century Gothic" charset="0"/>
+              <a:ea typeface="Century Gothic" charset="0"/>
+              <a:cs typeface="Century Gothic" charset="0"/>
+            </a:endParaRPr>
           </a:p>
           <a:p>
             <a:pPr marL="0" lvl="1" algn="just">
@@ -16259,14 +15800,6 @@
               </a:rPr>
               <a:t>: </a:t>
             </a:r>
-            <a:r>
-              <a:rPr lang="es-EC" sz="1700" dirty="0">
-                <a:latin typeface="Century Gothic" charset="0"/>
-                <a:ea typeface="Century Gothic" charset="0"/>
-                <a:cs typeface="Century Gothic" charset="0"/>
-              </a:rPr>
-              <a:t>Inyector de clase contexto.</a:t>
-            </a:r>
           </a:p>
           <a:p>
             <a:pPr marL="0" lvl="1" algn="just">
@@ -16288,47 +15821,7 @@
                 <a:ea typeface="Century Gothic" charset="0"/>
                 <a:cs typeface="Century Gothic" charset="0"/>
               </a:rPr>
-              <a:t>. </a:t>
-            </a:r>
-            <a:r>
-              <a:rPr lang="es-EC" sz="1700" dirty="0">
-                <a:latin typeface="Century Gothic" charset="0"/>
-                <a:ea typeface="Century Gothic" charset="0"/>
-                <a:cs typeface="Century Gothic" charset="0"/>
-              </a:rPr>
-              <a:t>Clase que reciben los </a:t>
-            </a:r>
-            <a:r>
-              <a:rPr lang="es-EC" sz="1700" dirty="0" err="1">
-                <a:latin typeface="Century Gothic" charset="0"/>
-                <a:ea typeface="Century Gothic" charset="0"/>
-                <a:cs typeface="Century Gothic" charset="0"/>
-              </a:rPr>
-              <a:t>request</a:t>
-            </a:r>
-            <a:r>
-              <a:rPr lang="es-EC" sz="1700" dirty="0">
-                <a:latin typeface="Century Gothic" charset="0"/>
-                <a:ea typeface="Century Gothic" charset="0"/>
-                <a:cs typeface="Century Gothic" charset="0"/>
-              </a:rPr>
-              <a:t> y envían al </a:t>
-            </a:r>
-            <a:r>
-              <a:rPr lang="es-EC" sz="1700" dirty="0" err="1">
-                <a:latin typeface="Century Gothic" charset="0"/>
-                <a:ea typeface="Century Gothic" charset="0"/>
-                <a:cs typeface="Century Gothic" charset="0"/>
-              </a:rPr>
-              <a:t>handler</a:t>
-            </a:r>
-            <a:r>
-              <a:rPr lang="es-EC" sz="1700" dirty="0">
-                <a:latin typeface="Century Gothic" charset="0"/>
-                <a:ea typeface="Century Gothic" charset="0"/>
-                <a:cs typeface="Century Gothic" charset="0"/>
-              </a:rPr>
-              <a:t> correspondiente.</a:t>
+              <a:t>.</a:t>
             </a:r>
           </a:p>
           <a:p>
@@ -16353,14 +15846,6 @@
               </a:rPr>
               <a:t>: </a:t>
             </a:r>
-            <a:r>
-              <a:rPr lang="es-EC" sz="1700" dirty="0">
-                <a:latin typeface="Century Gothic" charset="0"/>
-                <a:ea typeface="Century Gothic" charset="0"/>
-                <a:cs typeface="Century Gothic" charset="0"/>
-              </a:rPr>
-              <a:t>Manejador de la lógica de petición. </a:t>
-            </a:r>
           </a:p>
           <a:p>
             <a:pPr marL="0" lvl="1" algn="just">
@@ -16384,14 +15869,6 @@
               </a:rPr>
               <a:t>: </a:t>
             </a:r>
-            <a:r>
-              <a:rPr lang="es-EC" sz="1700" dirty="0">
-                <a:latin typeface="Century Gothic" charset="0"/>
-                <a:ea typeface="Century Gothic" charset="0"/>
-                <a:cs typeface="Century Gothic" charset="0"/>
-              </a:rPr>
-              <a:t>Clase que contiene programación útil para toda la app.</a:t>
-            </a:r>
           </a:p>
           <a:p>
             <a:pPr marL="0" lvl="1" algn="just">
@@ -16400,20 +15877,20 @@
               </a:spcBef>
             </a:pPr>
             <a:r>
+              <a:rPr lang="es-EC" sz="1700" b="1" dirty="0" err="1">
+                <a:latin typeface="Century Gothic" charset="0"/>
+                <a:ea typeface="Century Gothic" charset="0"/>
+                <a:cs typeface="Century Gothic" charset="0"/>
+              </a:rPr>
+              <a:t>Services</a:t>
+            </a:r>
+            <a:r>
               <a:rPr lang="es-EC" sz="1700" b="1" dirty="0">
                 <a:latin typeface="Century Gothic" charset="0"/>
                 <a:ea typeface="Century Gothic" charset="0"/>
                 <a:cs typeface="Century Gothic" charset="0"/>
               </a:rPr>
-              <a:t>Servicies: </a:t>
-            </a:r>
-            <a:r>
-              <a:rPr lang="es-EC" sz="1700" dirty="0">
-                <a:latin typeface="Century Gothic" charset="0"/>
-                <a:ea typeface="Century Gothic" charset="0"/>
-                <a:cs typeface="Century Gothic" charset="0"/>
-              </a:rPr>
-              <a:t>Puede tener consultas extensas que se usan en varios sitios.</a:t>
+              <a:t>.</a:t>
             </a:r>
           </a:p>
           <a:p>
@@ -16423,49 +15900,135 @@
               </a:spcBef>
             </a:pPr>
             <a:r>
-              <a:rPr lang="es-EC" sz="1700" b="1" dirty="0" err="1">
-                <a:latin typeface="Century Gothic" charset="0"/>
-                <a:ea typeface="Century Gothic" charset="0"/>
-                <a:cs typeface="Century Gothic" charset="0"/>
-              </a:rPr>
-              <a:t>Repository</a:t>
-            </a:r>
-            <a:r>
               <a:rPr lang="es-EC" sz="1700" b="1" dirty="0">
                 <a:latin typeface="Century Gothic" charset="0"/>
                 <a:ea typeface="Century Gothic" charset="0"/>
                 <a:cs typeface="Century Gothic" charset="0"/>
               </a:rPr>
-              <a:t>: </a:t>
-            </a:r>
-            <a:r>
-              <a:rPr lang="es-EC" sz="1700" dirty="0">
-                <a:latin typeface="Century Gothic" charset="0"/>
-                <a:ea typeface="Century Gothic" charset="0"/>
-                <a:cs typeface="Century Gothic" charset="0"/>
-              </a:rPr>
-              <a:t>Se conecta con la base de datos y maneja las transacciones.</a:t>
-            </a:r>
-          </a:p>
-          <a:p>
-            <a:pPr marL="0" lvl="1" algn="just">
-              <a:spcBef>
-                <a:spcPts val="1000"/>
-              </a:spcBef>
-            </a:pPr>
-            <a:r>
-              <a:rPr lang="es-EC" dirty="0">
-                <a:latin typeface="Century Gothic" charset="0"/>
-                <a:ea typeface="Century Gothic" charset="0"/>
-                <a:cs typeface="Century Gothic" charset="0"/>
-              </a:rPr>
-              <a:t> </a:t>
+              <a:t>Repository.</a:t>
             </a:r>
             <a:endParaRPr lang="es-EC" sz="1800" b="0" dirty="0">
               <a:latin typeface="Century Gothic" charset="0"/>
               <a:ea typeface="Century Gothic" charset="0"/>
               <a:cs typeface="Century Gothic" charset="0"/>
             </a:endParaRPr>
+          </a:p>
+        </p:txBody>
+      </p:sp>
+      <p:sp>
+        <p:nvSpPr>
+          <p:cNvPr id="3" name="Rectángulo 2">
+            <a:extLst>
+              <a:ext uri="{FF2B5EF4-FFF2-40B4-BE49-F238E27FC236}">
+                <a16:creationId xmlns:a16="http://schemas.microsoft.com/office/drawing/2014/main" id="{664DB012-058A-4A2B-8120-4AE54C979017}"/>
+              </a:ext>
+            </a:extLst>
+          </p:cNvPr>
+          <p:cNvSpPr/>
+          <p:nvPr/>
+        </p:nvSpPr>
+        <p:spPr>
+          <a:xfrm>
+            <a:off x="4705165" y="1766656"/>
+            <a:ext cx="1065320" cy="159798"/>
+          </a:xfrm>
+          <a:prstGeom prst="rect">
+            <a:avLst/>
+          </a:prstGeom>
+          <a:ln>
+            <a:solidFill>
+              <a:schemeClr val="bg1"/>
+            </a:solidFill>
+          </a:ln>
+        </p:spPr>
+        <p:style>
+          <a:lnRef idx="2">
+            <a:schemeClr val="accent6"/>
+          </a:lnRef>
+          <a:fillRef idx="1">
+            <a:schemeClr val="lt1"/>
+          </a:fillRef>
+          <a:effectRef idx="0">
+            <a:schemeClr val="accent6"/>
+          </a:effectRef>
+          <a:fontRef idx="minor">
+            <a:schemeClr val="dk1"/>
+          </a:fontRef>
+        </p:style>
+        <p:txBody>
+          <a:bodyPr rtlCol="0" anchor="ctr"/>
+          <a:lstStyle/>
+          <a:p>
+            <a:pPr algn="ctr"/>
+            <a:r>
+              <a:rPr lang="es-EC" sz="1000" dirty="0">
+                <a:solidFill>
+                  <a:schemeClr val="accent1">
+                    <a:lumMod val="75000"/>
+                  </a:schemeClr>
+                </a:solidFill>
+              </a:rPr>
+              <a:t>Exception</a:t>
+            </a:r>
+          </a:p>
+        </p:txBody>
+      </p:sp>
+      <p:sp>
+        <p:nvSpPr>
+          <p:cNvPr id="9" name="Rectángulo 8">
+            <a:extLst>
+              <a:ext uri="{FF2B5EF4-FFF2-40B4-BE49-F238E27FC236}">
+                <a16:creationId xmlns:a16="http://schemas.microsoft.com/office/drawing/2014/main" id="{04EA7F94-05F0-4ADC-B902-5512818F7577}"/>
+              </a:ext>
+            </a:extLst>
+          </p:cNvPr>
+          <p:cNvSpPr/>
+          <p:nvPr/>
+        </p:nvSpPr>
+        <p:spPr>
+          <a:xfrm>
+            <a:off x="7181850" y="4586130"/>
+            <a:ext cx="792480" cy="138270"/>
+          </a:xfrm>
+          <a:prstGeom prst="rect">
+            <a:avLst/>
+          </a:prstGeom>
+          <a:solidFill>
+            <a:schemeClr val="accent1">
+              <a:lumMod val="50000"/>
+            </a:schemeClr>
+          </a:solidFill>
+          <a:ln>
+            <a:noFill/>
+          </a:ln>
+        </p:spPr>
+        <p:style>
+          <a:lnRef idx="2">
+            <a:schemeClr val="accent6"/>
+          </a:lnRef>
+          <a:fillRef idx="1">
+            <a:schemeClr val="lt1"/>
+          </a:fillRef>
+          <a:effectRef idx="0">
+            <a:schemeClr val="accent6"/>
+          </a:effectRef>
+          <a:fontRef idx="minor">
+            <a:schemeClr val="dk1"/>
+          </a:fontRef>
+        </p:style>
+        <p:txBody>
+          <a:bodyPr rtlCol="0" anchor="ctr"/>
+          <a:lstStyle/>
+          <a:p>
+            <a:pPr algn="ctr"/>
+            <a:r>
+              <a:rPr lang="es-EC" sz="1000" dirty="0">
+                <a:solidFill>
+                  <a:schemeClr val="bg1"/>
+                </a:solidFill>
+              </a:rPr>
+              <a:t>Repository</a:t>
+            </a:r>
           </a:p>
         </p:txBody>
       </p:sp>
@@ -16753,7 +16316,7 @@
         <p:spPr>
           <a:xfrm>
             <a:off x="311287" y="4377773"/>
-            <a:ext cx="3240000" cy="1400383"/>
+            <a:ext cx="3240000" cy="1138773"/>
           </a:xfrm>
           <a:prstGeom prst="rect">
             <a:avLst/>
@@ -16846,22 +16409,6 @@
                 <a:cs typeface="Century Gothic" charset="0"/>
               </a:rPr>
               <a:t>.net</a:t>
-            </a:r>
-            <a:r>
-              <a:rPr lang="es-EC" sz="1700" dirty="0">
-                <a:latin typeface="Century Gothic" charset="0"/>
-                <a:ea typeface="Century Gothic" charset="0"/>
-                <a:cs typeface="Century Gothic" charset="0"/>
-              </a:rPr>
-              <a:t> </a:t>
-            </a:r>
-            <a:r>
-              <a:rPr lang="es-EC" sz="1700" dirty="0" err="1">
-                <a:latin typeface="Century Gothic" charset="0"/>
-                <a:ea typeface="Century Gothic" charset="0"/>
-                <a:cs typeface="Century Gothic" charset="0"/>
-              </a:rPr>
-              <a:t>core</a:t>
             </a:r>
             <a:r>
               <a:rPr lang="es-EC" sz="1700" dirty="0">
@@ -18017,23 +17564,7 @@
                 <a:ea typeface="Century Gothic" charset="0"/>
                 <a:cs typeface="Century Gothic" charset="0"/>
               </a:rPr>
-              <a:t>Para exponer los servicios creados se utilizó Swagger como un estándar que está tomando </a:t>
-            </a:r>
-            <a:r>
-              <a:rPr lang="es-EC" sz="1700" dirty="0" err="1">
-                <a:latin typeface="Century Gothic" charset="0"/>
-                <a:ea typeface="Century Gothic" charset="0"/>
-                <a:cs typeface="Century Gothic" charset="0"/>
-              </a:rPr>
-              <a:t>fueza</a:t>
-            </a:r>
-            <a:r>
-              <a:rPr lang="es-EC" sz="1700" dirty="0">
-                <a:latin typeface="Century Gothic" charset="0"/>
-                <a:ea typeface="Century Gothic" charset="0"/>
-                <a:cs typeface="Century Gothic" charset="0"/>
-              </a:rPr>
-              <a:t> en los últimos años para presentar </a:t>
+              <a:t>Para exponer los servicios creados se utilizó Swagger como un estándar que está tomando fuerza en los últimos años para presentar </a:t>
             </a:r>
             <a:r>
               <a:rPr lang="es-EC" sz="1700" dirty="0" err="1">
